--- a/Slides/On-Campus/09_02_SystemOfProtocolsAndMoreLists.pptx
+++ b/Slides/On-Campus/09_02_SystemOfProtocolsAndMoreLists.pptx
@@ -5,20 +5,23 @@
     <p:sldMasterId id="2147483648" r:id="rId1"/>
   </p:sldMasterIdLst>
   <p:notesMasterIdLst>
-    <p:notesMasterId r:id="rId10"/>
+    <p:notesMasterId r:id="rId13"/>
   </p:notesMasterIdLst>
   <p:handoutMasterIdLst>
-    <p:handoutMasterId r:id="rId11"/>
+    <p:handoutMasterId r:id="rId14"/>
   </p:handoutMasterIdLst>
   <p:sldIdLst>
     <p:sldId id="256" r:id="rId2"/>
-    <p:sldId id="261" r:id="rId3"/>
-    <p:sldId id="262" r:id="rId4"/>
-    <p:sldId id="263" r:id="rId5"/>
-    <p:sldId id="257" r:id="rId6"/>
-    <p:sldId id="258" r:id="rId7"/>
-    <p:sldId id="259" r:id="rId8"/>
-    <p:sldId id="260" r:id="rId9"/>
+    <p:sldId id="274" r:id="rId3"/>
+    <p:sldId id="261" r:id="rId4"/>
+    <p:sldId id="262" r:id="rId5"/>
+    <p:sldId id="263" r:id="rId6"/>
+    <p:sldId id="257" r:id="rId7"/>
+    <p:sldId id="258" r:id="rId8"/>
+    <p:sldId id="276" r:id="rId9"/>
+    <p:sldId id="259" r:id="rId10"/>
+    <p:sldId id="275" r:id="rId11"/>
+    <p:sldId id="260" r:id="rId12"/>
   </p:sldIdLst>
   <p:sldSz cx="13817600" cy="7772400"/>
   <p:notesSz cx="6858000" cy="9144000"/>
@@ -221,7 +224,7 @@
           <a:p>
             <a:fld id="{4D7E51A5-B478-1E40-8CBB-0DAA8831E99D}" type="datetimeFigureOut">
               <a:rPr lang="en-US" smtClean="0"/>
-              <a:t>10/13/2021</a:t>
+              <a:t>10/20/2021</a:t>
             </a:fld>
             <a:endParaRPr lang="en-US"/>
           </a:p>
@@ -386,7 +389,7 @@
           <a:p>
             <a:fld id="{D0ED587F-861E-6740-9643-E3DDAE89B8D6}" type="datetimeFigureOut">
               <a:rPr lang="en-US" smtClean="0"/>
-              <a:t>10/13/2021</a:t>
+              <a:t>10/20/2021</a:t>
             </a:fld>
             <a:endParaRPr lang="en-US"/>
           </a:p>
@@ -7619,7 +7622,1471 @@
 </p:sld>
 </file>
 
+<file path=ppt/slides/slide10.xml><?xml version="1.0" encoding="utf-8"?>
+<p:sld xmlns:a="http://schemas.openxmlformats.org/drawingml/2006/main" xmlns:r="http://schemas.openxmlformats.org/officeDocument/2006/relationships" xmlns:p="http://schemas.openxmlformats.org/presentationml/2006/main">
+  <p:cSld>
+    <p:spTree>
+      <p:nvGrpSpPr>
+        <p:cNvPr id="1" name=""/>
+        <p:cNvGrpSpPr/>
+        <p:nvPr/>
+      </p:nvGrpSpPr>
+      <p:grpSpPr>
+        <a:xfrm>
+          <a:off x="0" y="0"/>
+          <a:ext cx="0" cy="0"/>
+          <a:chOff x="0" y="0"/>
+          <a:chExt cx="0" cy="0"/>
+        </a:xfrm>
+      </p:grpSpPr>
+      <p:sp>
+        <p:nvSpPr>
+          <p:cNvPr id="2" name="Title 1">
+            <a:extLst>
+              <a:ext uri="{FF2B5EF4-FFF2-40B4-BE49-F238E27FC236}">
+                <a16:creationId xmlns:a16="http://schemas.microsoft.com/office/drawing/2014/main" id="{7607C3B2-2E20-4B94-BB3A-699D07CF401F}"/>
+              </a:ext>
+            </a:extLst>
+          </p:cNvPr>
+          <p:cNvSpPr>
+            <a:spLocks noGrp="1"/>
+          </p:cNvSpPr>
+          <p:nvPr>
+            <p:ph type="title"/>
+          </p:nvPr>
+        </p:nvSpPr>
+        <p:spPr/>
+        <p:txBody>
+          <a:bodyPr/>
+          <a:lstStyle/>
+          <a:p>
+            <a:r>
+              <a:rPr lang="en-US" dirty="0"/>
+              <a:t>Group Coding</a:t>
+            </a:r>
+          </a:p>
+        </p:txBody>
+      </p:sp>
+      <p:sp>
+        <p:nvSpPr>
+          <p:cNvPr id="3" name="Text Placeholder 2">
+            <a:extLst>
+              <a:ext uri="{FF2B5EF4-FFF2-40B4-BE49-F238E27FC236}">
+                <a16:creationId xmlns:a16="http://schemas.microsoft.com/office/drawing/2014/main" id="{00F4D096-9080-42C8-85A0-329CDDDD1F1D}"/>
+              </a:ext>
+            </a:extLst>
+          </p:cNvPr>
+          <p:cNvSpPr>
+            <a:spLocks noGrp="1"/>
+          </p:cNvSpPr>
+          <p:nvPr>
+            <p:ph type="body" sz="quarter" idx="10"/>
+          </p:nvPr>
+        </p:nvSpPr>
+        <p:spPr>
+          <a:xfrm>
+            <a:off x="628075" y="1776683"/>
+            <a:ext cx="12561453" cy="4178644"/>
+          </a:xfrm>
+        </p:spPr>
+        <p:txBody>
+          <a:bodyPr/>
+          <a:lstStyle/>
+          <a:p>
+            <a:r>
+              <a:rPr lang="en-US" dirty="0"/>
+              <a:t>Given the following list (or one similar)</a:t>
+            </a:r>
+          </a:p>
+          <a:p>
+            <a:pPr lvl="1"/>
+            <a:r>
+              <a:rPr lang="en-US" dirty="0">
+                <a:latin typeface="Consolas" panose="020B0609020204030204" pitchFamily="49" charset="0"/>
+              </a:rPr>
+              <a:t>[‘10’, ‘255’, ‘123’, ‘96]  # notice they are all String values</a:t>
+            </a:r>
+          </a:p>
+          <a:p>
+            <a:r>
+              <a:rPr lang="en-US" dirty="0"/>
+              <a:t>Create an empty list</a:t>
+            </a:r>
+          </a:p>
+          <a:p>
+            <a:r>
+              <a:rPr lang="en-US" dirty="0"/>
+              <a:t>Loop through the list above</a:t>
+            </a:r>
+          </a:p>
+          <a:p>
+            <a:pPr lvl="1"/>
+            <a:r>
+              <a:rPr lang="en-US" dirty="0"/>
+              <a:t>Add the number value of the String to the list (a required action for the DNA Lab)</a:t>
+            </a:r>
+          </a:p>
+          <a:p>
+            <a:r>
+              <a:rPr lang="en-US" dirty="0"/>
+              <a:t>Now loop through your new list, and print both the value and the index (location) of that number</a:t>
+            </a:r>
+          </a:p>
+          <a:p>
+            <a:pPr lvl="1"/>
+            <a:r>
+              <a:rPr lang="en-US" dirty="0"/>
+              <a:t>0 10</a:t>
+            </a:r>
+          </a:p>
+          <a:p>
+            <a:pPr lvl="1"/>
+            <a:r>
+              <a:rPr lang="en-US" dirty="0"/>
+              <a:t>1 255</a:t>
+            </a:r>
+          </a:p>
+          <a:p>
+            <a:pPr lvl="1"/>
+            <a:r>
+              <a:rPr lang="en-US" dirty="0"/>
+              <a:t>(</a:t>
+            </a:r>
+            <a:r>
+              <a:rPr lang="en-US" dirty="0" err="1"/>
+              <a:t>etc</a:t>
+            </a:r>
+            <a:r>
+              <a:rPr lang="en-US" dirty="0"/>
+              <a:t>)</a:t>
+            </a:r>
+          </a:p>
+          <a:p>
+            <a:pPr lvl="1"/>
+            <a:endParaRPr lang="en-US" dirty="0"/>
+          </a:p>
+        </p:txBody>
+      </p:sp>
+    </p:spTree>
+    <p:extLst>
+      <p:ext uri="{BB962C8B-B14F-4D97-AF65-F5344CB8AC3E}">
+        <p14:creationId xmlns:p14="http://schemas.microsoft.com/office/powerpoint/2010/main" val="691222557"/>
+      </p:ext>
+    </p:extLst>
+  </p:cSld>
+  <p:clrMapOvr>
+    <a:masterClrMapping/>
+  </p:clrMapOvr>
+  <mc:AlternateContent xmlns:mc="http://schemas.openxmlformats.org/markup-compatibility/2006" xmlns:p14="http://schemas.microsoft.com/office/powerpoint/2010/main">
+    <mc:Choice Requires="p14">
+      <p:transition p14:dur="300">
+        <p:fade/>
+      </p:transition>
+    </mc:Choice>
+    <mc:Fallback xmlns="">
+      <p:transition>
+        <p:fade/>
+      </p:transition>
+    </mc:Fallback>
+  </mc:AlternateContent>
+</p:sld>
+</file>
+
+<file path=ppt/slides/slide11.xml><?xml version="1.0" encoding="utf-8"?>
+<p:sld xmlns:a="http://schemas.openxmlformats.org/drawingml/2006/main" xmlns:r="http://schemas.openxmlformats.org/officeDocument/2006/relationships" xmlns:p="http://schemas.openxmlformats.org/presentationml/2006/main" show="0">
+  <p:cSld>
+    <p:spTree>
+      <p:nvGrpSpPr>
+        <p:cNvPr id="1" name=""/>
+        <p:cNvGrpSpPr/>
+        <p:nvPr/>
+      </p:nvGrpSpPr>
+      <p:grpSpPr>
+        <a:xfrm>
+          <a:off x="0" y="0"/>
+          <a:ext cx="0" cy="0"/>
+          <a:chOff x="0" y="0"/>
+          <a:chExt cx="0" cy="0"/>
+        </a:xfrm>
+      </p:grpSpPr>
+      <p:sp>
+        <p:nvSpPr>
+          <p:cNvPr id="2" name="Title 1">
+            <a:extLst>
+              <a:ext uri="{FF2B5EF4-FFF2-40B4-BE49-F238E27FC236}">
+                <a16:creationId xmlns:a16="http://schemas.microsoft.com/office/drawing/2014/main" id="{6817A430-48CE-854D-9898-A9D6919B3BC8}"/>
+              </a:ext>
+            </a:extLst>
+          </p:cNvPr>
+          <p:cNvSpPr>
+            <a:spLocks noGrp="1"/>
+          </p:cNvSpPr>
+          <p:nvPr>
+            <p:ph type="title"/>
+          </p:nvPr>
+        </p:nvSpPr>
+        <p:spPr/>
+        <p:txBody>
+          <a:bodyPr/>
+          <a:lstStyle/>
+          <a:p>
+            <a:r>
+              <a:rPr lang="en-US" dirty="0"/>
+              <a:t>Let’s Code</a:t>
+            </a:r>
+          </a:p>
+        </p:txBody>
+      </p:sp>
+      <p:sp>
+        <p:nvSpPr>
+          <p:cNvPr id="5" name="TextBox 4">
+            <a:extLst>
+              <a:ext uri="{FF2B5EF4-FFF2-40B4-BE49-F238E27FC236}">
+                <a16:creationId xmlns:a16="http://schemas.microsoft.com/office/drawing/2014/main" id="{0BF0F889-88A1-CF4F-939C-9189BA5816D0}"/>
+              </a:ext>
+            </a:extLst>
+          </p:cNvPr>
+          <p:cNvSpPr txBox="1"/>
+          <p:nvPr/>
+        </p:nvSpPr>
+        <p:spPr>
+          <a:xfrm>
+            <a:off x="2404534" y="1757333"/>
+            <a:ext cx="10001956" cy="5324535"/>
+          </a:xfrm>
+          <a:prstGeom prst="rect">
+            <a:avLst/>
+          </a:prstGeom>
+          <a:noFill/>
+        </p:spPr>
+        <p:txBody>
+          <a:bodyPr wrap="square">
+            <a:spAutoFit/>
+          </a:bodyPr>
+          <a:lstStyle/>
+          <a:p>
+            <a:r>
+              <a:rPr lang="en-US" dirty="0">
+                <a:solidFill>
+                  <a:srgbClr val="CC7832"/>
+                </a:solidFill>
+                <a:effectLst/>
+                <a:latin typeface="Consolas" panose="020B0609020204030204" pitchFamily="49" charset="0"/>
+                <a:cs typeface="Consolas" panose="020B0609020204030204" pitchFamily="49" charset="0"/>
+              </a:rPr>
+              <a:t>def </a:t>
+            </a:r>
+            <a:r>
+              <a:rPr lang="en-US" dirty="0" err="1">
+                <a:solidFill>
+                  <a:srgbClr val="FFC66D"/>
+                </a:solidFill>
+                <a:effectLst/>
+                <a:latin typeface="Consolas" panose="020B0609020204030204" pitchFamily="49" charset="0"/>
+                <a:cs typeface="Consolas" panose="020B0609020204030204" pitchFamily="49" charset="0"/>
+              </a:rPr>
+              <a:t>movie_analysis</a:t>
+            </a:r>
+            <a:r>
+              <a:rPr lang="en-US" dirty="0">
+                <a:latin typeface="Consolas" panose="020B0609020204030204" pitchFamily="49" charset="0"/>
+                <a:cs typeface="Consolas" panose="020B0609020204030204" pitchFamily="49" charset="0"/>
+              </a:rPr>
+              <a:t>():</a:t>
+            </a:r>
+            <a:br>
+              <a:rPr lang="en-US" dirty="0">
+                <a:latin typeface="Consolas" panose="020B0609020204030204" pitchFamily="49" charset="0"/>
+                <a:cs typeface="Consolas" panose="020B0609020204030204" pitchFamily="49" charset="0"/>
+              </a:rPr>
+            </a:br>
+            <a:r>
+              <a:rPr lang="en-US" dirty="0">
+                <a:latin typeface="Consolas" panose="020B0609020204030204" pitchFamily="49" charset="0"/>
+                <a:cs typeface="Consolas" panose="020B0609020204030204" pitchFamily="49" charset="0"/>
+              </a:rPr>
+              <a:t>    cast = [</a:t>
+            </a:r>
+            <a:r>
+              <a:rPr lang="en-US" dirty="0">
+                <a:solidFill>
+                  <a:srgbClr val="6A8759"/>
+                </a:solidFill>
+                <a:effectLst/>
+                <a:latin typeface="Consolas" panose="020B0609020204030204" pitchFamily="49" charset="0"/>
+                <a:cs typeface="Consolas" panose="020B0609020204030204" pitchFamily="49" charset="0"/>
+              </a:rPr>
+              <a:t>"Westley"</a:t>
+            </a:r>
+            <a:r>
+              <a:rPr lang="en-US" dirty="0">
+                <a:solidFill>
+                  <a:srgbClr val="CC7832"/>
+                </a:solidFill>
+                <a:effectLst/>
+                <a:latin typeface="Consolas" panose="020B0609020204030204" pitchFamily="49" charset="0"/>
+                <a:cs typeface="Consolas" panose="020B0609020204030204" pitchFamily="49" charset="0"/>
+              </a:rPr>
+              <a:t>, </a:t>
+            </a:r>
+            <a:r>
+              <a:rPr lang="en-US" dirty="0">
+                <a:solidFill>
+                  <a:srgbClr val="6A8759"/>
+                </a:solidFill>
+                <a:effectLst/>
+                <a:latin typeface="Consolas" panose="020B0609020204030204" pitchFamily="49" charset="0"/>
+                <a:cs typeface="Consolas" panose="020B0609020204030204" pitchFamily="49" charset="0"/>
+              </a:rPr>
+              <a:t>"Buttercup"</a:t>
+            </a:r>
+            <a:r>
+              <a:rPr lang="en-US" dirty="0">
+                <a:solidFill>
+                  <a:srgbClr val="CC7832"/>
+                </a:solidFill>
+                <a:effectLst/>
+                <a:latin typeface="Consolas" panose="020B0609020204030204" pitchFamily="49" charset="0"/>
+                <a:cs typeface="Consolas" panose="020B0609020204030204" pitchFamily="49" charset="0"/>
+              </a:rPr>
+              <a:t>, </a:t>
+            </a:r>
+            <a:r>
+              <a:rPr lang="en-US" dirty="0">
+                <a:solidFill>
+                  <a:srgbClr val="6A8759"/>
+                </a:solidFill>
+                <a:effectLst/>
+                <a:latin typeface="Consolas" panose="020B0609020204030204" pitchFamily="49" charset="0"/>
+                <a:cs typeface="Consolas" panose="020B0609020204030204" pitchFamily="49" charset="0"/>
+              </a:rPr>
+              <a:t>"Inigo Montoya"</a:t>
+            </a:r>
+            <a:r>
+              <a:rPr lang="en-US" dirty="0">
+                <a:solidFill>
+                  <a:srgbClr val="CC7832"/>
+                </a:solidFill>
+                <a:effectLst/>
+                <a:latin typeface="Consolas" panose="020B0609020204030204" pitchFamily="49" charset="0"/>
+                <a:cs typeface="Consolas" panose="020B0609020204030204" pitchFamily="49" charset="0"/>
+              </a:rPr>
+              <a:t>, </a:t>
+            </a:r>
+            <a:r>
+              <a:rPr lang="en-US" dirty="0">
+                <a:solidFill>
+                  <a:srgbClr val="6A8759"/>
+                </a:solidFill>
+                <a:effectLst/>
+                <a:latin typeface="Consolas" panose="020B0609020204030204" pitchFamily="49" charset="0"/>
+                <a:cs typeface="Consolas" panose="020B0609020204030204" pitchFamily="49" charset="0"/>
+              </a:rPr>
+              <a:t>"</a:t>
+            </a:r>
+            <a:r>
+              <a:rPr lang="en-US" dirty="0" err="1">
+                <a:solidFill>
+                  <a:srgbClr val="6A8759"/>
+                </a:solidFill>
+                <a:effectLst/>
+                <a:latin typeface="Consolas" panose="020B0609020204030204" pitchFamily="49" charset="0"/>
+                <a:cs typeface="Consolas" panose="020B0609020204030204" pitchFamily="49" charset="0"/>
+              </a:rPr>
+              <a:t>Vizzini</a:t>
+            </a:r>
+            <a:r>
+              <a:rPr lang="en-US" dirty="0">
+                <a:solidFill>
+                  <a:srgbClr val="6A8759"/>
+                </a:solidFill>
+                <a:effectLst/>
+                <a:latin typeface="Consolas" panose="020B0609020204030204" pitchFamily="49" charset="0"/>
+                <a:cs typeface="Consolas" panose="020B0609020204030204" pitchFamily="49" charset="0"/>
+              </a:rPr>
+              <a:t>"</a:t>
+            </a:r>
+            <a:r>
+              <a:rPr lang="en-US" dirty="0">
+                <a:solidFill>
+                  <a:srgbClr val="CC7832"/>
+                </a:solidFill>
+                <a:effectLst/>
+                <a:latin typeface="Consolas" panose="020B0609020204030204" pitchFamily="49" charset="0"/>
+                <a:cs typeface="Consolas" panose="020B0609020204030204" pitchFamily="49" charset="0"/>
+              </a:rPr>
+              <a:t>,</a:t>
+            </a:r>
+            <a:br>
+              <a:rPr lang="en-US" dirty="0">
+                <a:solidFill>
+                  <a:srgbClr val="CC7832"/>
+                </a:solidFill>
+                <a:effectLst/>
+                <a:latin typeface="Consolas" panose="020B0609020204030204" pitchFamily="49" charset="0"/>
+                <a:cs typeface="Consolas" panose="020B0609020204030204" pitchFamily="49" charset="0"/>
+              </a:rPr>
+            </a:br>
+            <a:r>
+              <a:rPr lang="en-US" dirty="0">
+                <a:solidFill>
+                  <a:srgbClr val="CC7832"/>
+                </a:solidFill>
+                <a:effectLst/>
+                <a:latin typeface="Consolas" panose="020B0609020204030204" pitchFamily="49" charset="0"/>
+                <a:cs typeface="Consolas" panose="020B0609020204030204" pitchFamily="49" charset="0"/>
+              </a:rPr>
+              <a:t>            </a:t>
+            </a:r>
+            <a:r>
+              <a:rPr lang="en-US" dirty="0">
+                <a:solidFill>
+                  <a:srgbClr val="6A8759"/>
+                </a:solidFill>
+                <a:effectLst/>
+                <a:latin typeface="Consolas" panose="020B0609020204030204" pitchFamily="49" charset="0"/>
+                <a:cs typeface="Consolas" panose="020B0609020204030204" pitchFamily="49" charset="0"/>
+              </a:rPr>
+              <a:t>"Fezzik"</a:t>
+            </a:r>
+            <a:r>
+              <a:rPr lang="en-US" dirty="0">
+                <a:solidFill>
+                  <a:srgbClr val="CC7832"/>
+                </a:solidFill>
+                <a:effectLst/>
+                <a:latin typeface="Consolas" panose="020B0609020204030204" pitchFamily="49" charset="0"/>
+                <a:cs typeface="Consolas" panose="020B0609020204030204" pitchFamily="49" charset="0"/>
+              </a:rPr>
+              <a:t>, </a:t>
+            </a:r>
+            <a:r>
+              <a:rPr lang="en-US" dirty="0">
+                <a:solidFill>
+                  <a:srgbClr val="6A8759"/>
+                </a:solidFill>
+                <a:effectLst/>
+                <a:latin typeface="Consolas" panose="020B0609020204030204" pitchFamily="49" charset="0"/>
+                <a:cs typeface="Consolas" panose="020B0609020204030204" pitchFamily="49" charset="0"/>
+              </a:rPr>
+              <a:t>"</a:t>
+            </a:r>
+            <a:r>
+              <a:rPr lang="en-US" dirty="0" err="1">
+                <a:solidFill>
+                  <a:srgbClr val="6A8759"/>
+                </a:solidFill>
+                <a:effectLst/>
+                <a:latin typeface="Consolas" panose="020B0609020204030204" pitchFamily="49" charset="0"/>
+                <a:cs typeface="Consolas" panose="020B0609020204030204" pitchFamily="49" charset="0"/>
+              </a:rPr>
+              <a:t>Rugan</a:t>
+            </a:r>
+            <a:r>
+              <a:rPr lang="en-US" dirty="0">
+                <a:solidFill>
+                  <a:srgbClr val="6A8759"/>
+                </a:solidFill>
+                <a:effectLst/>
+                <a:latin typeface="Consolas" panose="020B0609020204030204" pitchFamily="49" charset="0"/>
+                <a:cs typeface="Consolas" panose="020B0609020204030204" pitchFamily="49" charset="0"/>
+              </a:rPr>
+              <a:t>"</a:t>
+            </a:r>
+            <a:r>
+              <a:rPr lang="en-US" dirty="0">
+                <a:solidFill>
+                  <a:srgbClr val="CC7832"/>
+                </a:solidFill>
+                <a:effectLst/>
+                <a:latin typeface="Consolas" panose="020B0609020204030204" pitchFamily="49" charset="0"/>
+                <a:cs typeface="Consolas" panose="020B0609020204030204" pitchFamily="49" charset="0"/>
+              </a:rPr>
+              <a:t>, </a:t>
+            </a:r>
+            <a:r>
+              <a:rPr lang="en-US" dirty="0">
+                <a:solidFill>
+                  <a:srgbClr val="6A8759"/>
+                </a:solidFill>
+                <a:effectLst/>
+                <a:latin typeface="Consolas" panose="020B0609020204030204" pitchFamily="49" charset="0"/>
+                <a:cs typeface="Consolas" panose="020B0609020204030204" pitchFamily="49" charset="0"/>
+              </a:rPr>
+              <a:t>"Humperdinck"</a:t>
+            </a:r>
+            <a:r>
+              <a:rPr lang="en-US" dirty="0">
+                <a:latin typeface="Consolas" panose="020B0609020204030204" pitchFamily="49" charset="0"/>
+                <a:cs typeface="Consolas" panose="020B0609020204030204" pitchFamily="49" charset="0"/>
+              </a:rPr>
+              <a:t>]</a:t>
+            </a:r>
+            <a:br>
+              <a:rPr lang="en-US" dirty="0">
+                <a:latin typeface="Consolas" panose="020B0609020204030204" pitchFamily="49" charset="0"/>
+                <a:cs typeface="Consolas" panose="020B0609020204030204" pitchFamily="49" charset="0"/>
+              </a:rPr>
+            </a:br>
+            <a:r>
+              <a:rPr lang="en-US" dirty="0">
+                <a:latin typeface="Consolas" panose="020B0609020204030204" pitchFamily="49" charset="0"/>
+                <a:cs typeface="Consolas" panose="020B0609020204030204" pitchFamily="49" charset="0"/>
+              </a:rPr>
+              <a:t>    villains = [</a:t>
+            </a:r>
+            <a:r>
+              <a:rPr lang="en-US" dirty="0">
+                <a:solidFill>
+                  <a:srgbClr val="6A8759"/>
+                </a:solidFill>
+                <a:effectLst/>
+                <a:latin typeface="Consolas" panose="020B0609020204030204" pitchFamily="49" charset="0"/>
+                <a:cs typeface="Consolas" panose="020B0609020204030204" pitchFamily="49" charset="0"/>
+              </a:rPr>
+              <a:t>"Humperdinck"</a:t>
+            </a:r>
+            <a:r>
+              <a:rPr lang="en-US" dirty="0">
+                <a:solidFill>
+                  <a:srgbClr val="CC7832"/>
+                </a:solidFill>
+                <a:effectLst/>
+                <a:latin typeface="Consolas" panose="020B0609020204030204" pitchFamily="49" charset="0"/>
+                <a:cs typeface="Consolas" panose="020B0609020204030204" pitchFamily="49" charset="0"/>
+              </a:rPr>
+              <a:t>, </a:t>
+            </a:r>
+            <a:r>
+              <a:rPr lang="en-US" dirty="0">
+                <a:solidFill>
+                  <a:srgbClr val="6A8759"/>
+                </a:solidFill>
+                <a:effectLst/>
+                <a:latin typeface="Consolas" panose="020B0609020204030204" pitchFamily="49" charset="0"/>
+                <a:cs typeface="Consolas" panose="020B0609020204030204" pitchFamily="49" charset="0"/>
+              </a:rPr>
+              <a:t>"</a:t>
+            </a:r>
+            <a:r>
+              <a:rPr lang="en-US" dirty="0" err="1">
+                <a:solidFill>
+                  <a:srgbClr val="6A8759"/>
+                </a:solidFill>
+                <a:effectLst/>
+                <a:latin typeface="Consolas" panose="020B0609020204030204" pitchFamily="49" charset="0"/>
+                <a:cs typeface="Consolas" panose="020B0609020204030204" pitchFamily="49" charset="0"/>
+              </a:rPr>
+              <a:t>Rugan</a:t>
+            </a:r>
+            <a:r>
+              <a:rPr lang="en-US" dirty="0">
+                <a:solidFill>
+                  <a:srgbClr val="6A8759"/>
+                </a:solidFill>
+                <a:effectLst/>
+                <a:latin typeface="Consolas" panose="020B0609020204030204" pitchFamily="49" charset="0"/>
+                <a:cs typeface="Consolas" panose="020B0609020204030204" pitchFamily="49" charset="0"/>
+              </a:rPr>
+              <a:t>"</a:t>
+            </a:r>
+            <a:r>
+              <a:rPr lang="en-US" dirty="0">
+                <a:solidFill>
+                  <a:srgbClr val="CC7832"/>
+                </a:solidFill>
+                <a:effectLst/>
+                <a:latin typeface="Consolas" panose="020B0609020204030204" pitchFamily="49" charset="0"/>
+                <a:cs typeface="Consolas" panose="020B0609020204030204" pitchFamily="49" charset="0"/>
+              </a:rPr>
+              <a:t>, </a:t>
+            </a:r>
+            <a:r>
+              <a:rPr lang="en-US" dirty="0">
+                <a:solidFill>
+                  <a:srgbClr val="6A8759"/>
+                </a:solidFill>
+                <a:effectLst/>
+                <a:latin typeface="Consolas" panose="020B0609020204030204" pitchFamily="49" charset="0"/>
+                <a:cs typeface="Consolas" panose="020B0609020204030204" pitchFamily="49" charset="0"/>
+              </a:rPr>
+              <a:t>"</a:t>
+            </a:r>
+            <a:r>
+              <a:rPr lang="en-US" dirty="0" err="1">
+                <a:solidFill>
+                  <a:srgbClr val="6A8759"/>
+                </a:solidFill>
+                <a:effectLst/>
+                <a:latin typeface="Consolas" panose="020B0609020204030204" pitchFamily="49" charset="0"/>
+                <a:cs typeface="Consolas" panose="020B0609020204030204" pitchFamily="49" charset="0"/>
+              </a:rPr>
+              <a:t>Vizzini</a:t>
+            </a:r>
+            <a:r>
+              <a:rPr lang="en-US" dirty="0">
+                <a:solidFill>
+                  <a:srgbClr val="6A8759"/>
+                </a:solidFill>
+                <a:effectLst/>
+                <a:latin typeface="Consolas" panose="020B0609020204030204" pitchFamily="49" charset="0"/>
+                <a:cs typeface="Consolas" panose="020B0609020204030204" pitchFamily="49" charset="0"/>
+              </a:rPr>
+              <a:t>"</a:t>
+            </a:r>
+            <a:r>
+              <a:rPr lang="en-US" dirty="0">
+                <a:latin typeface="Consolas" panose="020B0609020204030204" pitchFamily="49" charset="0"/>
+                <a:cs typeface="Consolas" panose="020B0609020204030204" pitchFamily="49" charset="0"/>
+              </a:rPr>
+              <a:t>]</a:t>
+            </a:r>
+            <a:br>
+              <a:rPr lang="en-US" dirty="0">
+                <a:latin typeface="Consolas" panose="020B0609020204030204" pitchFamily="49" charset="0"/>
+                <a:cs typeface="Consolas" panose="020B0609020204030204" pitchFamily="49" charset="0"/>
+              </a:rPr>
+            </a:br>
+            <a:r>
+              <a:rPr lang="en-US" dirty="0">
+                <a:latin typeface="Consolas" panose="020B0609020204030204" pitchFamily="49" charset="0"/>
+                <a:cs typeface="Consolas" panose="020B0609020204030204" pitchFamily="49" charset="0"/>
+              </a:rPr>
+              <a:t>    heroes = </a:t>
+            </a:r>
+            <a:r>
+              <a:rPr lang="en-US" dirty="0" err="1">
+                <a:latin typeface="Consolas" panose="020B0609020204030204" pitchFamily="49" charset="0"/>
+                <a:cs typeface="Consolas" panose="020B0609020204030204" pitchFamily="49" charset="0"/>
+              </a:rPr>
+              <a:t>get_heroes</a:t>
+            </a:r>
+            <a:r>
+              <a:rPr lang="en-US" dirty="0">
+                <a:latin typeface="Consolas" panose="020B0609020204030204" pitchFamily="49" charset="0"/>
+                <a:cs typeface="Consolas" panose="020B0609020204030204" pitchFamily="49" charset="0"/>
+              </a:rPr>
+              <a:t>(cast</a:t>
+            </a:r>
+            <a:r>
+              <a:rPr lang="en-US" dirty="0">
+                <a:solidFill>
+                  <a:srgbClr val="CC7832"/>
+                </a:solidFill>
+                <a:effectLst/>
+                <a:latin typeface="Consolas" panose="020B0609020204030204" pitchFamily="49" charset="0"/>
+                <a:cs typeface="Consolas" panose="020B0609020204030204" pitchFamily="49" charset="0"/>
+              </a:rPr>
+              <a:t>, </a:t>
+            </a:r>
+            <a:r>
+              <a:rPr lang="en-US" dirty="0">
+                <a:latin typeface="Consolas" panose="020B0609020204030204" pitchFamily="49" charset="0"/>
+                <a:cs typeface="Consolas" panose="020B0609020204030204" pitchFamily="49" charset="0"/>
+              </a:rPr>
+              <a:t>villains)</a:t>
+            </a:r>
+            <a:br>
+              <a:rPr lang="en-US" dirty="0">
+                <a:latin typeface="Consolas" panose="020B0609020204030204" pitchFamily="49" charset="0"/>
+                <a:cs typeface="Consolas" panose="020B0609020204030204" pitchFamily="49" charset="0"/>
+              </a:rPr>
+            </a:br>
+            <a:r>
+              <a:rPr lang="en-US" dirty="0">
+                <a:latin typeface="Consolas" panose="020B0609020204030204" pitchFamily="49" charset="0"/>
+                <a:cs typeface="Consolas" panose="020B0609020204030204" pitchFamily="49" charset="0"/>
+              </a:rPr>
+              <a:t>    </a:t>
+            </a:r>
+            <a:r>
+              <a:rPr lang="en-US" dirty="0" err="1">
+                <a:latin typeface="Consolas" panose="020B0609020204030204" pitchFamily="49" charset="0"/>
+                <a:cs typeface="Consolas" panose="020B0609020204030204" pitchFamily="49" charset="0"/>
+              </a:rPr>
+              <a:t>print_heroes</a:t>
+            </a:r>
+            <a:r>
+              <a:rPr lang="en-US" dirty="0">
+                <a:latin typeface="Consolas" panose="020B0609020204030204" pitchFamily="49" charset="0"/>
+                <a:cs typeface="Consolas" panose="020B0609020204030204" pitchFamily="49" charset="0"/>
+              </a:rPr>
+              <a:t>(heroes)</a:t>
+            </a:r>
+            <a:br>
+              <a:rPr lang="en-US" dirty="0">
+                <a:latin typeface="Consolas" panose="020B0609020204030204" pitchFamily="49" charset="0"/>
+                <a:cs typeface="Consolas" panose="020B0609020204030204" pitchFamily="49" charset="0"/>
+              </a:rPr>
+            </a:br>
+            <a:br>
+              <a:rPr lang="en-US" dirty="0">
+                <a:latin typeface="Consolas" panose="020B0609020204030204" pitchFamily="49" charset="0"/>
+                <a:cs typeface="Consolas" panose="020B0609020204030204" pitchFamily="49" charset="0"/>
+              </a:rPr>
+            </a:br>
+            <a:r>
+              <a:rPr lang="en-US" dirty="0">
+                <a:solidFill>
+                  <a:srgbClr val="CC7832"/>
+                </a:solidFill>
+                <a:effectLst/>
+                <a:latin typeface="Consolas" panose="020B0609020204030204" pitchFamily="49" charset="0"/>
+                <a:cs typeface="Consolas" panose="020B0609020204030204" pitchFamily="49" charset="0"/>
+              </a:rPr>
+              <a:t>def </a:t>
+            </a:r>
+            <a:r>
+              <a:rPr lang="en-US" dirty="0" err="1">
+                <a:solidFill>
+                  <a:srgbClr val="FFC66D"/>
+                </a:solidFill>
+                <a:effectLst/>
+                <a:latin typeface="Consolas" panose="020B0609020204030204" pitchFamily="49" charset="0"/>
+                <a:cs typeface="Consolas" panose="020B0609020204030204" pitchFamily="49" charset="0"/>
+              </a:rPr>
+              <a:t>get_heroes</a:t>
+            </a:r>
+            <a:r>
+              <a:rPr lang="en-US" dirty="0">
+                <a:latin typeface="Consolas" panose="020B0609020204030204" pitchFamily="49" charset="0"/>
+                <a:cs typeface="Consolas" panose="020B0609020204030204" pitchFamily="49" charset="0"/>
+              </a:rPr>
+              <a:t>(cast</a:t>
+            </a:r>
+            <a:r>
+              <a:rPr lang="en-US" dirty="0">
+                <a:solidFill>
+                  <a:srgbClr val="CC7832"/>
+                </a:solidFill>
+                <a:effectLst/>
+                <a:latin typeface="Consolas" panose="020B0609020204030204" pitchFamily="49" charset="0"/>
+                <a:cs typeface="Consolas" panose="020B0609020204030204" pitchFamily="49" charset="0"/>
+              </a:rPr>
+              <a:t>, </a:t>
+            </a:r>
+            <a:r>
+              <a:rPr lang="en-US" dirty="0">
+                <a:latin typeface="Consolas" panose="020B0609020204030204" pitchFamily="49" charset="0"/>
+                <a:cs typeface="Consolas" panose="020B0609020204030204" pitchFamily="49" charset="0"/>
+              </a:rPr>
+              <a:t>villains):</a:t>
+            </a:r>
+            <a:br>
+              <a:rPr lang="en-US" dirty="0">
+                <a:latin typeface="Consolas" panose="020B0609020204030204" pitchFamily="49" charset="0"/>
+                <a:cs typeface="Consolas" panose="020B0609020204030204" pitchFamily="49" charset="0"/>
+              </a:rPr>
+            </a:br>
+            <a:r>
+              <a:rPr lang="en-US" dirty="0">
+                <a:latin typeface="Consolas" panose="020B0609020204030204" pitchFamily="49" charset="0"/>
+                <a:cs typeface="Consolas" panose="020B0609020204030204" pitchFamily="49" charset="0"/>
+              </a:rPr>
+              <a:t>    heroes = </a:t>
+            </a:r>
+            <a:r>
+              <a:rPr lang="en-US" dirty="0" err="1">
+                <a:latin typeface="Consolas" panose="020B0609020204030204" pitchFamily="49" charset="0"/>
+                <a:cs typeface="Consolas" panose="020B0609020204030204" pitchFamily="49" charset="0"/>
+              </a:rPr>
+              <a:t>cast.copy</a:t>
+            </a:r>
+            <a:r>
+              <a:rPr lang="en-US" dirty="0">
+                <a:latin typeface="Consolas" panose="020B0609020204030204" pitchFamily="49" charset="0"/>
+                <a:cs typeface="Consolas" panose="020B0609020204030204" pitchFamily="49" charset="0"/>
+              </a:rPr>
+              <a:t>()</a:t>
+            </a:r>
+            <a:br>
+              <a:rPr lang="en-US" dirty="0">
+                <a:latin typeface="Consolas" panose="020B0609020204030204" pitchFamily="49" charset="0"/>
+                <a:cs typeface="Consolas" panose="020B0609020204030204" pitchFamily="49" charset="0"/>
+              </a:rPr>
+            </a:br>
+            <a:r>
+              <a:rPr lang="en-US" dirty="0">
+                <a:latin typeface="Consolas" panose="020B0609020204030204" pitchFamily="49" charset="0"/>
+                <a:cs typeface="Consolas" panose="020B0609020204030204" pitchFamily="49" charset="0"/>
+              </a:rPr>
+              <a:t>    </a:t>
+            </a:r>
+            <a:r>
+              <a:rPr lang="en-US" dirty="0">
+                <a:solidFill>
+                  <a:srgbClr val="CC7832"/>
+                </a:solidFill>
+                <a:effectLst/>
+                <a:latin typeface="Consolas" panose="020B0609020204030204" pitchFamily="49" charset="0"/>
+                <a:cs typeface="Consolas" panose="020B0609020204030204" pitchFamily="49" charset="0"/>
+              </a:rPr>
+              <a:t>for </a:t>
+            </a:r>
+            <a:r>
+              <a:rPr lang="en-US" dirty="0">
+                <a:latin typeface="Consolas" panose="020B0609020204030204" pitchFamily="49" charset="0"/>
+                <a:cs typeface="Consolas" panose="020B0609020204030204" pitchFamily="49" charset="0"/>
+              </a:rPr>
+              <a:t>villain </a:t>
+            </a:r>
+            <a:r>
+              <a:rPr lang="en-US" dirty="0">
+                <a:solidFill>
+                  <a:srgbClr val="CC7832"/>
+                </a:solidFill>
+                <a:effectLst/>
+                <a:latin typeface="Consolas" panose="020B0609020204030204" pitchFamily="49" charset="0"/>
+                <a:cs typeface="Consolas" panose="020B0609020204030204" pitchFamily="49" charset="0"/>
+              </a:rPr>
+              <a:t>in </a:t>
+            </a:r>
+            <a:r>
+              <a:rPr lang="en-US" dirty="0">
+                <a:latin typeface="Consolas" panose="020B0609020204030204" pitchFamily="49" charset="0"/>
+                <a:cs typeface="Consolas" panose="020B0609020204030204" pitchFamily="49" charset="0"/>
+              </a:rPr>
+              <a:t>villains:</a:t>
+            </a:r>
+            <a:br>
+              <a:rPr lang="en-US" dirty="0">
+                <a:latin typeface="Consolas" panose="020B0609020204030204" pitchFamily="49" charset="0"/>
+                <a:cs typeface="Consolas" panose="020B0609020204030204" pitchFamily="49" charset="0"/>
+              </a:rPr>
+            </a:br>
+            <a:r>
+              <a:rPr lang="en-US" dirty="0">
+                <a:latin typeface="Consolas" panose="020B0609020204030204" pitchFamily="49" charset="0"/>
+                <a:cs typeface="Consolas" panose="020B0609020204030204" pitchFamily="49" charset="0"/>
+              </a:rPr>
+              <a:t>        </a:t>
+            </a:r>
+            <a:r>
+              <a:rPr lang="en-US" dirty="0" err="1">
+                <a:latin typeface="Consolas" panose="020B0609020204030204" pitchFamily="49" charset="0"/>
+                <a:cs typeface="Consolas" panose="020B0609020204030204" pitchFamily="49" charset="0"/>
+              </a:rPr>
+              <a:t>heroes.remove</a:t>
+            </a:r>
+            <a:r>
+              <a:rPr lang="en-US" dirty="0">
+                <a:latin typeface="Consolas" panose="020B0609020204030204" pitchFamily="49" charset="0"/>
+                <a:cs typeface="Consolas" panose="020B0609020204030204" pitchFamily="49" charset="0"/>
+              </a:rPr>
+              <a:t>(villain)</a:t>
+            </a:r>
+            <a:br>
+              <a:rPr lang="en-US" dirty="0">
+                <a:latin typeface="Consolas" panose="020B0609020204030204" pitchFamily="49" charset="0"/>
+                <a:cs typeface="Consolas" panose="020B0609020204030204" pitchFamily="49" charset="0"/>
+              </a:rPr>
+            </a:br>
+            <a:r>
+              <a:rPr lang="en-US" dirty="0">
+                <a:latin typeface="Consolas" panose="020B0609020204030204" pitchFamily="49" charset="0"/>
+                <a:cs typeface="Consolas" panose="020B0609020204030204" pitchFamily="49" charset="0"/>
+              </a:rPr>
+              <a:t>    </a:t>
+            </a:r>
+            <a:r>
+              <a:rPr lang="en-US" dirty="0" err="1">
+                <a:latin typeface="Consolas" panose="020B0609020204030204" pitchFamily="49" charset="0"/>
+                <a:cs typeface="Consolas" panose="020B0609020204030204" pitchFamily="49" charset="0"/>
+              </a:rPr>
+              <a:t>heroes.sort</a:t>
+            </a:r>
+            <a:r>
+              <a:rPr lang="en-US" dirty="0">
+                <a:latin typeface="Consolas" panose="020B0609020204030204" pitchFamily="49" charset="0"/>
+                <a:cs typeface="Consolas" panose="020B0609020204030204" pitchFamily="49" charset="0"/>
+              </a:rPr>
+              <a:t>()</a:t>
+            </a:r>
+            <a:br>
+              <a:rPr lang="en-US" dirty="0">
+                <a:latin typeface="Consolas" panose="020B0609020204030204" pitchFamily="49" charset="0"/>
+                <a:cs typeface="Consolas" panose="020B0609020204030204" pitchFamily="49" charset="0"/>
+              </a:rPr>
+            </a:br>
+            <a:r>
+              <a:rPr lang="en-US" dirty="0">
+                <a:latin typeface="Consolas" panose="020B0609020204030204" pitchFamily="49" charset="0"/>
+                <a:cs typeface="Consolas" panose="020B0609020204030204" pitchFamily="49" charset="0"/>
+              </a:rPr>
+              <a:t>    </a:t>
+            </a:r>
+            <a:r>
+              <a:rPr lang="en-US" dirty="0">
+                <a:solidFill>
+                  <a:srgbClr val="CC7832"/>
+                </a:solidFill>
+                <a:effectLst/>
+                <a:latin typeface="Consolas" panose="020B0609020204030204" pitchFamily="49" charset="0"/>
+                <a:cs typeface="Consolas" panose="020B0609020204030204" pitchFamily="49" charset="0"/>
+              </a:rPr>
+              <a:t>return </a:t>
+            </a:r>
+            <a:r>
+              <a:rPr lang="en-US" dirty="0">
+                <a:latin typeface="Consolas" panose="020B0609020204030204" pitchFamily="49" charset="0"/>
+                <a:cs typeface="Consolas" panose="020B0609020204030204" pitchFamily="49" charset="0"/>
+              </a:rPr>
+              <a:t>heroes</a:t>
+            </a:r>
+            <a:br>
+              <a:rPr lang="en-US" dirty="0">
+                <a:latin typeface="Consolas" panose="020B0609020204030204" pitchFamily="49" charset="0"/>
+                <a:cs typeface="Consolas" panose="020B0609020204030204" pitchFamily="49" charset="0"/>
+              </a:rPr>
+            </a:br>
+            <a:br>
+              <a:rPr lang="en-US" dirty="0">
+                <a:latin typeface="Consolas" panose="020B0609020204030204" pitchFamily="49" charset="0"/>
+                <a:cs typeface="Consolas" panose="020B0609020204030204" pitchFamily="49" charset="0"/>
+              </a:rPr>
+            </a:br>
+            <a:r>
+              <a:rPr lang="en-US" dirty="0">
+                <a:solidFill>
+                  <a:srgbClr val="CC7832"/>
+                </a:solidFill>
+                <a:effectLst/>
+                <a:latin typeface="Consolas" panose="020B0609020204030204" pitchFamily="49" charset="0"/>
+                <a:cs typeface="Consolas" panose="020B0609020204030204" pitchFamily="49" charset="0"/>
+              </a:rPr>
+              <a:t>def </a:t>
+            </a:r>
+            <a:r>
+              <a:rPr lang="en-US" dirty="0" err="1">
+                <a:solidFill>
+                  <a:srgbClr val="FFC66D"/>
+                </a:solidFill>
+                <a:effectLst/>
+                <a:latin typeface="Consolas" panose="020B0609020204030204" pitchFamily="49" charset="0"/>
+                <a:cs typeface="Consolas" panose="020B0609020204030204" pitchFamily="49" charset="0"/>
+              </a:rPr>
+              <a:t>print_heroes</a:t>
+            </a:r>
+            <a:r>
+              <a:rPr lang="en-US" dirty="0">
+                <a:latin typeface="Consolas" panose="020B0609020204030204" pitchFamily="49" charset="0"/>
+                <a:cs typeface="Consolas" panose="020B0609020204030204" pitchFamily="49" charset="0"/>
+              </a:rPr>
+              <a:t>(heroes):</a:t>
+            </a:r>
+            <a:br>
+              <a:rPr lang="en-US" dirty="0">
+                <a:latin typeface="Consolas" panose="020B0609020204030204" pitchFamily="49" charset="0"/>
+                <a:cs typeface="Consolas" panose="020B0609020204030204" pitchFamily="49" charset="0"/>
+              </a:rPr>
+            </a:br>
+            <a:r>
+              <a:rPr lang="en-US" dirty="0">
+                <a:latin typeface="Consolas" panose="020B0609020204030204" pitchFamily="49" charset="0"/>
+                <a:cs typeface="Consolas" panose="020B0609020204030204" pitchFamily="49" charset="0"/>
+              </a:rPr>
+              <a:t>    </a:t>
+            </a:r>
+            <a:r>
+              <a:rPr lang="en-US" dirty="0">
+                <a:solidFill>
+                  <a:srgbClr val="CC7832"/>
+                </a:solidFill>
+                <a:effectLst/>
+                <a:latin typeface="Consolas" panose="020B0609020204030204" pitchFamily="49" charset="0"/>
+                <a:cs typeface="Consolas" panose="020B0609020204030204" pitchFamily="49" charset="0"/>
+              </a:rPr>
+              <a:t>for </a:t>
+            </a:r>
+            <a:r>
+              <a:rPr lang="en-US" dirty="0" err="1">
+                <a:latin typeface="Consolas" panose="020B0609020204030204" pitchFamily="49" charset="0"/>
+                <a:cs typeface="Consolas" panose="020B0609020204030204" pitchFamily="49" charset="0"/>
+              </a:rPr>
+              <a:t>i</a:t>
+            </a:r>
+            <a:r>
+              <a:rPr lang="en-US" dirty="0">
+                <a:solidFill>
+                  <a:srgbClr val="CC7832"/>
+                </a:solidFill>
+                <a:effectLst/>
+                <a:latin typeface="Consolas" panose="020B0609020204030204" pitchFamily="49" charset="0"/>
+                <a:cs typeface="Consolas" panose="020B0609020204030204" pitchFamily="49" charset="0"/>
+              </a:rPr>
+              <a:t>, </a:t>
+            </a:r>
+            <a:r>
+              <a:rPr lang="en-US" dirty="0">
+                <a:latin typeface="Consolas" panose="020B0609020204030204" pitchFamily="49" charset="0"/>
+                <a:cs typeface="Consolas" panose="020B0609020204030204" pitchFamily="49" charset="0"/>
+              </a:rPr>
+              <a:t>hero </a:t>
+            </a:r>
+            <a:r>
+              <a:rPr lang="en-US" dirty="0">
+                <a:solidFill>
+                  <a:srgbClr val="CC7832"/>
+                </a:solidFill>
+                <a:effectLst/>
+                <a:latin typeface="Consolas" panose="020B0609020204030204" pitchFamily="49" charset="0"/>
+                <a:cs typeface="Consolas" panose="020B0609020204030204" pitchFamily="49" charset="0"/>
+              </a:rPr>
+              <a:t>in </a:t>
+            </a:r>
+            <a:r>
+              <a:rPr lang="en-US" dirty="0">
+                <a:solidFill>
+                  <a:srgbClr val="8888C6"/>
+                </a:solidFill>
+                <a:effectLst/>
+                <a:latin typeface="Consolas" panose="020B0609020204030204" pitchFamily="49" charset="0"/>
+                <a:cs typeface="Consolas" panose="020B0609020204030204" pitchFamily="49" charset="0"/>
+              </a:rPr>
+              <a:t>enumerate</a:t>
+            </a:r>
+            <a:r>
+              <a:rPr lang="en-US" dirty="0">
+                <a:latin typeface="Consolas" panose="020B0609020204030204" pitchFamily="49" charset="0"/>
+                <a:cs typeface="Consolas" panose="020B0609020204030204" pitchFamily="49" charset="0"/>
+              </a:rPr>
+              <a:t>(heroes):</a:t>
+            </a:r>
+            <a:br>
+              <a:rPr lang="en-US" dirty="0">
+                <a:latin typeface="Consolas" panose="020B0609020204030204" pitchFamily="49" charset="0"/>
+                <a:cs typeface="Consolas" panose="020B0609020204030204" pitchFamily="49" charset="0"/>
+              </a:rPr>
+            </a:br>
+            <a:r>
+              <a:rPr lang="en-US" dirty="0">
+                <a:latin typeface="Consolas" panose="020B0609020204030204" pitchFamily="49" charset="0"/>
+                <a:cs typeface="Consolas" panose="020B0609020204030204" pitchFamily="49" charset="0"/>
+              </a:rPr>
+              <a:t>        </a:t>
+            </a:r>
+            <a:r>
+              <a:rPr lang="en-US" dirty="0">
+                <a:solidFill>
+                  <a:srgbClr val="8888C6"/>
+                </a:solidFill>
+                <a:effectLst/>
+                <a:latin typeface="Consolas" panose="020B0609020204030204" pitchFamily="49" charset="0"/>
+                <a:cs typeface="Consolas" panose="020B0609020204030204" pitchFamily="49" charset="0"/>
+              </a:rPr>
+              <a:t>print</a:t>
+            </a:r>
+            <a:r>
+              <a:rPr lang="en-US" dirty="0">
+                <a:latin typeface="Consolas" panose="020B0609020204030204" pitchFamily="49" charset="0"/>
+                <a:cs typeface="Consolas" panose="020B0609020204030204" pitchFamily="49" charset="0"/>
+              </a:rPr>
+              <a:t>(</a:t>
+            </a:r>
+            <a:r>
+              <a:rPr lang="en-US" dirty="0">
+                <a:solidFill>
+                  <a:srgbClr val="6A8759"/>
+                </a:solidFill>
+                <a:effectLst/>
+                <a:latin typeface="Consolas" panose="020B0609020204030204" pitchFamily="49" charset="0"/>
+                <a:cs typeface="Consolas" panose="020B0609020204030204" pitchFamily="49" charset="0"/>
+              </a:rPr>
+              <a:t>"{}: {}"</a:t>
+            </a:r>
+            <a:r>
+              <a:rPr lang="en-US" dirty="0">
+                <a:latin typeface="Consolas" panose="020B0609020204030204" pitchFamily="49" charset="0"/>
+                <a:cs typeface="Consolas" panose="020B0609020204030204" pitchFamily="49" charset="0"/>
+              </a:rPr>
+              <a:t>.format(i+</a:t>
+            </a:r>
+            <a:r>
+              <a:rPr lang="en-US" dirty="0">
+                <a:solidFill>
+                  <a:srgbClr val="6897BB"/>
+                </a:solidFill>
+                <a:effectLst/>
+                <a:latin typeface="Consolas" panose="020B0609020204030204" pitchFamily="49" charset="0"/>
+                <a:cs typeface="Consolas" panose="020B0609020204030204" pitchFamily="49" charset="0"/>
+              </a:rPr>
+              <a:t>1</a:t>
+            </a:r>
+            <a:r>
+              <a:rPr lang="en-US" dirty="0">
+                <a:solidFill>
+                  <a:srgbClr val="CC7832"/>
+                </a:solidFill>
+                <a:effectLst/>
+                <a:latin typeface="Consolas" panose="020B0609020204030204" pitchFamily="49" charset="0"/>
+                <a:cs typeface="Consolas" panose="020B0609020204030204" pitchFamily="49" charset="0"/>
+              </a:rPr>
+              <a:t>, </a:t>
+            </a:r>
+            <a:r>
+              <a:rPr lang="en-US" dirty="0">
+                <a:latin typeface="Consolas" panose="020B0609020204030204" pitchFamily="49" charset="0"/>
+                <a:cs typeface="Consolas" panose="020B0609020204030204" pitchFamily="49" charset="0"/>
+              </a:rPr>
+              <a:t>hero))</a:t>
+            </a:r>
+          </a:p>
+        </p:txBody>
+      </p:sp>
+    </p:spTree>
+    <p:extLst>
+      <p:ext uri="{BB962C8B-B14F-4D97-AF65-F5344CB8AC3E}">
+        <p14:creationId xmlns:p14="http://schemas.microsoft.com/office/powerpoint/2010/main" val="878462036"/>
+      </p:ext>
+    </p:extLst>
+  </p:cSld>
+  <p:clrMapOvr>
+    <a:masterClrMapping/>
+  </p:clrMapOvr>
+  <mc:AlternateContent xmlns:mc="http://schemas.openxmlformats.org/markup-compatibility/2006" xmlns:p14="http://schemas.microsoft.com/office/powerpoint/2010/main">
+    <mc:Choice Requires="p14">
+      <p:transition p14:dur="300">
+        <p:fade/>
+      </p:transition>
+    </mc:Choice>
+    <mc:Fallback xmlns="">
+      <p:transition>
+        <p:fade/>
+      </p:transition>
+    </mc:Fallback>
+  </mc:AlternateContent>
+</p:sld>
+</file>
+
 <file path=ppt/slides/slide2.xml><?xml version="1.0" encoding="utf-8"?>
+<p:sld xmlns:a="http://schemas.openxmlformats.org/drawingml/2006/main" xmlns:r="http://schemas.openxmlformats.org/officeDocument/2006/relationships" xmlns:p="http://schemas.openxmlformats.org/presentationml/2006/main">
+  <p:cSld>
+    <p:spTree>
+      <p:nvGrpSpPr>
+        <p:cNvPr id="1" name=""/>
+        <p:cNvGrpSpPr/>
+        <p:nvPr/>
+      </p:nvGrpSpPr>
+      <p:grpSpPr>
+        <a:xfrm>
+          <a:off x="0" y="0"/>
+          <a:ext cx="0" cy="0"/>
+          <a:chOff x="0" y="0"/>
+          <a:chExt cx="0" cy="0"/>
+        </a:xfrm>
+      </p:grpSpPr>
+      <p:sp>
+        <p:nvSpPr>
+          <p:cNvPr id="4" name="Title 3">
+            <a:extLst>
+              <a:ext uri="{FF2B5EF4-FFF2-40B4-BE49-F238E27FC236}">
+                <a16:creationId xmlns:a16="http://schemas.microsoft.com/office/drawing/2014/main" id="{119AD8F2-D5DB-A84B-A5B3-F7935E3E6D1D}"/>
+              </a:ext>
+            </a:extLst>
+          </p:cNvPr>
+          <p:cNvSpPr>
+            <a:spLocks noGrp="1"/>
+          </p:cNvSpPr>
+          <p:nvPr>
+            <p:ph type="title"/>
+          </p:nvPr>
+        </p:nvSpPr>
+        <p:spPr>
+          <a:xfrm>
+            <a:off x="628076" y="607804"/>
+            <a:ext cx="5642096" cy="916848"/>
+          </a:xfrm>
+        </p:spPr>
+        <p:txBody>
+          <a:bodyPr/>
+          <a:lstStyle/>
+          <a:p>
+            <a:r>
+              <a:rPr lang="en-US" dirty="0"/>
+              <a:t>Announcements</a:t>
+            </a:r>
+          </a:p>
+        </p:txBody>
+      </p:sp>
+      <p:sp>
+        <p:nvSpPr>
+          <p:cNvPr id="5" name="Text Placeholder 4">
+            <a:extLst>
+              <a:ext uri="{FF2B5EF4-FFF2-40B4-BE49-F238E27FC236}">
+                <a16:creationId xmlns:a16="http://schemas.microsoft.com/office/drawing/2014/main" id="{1BBD0DB5-379A-304F-9307-E7B1A89B08F7}"/>
+              </a:ext>
+            </a:extLst>
+          </p:cNvPr>
+          <p:cNvSpPr>
+            <a:spLocks noGrp="1"/>
+          </p:cNvSpPr>
+          <p:nvPr>
+            <p:ph type="body" idx="1"/>
+          </p:nvPr>
+        </p:nvSpPr>
+        <p:spPr>
+          <a:xfrm>
+            <a:off x="628075" y="1647163"/>
+            <a:ext cx="8395419" cy="4379259"/>
+          </a:xfrm>
+        </p:spPr>
+        <p:txBody>
+          <a:bodyPr/>
+          <a:lstStyle/>
+          <a:p>
+            <a:pPr marL="930762" lvl="1" indent="0">
+              <a:buNone/>
+            </a:pPr>
+            <a:endParaRPr lang="en-US" dirty="0"/>
+          </a:p>
+          <a:p>
+            <a:r>
+              <a:rPr lang="en-US" dirty="0"/>
+              <a:t>Reminder – readings are due </a:t>
+            </a:r>
+            <a:r>
+              <a:rPr lang="en-US" b="1" dirty="0"/>
+              <a:t>before</a:t>
+            </a:r>
+            <a:r>
+              <a:rPr lang="en-US" dirty="0"/>
+              <a:t> lecture</a:t>
+            </a:r>
+          </a:p>
+          <a:p>
+            <a:pPr lvl="1"/>
+            <a:r>
+              <a:rPr lang="en-US" dirty="0"/>
+              <a:t>You don’t have to do all of it - challenge problems can be challenging…</a:t>
+            </a:r>
+          </a:p>
+          <a:p>
+            <a:pPr lvl="1"/>
+            <a:r>
+              <a:rPr lang="en-US" dirty="0"/>
+              <a:t>You can return to them. </a:t>
+            </a:r>
+          </a:p>
+          <a:p>
+            <a:pPr lvl="1"/>
+            <a:r>
+              <a:rPr lang="en-US" dirty="0"/>
+              <a:t>We start off each lecture with a quiz from your reading! </a:t>
+            </a:r>
+          </a:p>
+          <a:p>
+            <a:r>
+              <a:rPr lang="en-US" dirty="0"/>
+              <a:t>Make sure to review knowledge checks and spread out their use! </a:t>
+            </a:r>
+          </a:p>
+          <a:p>
+            <a:pPr lvl="1"/>
+            <a:endParaRPr lang="en-US" dirty="0"/>
+          </a:p>
+          <a:p>
+            <a:r>
+              <a:rPr lang="en-US" dirty="0"/>
+              <a:t>LABS – are mostly empty. If can go to them to get help, and they should be full. </a:t>
+            </a:r>
+          </a:p>
+          <a:p>
+            <a:endParaRPr lang="en-US" dirty="0"/>
+          </a:p>
+          <a:p>
+            <a:endParaRPr lang="en-US" dirty="0"/>
+          </a:p>
+        </p:txBody>
+      </p:sp>
+      <p:sp>
+        <p:nvSpPr>
+          <p:cNvPr id="6" name="TextBox 5">
+            <a:extLst>
+              <a:ext uri="{FF2B5EF4-FFF2-40B4-BE49-F238E27FC236}">
+                <a16:creationId xmlns:a16="http://schemas.microsoft.com/office/drawing/2014/main" id="{32A3B87A-BBC0-704B-AC99-3984206450D5}"/>
+              </a:ext>
+            </a:extLst>
+          </p:cNvPr>
+          <p:cNvSpPr txBox="1"/>
+          <p:nvPr/>
+        </p:nvSpPr>
+        <p:spPr>
+          <a:xfrm>
+            <a:off x="9744412" y="2150737"/>
+            <a:ext cx="3892958" cy="2417650"/>
+          </a:xfrm>
+          <a:prstGeom prst="rect">
+            <a:avLst/>
+          </a:prstGeom>
+          <a:noFill/>
+        </p:spPr>
+        <p:txBody>
+          <a:bodyPr wrap="square" rtlCol="0">
+            <a:spAutoFit/>
+          </a:bodyPr>
+          <a:lstStyle/>
+          <a:p>
+            <a:r>
+              <a:rPr lang="en-US" sz="3022" dirty="0" err="1"/>
+              <a:t>Todo</a:t>
+            </a:r>
+            <a:r>
+              <a:rPr lang="en-US" sz="3022" dirty="0"/>
+              <a:t>:</a:t>
+            </a:r>
+          </a:p>
+          <a:p>
+            <a:r>
+              <a:rPr lang="en-US" sz="3022" dirty="0"/>
+              <a:t>Start labs right away</a:t>
+            </a:r>
+          </a:p>
+          <a:p>
+            <a:endParaRPr lang="en-US" sz="3022" dirty="0"/>
+          </a:p>
+          <a:p>
+            <a:endParaRPr lang="en-US" sz="3022" dirty="0"/>
+          </a:p>
+          <a:p>
+            <a:endParaRPr lang="en-US" sz="3022" dirty="0"/>
+          </a:p>
+        </p:txBody>
+      </p:sp>
+      <p:sp>
+        <p:nvSpPr>
+          <p:cNvPr id="3" name="TextBox 2">
+            <a:extLst>
+              <a:ext uri="{FF2B5EF4-FFF2-40B4-BE49-F238E27FC236}">
+                <a16:creationId xmlns:a16="http://schemas.microsoft.com/office/drawing/2014/main" id="{219403AF-FCA0-4FAD-B2CD-E3D24CF8DD27}"/>
+              </a:ext>
+            </a:extLst>
+          </p:cNvPr>
+          <p:cNvSpPr txBox="1"/>
+          <p:nvPr/>
+        </p:nvSpPr>
+        <p:spPr>
+          <a:xfrm>
+            <a:off x="628076" y="5487214"/>
+            <a:ext cx="11926781" cy="1631216"/>
+          </a:xfrm>
+          <a:prstGeom prst="rect">
+            <a:avLst/>
+          </a:prstGeom>
+          <a:noFill/>
+        </p:spPr>
+        <p:txBody>
+          <a:bodyPr wrap="square" rtlCol="0">
+            <a:spAutoFit/>
+          </a:bodyPr>
+          <a:lstStyle/>
+          <a:p>
+            <a:r>
+              <a:rPr lang="en-US" dirty="0"/>
+              <a:t>CS 164 – Next Course In Sequence, also consider CS 220 (math and stats especially) </a:t>
+            </a:r>
+          </a:p>
+          <a:p>
+            <a:pPr marL="342900" indent="-342900">
+              <a:buFont typeface="Arial" panose="020B0604020202020204" pitchFamily="34" charset="0"/>
+              <a:buChar char="•"/>
+            </a:pPr>
+            <a:r>
+              <a:rPr lang="en-US" dirty="0"/>
+              <a:t>CO Jobs Report 2021 – 77% of *all* new jobs in Colorado require programming</a:t>
+            </a:r>
+          </a:p>
+          <a:p>
+            <a:pPr marL="342900" indent="-342900">
+              <a:buFont typeface="Arial" panose="020B0604020202020204" pitchFamily="34" charset="0"/>
+              <a:buChar char="•"/>
+            </a:pPr>
+            <a:r>
+              <a:rPr lang="en-US" dirty="0"/>
+              <a:t>60% of all STEM jobs requires *advanced* (200-300 level) </a:t>
+            </a:r>
+          </a:p>
+          <a:p>
+            <a:pPr marL="342900" indent="-342900">
+              <a:buFont typeface="Arial" panose="020B0604020202020204" pitchFamily="34" charset="0"/>
+              <a:buChar char="•"/>
+            </a:pPr>
+            <a:r>
+              <a:rPr lang="en-US" dirty="0"/>
+              <a:t>31% of all Bachelor of Arts degree titled jobs also required coding skills </a:t>
+            </a:r>
+          </a:p>
+          <a:p>
+            <a:pPr marL="342900" indent="-342900">
+              <a:buFont typeface="Arial" panose="020B0604020202020204" pitchFamily="34" charset="0"/>
+              <a:buChar char="•"/>
+            </a:pPr>
+            <a:r>
+              <a:rPr lang="en-US" dirty="0"/>
+              <a:t>2016 Report found on average jobs that require coding skills paid $22,000 more</a:t>
+            </a:r>
+          </a:p>
+        </p:txBody>
+      </p:sp>
+      <p:sp>
+        <p:nvSpPr>
+          <p:cNvPr id="7" name="TextBox 6">
+            <a:extLst>
+              <a:ext uri="{FF2B5EF4-FFF2-40B4-BE49-F238E27FC236}">
+                <a16:creationId xmlns:a16="http://schemas.microsoft.com/office/drawing/2014/main" id="{BF16D510-BC74-4FA5-AFD2-193B039115A5}"/>
+              </a:ext>
+            </a:extLst>
+          </p:cNvPr>
+          <p:cNvSpPr txBox="1"/>
+          <p:nvPr/>
+        </p:nvSpPr>
+        <p:spPr>
+          <a:xfrm>
+            <a:off x="7228114" y="362857"/>
+            <a:ext cx="6125029" cy="707886"/>
+          </a:xfrm>
+          <a:prstGeom prst="rect">
+            <a:avLst/>
+          </a:prstGeom>
+          <a:solidFill>
+            <a:schemeClr val="accent2"/>
+          </a:solidFill>
+        </p:spPr>
+        <p:txBody>
+          <a:bodyPr wrap="square" rtlCol="0">
+            <a:spAutoFit/>
+          </a:bodyPr>
+          <a:lstStyle/>
+          <a:p>
+            <a:r>
+              <a:rPr lang="en-US" b="1" dirty="0"/>
+              <a:t>Opening Question: </a:t>
+            </a:r>
+          </a:p>
+          <a:p>
+            <a:r>
+              <a:rPr lang="en-US" dirty="0"/>
+              <a:t>What is your favorite thing to do online?</a:t>
+            </a:r>
+          </a:p>
+        </p:txBody>
+      </p:sp>
+    </p:spTree>
+    <p:extLst>
+      <p:ext uri="{BB962C8B-B14F-4D97-AF65-F5344CB8AC3E}">
+        <p14:creationId xmlns:p14="http://schemas.microsoft.com/office/powerpoint/2010/main" val="926474781"/>
+      </p:ext>
+    </p:extLst>
+  </p:cSld>
+  <p:clrMapOvr>
+    <a:masterClrMapping/>
+  </p:clrMapOvr>
+  <p:transition>
+    <p:fade/>
+  </p:transition>
+</p:sld>
+</file>
+
+<file path=ppt/slides/slide3.xml><?xml version="1.0" encoding="utf-8"?>
 <p:sld xmlns:a="http://schemas.openxmlformats.org/drawingml/2006/main" xmlns:r="http://schemas.openxmlformats.org/officeDocument/2006/relationships" xmlns:p="http://schemas.openxmlformats.org/presentationml/2006/main">
   <p:cSld>
     <p:spTree>
@@ -7802,7 +9269,7 @@
 </p:sld>
 </file>
 
-<file path=ppt/slides/slide3.xml><?xml version="1.0" encoding="utf-8"?>
+<file path=ppt/slides/slide4.xml><?xml version="1.0" encoding="utf-8"?>
 <p:sld xmlns:a="http://schemas.openxmlformats.org/drawingml/2006/main" xmlns:r="http://schemas.openxmlformats.org/officeDocument/2006/relationships" xmlns:p="http://schemas.openxmlformats.org/presentationml/2006/main">
   <p:cSld>
     <p:spTree>
@@ -8084,7 +9551,7 @@
 </p:sld>
 </file>
 
-<file path=ppt/slides/slide4.xml><?xml version="1.0" encoding="utf-8"?>
+<file path=ppt/slides/slide5.xml><?xml version="1.0" encoding="utf-8"?>
 <p:sld xmlns:a="http://schemas.openxmlformats.org/drawingml/2006/main" xmlns:r="http://schemas.openxmlformats.org/officeDocument/2006/relationships" xmlns:p="http://schemas.openxmlformats.org/presentationml/2006/main">
   <p:cSld>
     <p:spTree>
@@ -8163,18 +9630,18 @@
               <a:buSzPts val="2400"/>
             </a:pPr>
             <a:r>
-              <a:rPr lang="en" sz="3627"/>
+              <a:rPr lang="en" sz="3627" dirty="0"/>
               <a:t>Open a </a:t>
             </a:r>
             <a:r>
-              <a:rPr lang="en" sz="3627" b="1"/>
+              <a:rPr lang="en" sz="3627" b="1" dirty="0"/>
               <a:t>Terminal</a:t>
             </a:r>
             <a:r>
-              <a:rPr lang="en" sz="3627"/>
+              <a:rPr lang="en" sz="3627" dirty="0"/>
               <a:t> in PC or MAC</a:t>
             </a:r>
-            <a:endParaRPr sz="3627"/>
+            <a:endParaRPr sz="3627" dirty="0"/>
           </a:p>
           <a:p>
             <a:pPr lvl="1" indent="-575729">
@@ -8184,10 +9651,10 @@
               <a:buSzPts val="2400"/>
             </a:pPr>
             <a:r>
-              <a:rPr lang="en" sz="3627"/>
+              <a:rPr lang="en" sz="3627" dirty="0"/>
               <a:t>PC: in search bar type terminal or cmd</a:t>
             </a:r>
-            <a:endParaRPr sz="3627"/>
+            <a:endParaRPr sz="3627" dirty="0"/>
           </a:p>
           <a:p>
             <a:pPr lvl="1" indent="-575729">
@@ -8197,30 +9664,30 @@
               <a:buSzPts val="2400"/>
             </a:pPr>
             <a:r>
-              <a:rPr lang="en" sz="3627"/>
+              <a:rPr lang="en" sz="3627" dirty="0"/>
               <a:t>Mac: ⌘+space  type terminal</a:t>
             </a:r>
-            <a:endParaRPr sz="3627"/>
+            <a:endParaRPr sz="3627" dirty="0"/>
           </a:p>
           <a:p>
             <a:pPr marL="0" indent="0">
               <a:buNone/>
             </a:pPr>
             <a:r>
-              <a:rPr lang="en" sz="3627"/>
+              <a:rPr lang="en" sz="3627" dirty="0"/>
               <a:t>Commands we will be using</a:t>
             </a:r>
-            <a:endParaRPr sz="3627"/>
+            <a:endParaRPr sz="3627" dirty="0"/>
           </a:p>
           <a:p>
             <a:pPr indent="-575729">
               <a:buSzPts val="2400"/>
             </a:pPr>
             <a:r>
-              <a:rPr lang="en" sz="3627"/>
+              <a:rPr lang="en" sz="3627" dirty="0"/>
               <a:t>ping (same for both)</a:t>
             </a:r>
-            <a:endParaRPr sz="3627"/>
+            <a:endParaRPr sz="3627" dirty="0"/>
           </a:p>
           <a:p>
             <a:pPr indent="-575729">
@@ -8230,10 +9697,10 @@
               <a:buSzPts val="2400"/>
             </a:pPr>
             <a:r>
-              <a:rPr lang="en" sz="3627"/>
+              <a:rPr lang="en" sz="3627" dirty="0"/>
               <a:t>traceroute (linux/unix/mac version)</a:t>
             </a:r>
-            <a:endParaRPr sz="3627"/>
+            <a:endParaRPr sz="3627" dirty="0"/>
           </a:p>
           <a:p>
             <a:pPr lvl="1" indent="-575729">
@@ -8243,10 +9710,10 @@
               <a:buSzPts val="2400"/>
             </a:pPr>
             <a:r>
-              <a:rPr lang="en" sz="3627"/>
+              <a:rPr lang="en" sz="3627" dirty="0"/>
               <a:t>tracert (pc version)</a:t>
             </a:r>
-            <a:endParaRPr sz="3627"/>
+            <a:endParaRPr sz="3627" dirty="0"/>
           </a:p>
           <a:p>
             <a:pPr marL="0" indent="0">
@@ -8255,7 +9722,7 @@
               </a:spcAft>
               <a:buNone/>
             </a:pPr>
-            <a:endParaRPr sz="3627"/>
+            <a:endParaRPr sz="3627" dirty="0"/>
           </a:p>
         </p:txBody>
       </p:sp>
@@ -8267,7 +9734,7 @@
 </p:sld>
 </file>
 
-<file path=ppt/slides/slide5.xml><?xml version="1.0" encoding="utf-8"?>
+<file path=ppt/slides/slide6.xml><?xml version="1.0" encoding="utf-8"?>
 <p:sld xmlns:a="http://schemas.openxmlformats.org/drawingml/2006/main" xmlns:r="http://schemas.openxmlformats.org/officeDocument/2006/relationships" xmlns:p="http://schemas.openxmlformats.org/presentationml/2006/main">
   <p:cSld>
     <p:spTree>
@@ -8474,991 +9941,6 @@
     <p:extLst>
       <p:ext uri="{BB962C8B-B14F-4D97-AF65-F5344CB8AC3E}">
         <p14:creationId xmlns:p14="http://schemas.microsoft.com/office/powerpoint/2010/main" val="1732524464"/>
-      </p:ext>
-    </p:extLst>
-  </p:cSld>
-  <p:clrMapOvr>
-    <a:masterClrMapping/>
-  </p:clrMapOvr>
-  <mc:AlternateContent xmlns:mc="http://schemas.openxmlformats.org/markup-compatibility/2006" xmlns:p14="http://schemas.microsoft.com/office/powerpoint/2010/main">
-    <mc:Choice Requires="p14">
-      <p:transition p14:dur="300">
-        <p:fade/>
-      </p:transition>
-    </mc:Choice>
-    <mc:Fallback xmlns="">
-      <p:transition>
-        <p:fade/>
-      </p:transition>
-    </mc:Fallback>
-  </mc:AlternateContent>
-</p:sld>
-</file>
-
-<file path=ppt/slides/slide6.xml><?xml version="1.0" encoding="utf-8"?>
-<p:sld xmlns:a="http://schemas.openxmlformats.org/drawingml/2006/main" xmlns:r="http://schemas.openxmlformats.org/officeDocument/2006/relationships" xmlns:p="http://schemas.openxmlformats.org/presentationml/2006/main">
-  <p:cSld>
-    <p:spTree>
-      <p:nvGrpSpPr>
-        <p:cNvPr id="1" name=""/>
-        <p:cNvGrpSpPr/>
-        <p:nvPr/>
-      </p:nvGrpSpPr>
-      <p:grpSpPr>
-        <a:xfrm>
-          <a:off x="0" y="0"/>
-          <a:ext cx="0" cy="0"/>
-          <a:chOff x="0" y="0"/>
-          <a:chExt cx="0" cy="0"/>
-        </a:xfrm>
-      </p:grpSpPr>
-      <p:sp>
-        <p:nvSpPr>
-          <p:cNvPr id="2" name="Title 1">
-            <a:extLst>
-              <a:ext uri="{FF2B5EF4-FFF2-40B4-BE49-F238E27FC236}">
-                <a16:creationId xmlns:a16="http://schemas.microsoft.com/office/drawing/2014/main" id="{70A67877-CE4F-C040-A0A5-4C734438F51D}"/>
-              </a:ext>
-            </a:extLst>
-          </p:cNvPr>
-          <p:cNvSpPr>
-            <a:spLocks noGrp="1"/>
-          </p:cNvSpPr>
-          <p:nvPr>
-            <p:ph type="title"/>
-          </p:nvPr>
-        </p:nvSpPr>
-        <p:spPr/>
-        <p:txBody>
-          <a:bodyPr/>
-          <a:lstStyle/>
-          <a:p>
-            <a:r>
-              <a:rPr lang="en-US" dirty="0"/>
-              <a:t>List Operations</a:t>
-            </a:r>
-          </a:p>
-        </p:txBody>
-      </p:sp>
-      <p:sp>
-        <p:nvSpPr>
-          <p:cNvPr id="3" name="Text Placeholder 2">
-            <a:extLst>
-              <a:ext uri="{FF2B5EF4-FFF2-40B4-BE49-F238E27FC236}">
-                <a16:creationId xmlns:a16="http://schemas.microsoft.com/office/drawing/2014/main" id="{60839A20-BF96-D948-B0CC-F297DDE83CED}"/>
-              </a:ext>
-            </a:extLst>
-          </p:cNvPr>
-          <p:cNvSpPr>
-            <a:spLocks noGrp="1"/>
-          </p:cNvSpPr>
-          <p:nvPr>
-            <p:ph type="body" sz="quarter" idx="10"/>
-          </p:nvPr>
-        </p:nvSpPr>
-        <p:spPr>
-          <a:xfrm>
-            <a:off x="628075" y="1776683"/>
-            <a:ext cx="7861169" cy="5016117"/>
-          </a:xfrm>
-        </p:spPr>
-        <p:txBody>
-          <a:bodyPr/>
-          <a:lstStyle/>
-          <a:p>
-            <a:r>
-              <a:rPr lang="en-US" dirty="0"/>
-              <a:t>value in list </a:t>
-            </a:r>
-          </a:p>
-          <a:p>
-            <a:pPr lvl="1"/>
-            <a:r>
-              <a:rPr lang="en-US" dirty="0"/>
-              <a:t>very common, checks for value in list (full values)</a:t>
-            </a:r>
-          </a:p>
-          <a:p>
-            <a:r>
-              <a:rPr lang="en-US" dirty="0"/>
-              <a:t>list &lt; list </a:t>
-            </a:r>
-          </a:p>
-          <a:p>
-            <a:r>
-              <a:rPr lang="en-US" dirty="0"/>
-              <a:t>list &gt; list</a:t>
-            </a:r>
-          </a:p>
-          <a:p>
-            <a:pPr lvl="1"/>
-            <a:r>
-              <a:rPr lang="en-US" dirty="0"/>
-              <a:t>And other conditionals</a:t>
-            </a:r>
-          </a:p>
-          <a:p>
-            <a:pPr lvl="1"/>
-            <a:r>
-              <a:rPr lang="en-US" dirty="0"/>
-              <a:t>Checks each item in order comparing them as compares would happen</a:t>
-            </a:r>
-          </a:p>
-          <a:p>
-            <a:r>
-              <a:rPr lang="en-US" dirty="0" err="1"/>
-              <a:t>len</a:t>
-            </a:r>
-            <a:r>
-              <a:rPr lang="en-US" dirty="0"/>
-              <a:t>(list) – gives the length of the list</a:t>
-            </a:r>
-          </a:p>
-          <a:p>
-            <a:r>
-              <a:rPr lang="en-US" dirty="0"/>
-              <a:t>sorted(list) – returns a sorted *copy* of the list</a:t>
-            </a:r>
-          </a:p>
-          <a:p>
-            <a:r>
-              <a:rPr lang="en-US" dirty="0"/>
-              <a:t>reversed(list) – only used in for loops, to run loop reverse in opposite order</a:t>
-            </a:r>
-          </a:p>
-          <a:p>
-            <a:r>
-              <a:rPr lang="en-US" dirty="0"/>
-              <a:t>max(list), min(list) – both work on strings</a:t>
-            </a:r>
-          </a:p>
-          <a:p>
-            <a:pPr lvl="1"/>
-            <a:r>
-              <a:rPr lang="en-US" dirty="0"/>
-              <a:t>sum(list) – does not! </a:t>
-            </a:r>
-          </a:p>
-        </p:txBody>
-      </p:sp>
-      <p:sp>
-        <p:nvSpPr>
-          <p:cNvPr id="5" name="TextBox 4">
-            <a:extLst>
-              <a:ext uri="{FF2B5EF4-FFF2-40B4-BE49-F238E27FC236}">
-                <a16:creationId xmlns:a16="http://schemas.microsoft.com/office/drawing/2014/main" id="{E1EB7FCD-9779-7D4B-82D2-4CDCB4A8F80B}"/>
-              </a:ext>
-            </a:extLst>
-          </p:cNvPr>
-          <p:cNvSpPr txBox="1"/>
-          <p:nvPr/>
-        </p:nvSpPr>
-        <p:spPr>
-          <a:xfrm>
-            <a:off x="6773332" y="571453"/>
-            <a:ext cx="6852355" cy="3293209"/>
-          </a:xfrm>
-          <a:prstGeom prst="rect">
-            <a:avLst/>
-          </a:prstGeom>
-          <a:noFill/>
-          <a:ln>
-            <a:solidFill>
-              <a:schemeClr val="accent1"/>
-            </a:solidFill>
-          </a:ln>
-        </p:spPr>
-        <p:txBody>
-          <a:bodyPr wrap="square">
-            <a:spAutoFit/>
-          </a:bodyPr>
-          <a:lstStyle/>
-          <a:p>
-            <a:r>
-              <a:rPr lang="en-US" sz="1600" dirty="0">
-                <a:latin typeface="Consolas" panose="020B0609020204030204" pitchFamily="49" charset="0"/>
-                <a:cs typeface="Consolas" panose="020B0609020204030204" pitchFamily="49" charset="0"/>
-              </a:rPr>
-              <a:t>cast = [</a:t>
-            </a:r>
-            <a:r>
-              <a:rPr lang="en-US" sz="1600" dirty="0">
-                <a:solidFill>
-                  <a:srgbClr val="6A8759"/>
-                </a:solidFill>
-                <a:effectLst/>
-                <a:latin typeface="Consolas" panose="020B0609020204030204" pitchFamily="49" charset="0"/>
-                <a:cs typeface="Consolas" panose="020B0609020204030204" pitchFamily="49" charset="0"/>
-              </a:rPr>
-              <a:t>"Westley"</a:t>
-            </a:r>
-            <a:r>
-              <a:rPr lang="en-US" sz="1600" dirty="0">
-                <a:solidFill>
-                  <a:srgbClr val="CC7832"/>
-                </a:solidFill>
-                <a:effectLst/>
-                <a:latin typeface="Consolas" panose="020B0609020204030204" pitchFamily="49" charset="0"/>
-                <a:cs typeface="Consolas" panose="020B0609020204030204" pitchFamily="49" charset="0"/>
-              </a:rPr>
-              <a:t>, </a:t>
-            </a:r>
-            <a:r>
-              <a:rPr lang="en-US" sz="1600" dirty="0">
-                <a:solidFill>
-                  <a:srgbClr val="6A8759"/>
-                </a:solidFill>
-                <a:effectLst/>
-                <a:latin typeface="Consolas" panose="020B0609020204030204" pitchFamily="49" charset="0"/>
-                <a:cs typeface="Consolas" panose="020B0609020204030204" pitchFamily="49" charset="0"/>
-              </a:rPr>
-              <a:t>"Buttercup"</a:t>
-            </a:r>
-            <a:r>
-              <a:rPr lang="en-US" sz="1600" dirty="0">
-                <a:solidFill>
-                  <a:srgbClr val="CC7832"/>
-                </a:solidFill>
-                <a:effectLst/>
-                <a:latin typeface="Consolas" panose="020B0609020204030204" pitchFamily="49" charset="0"/>
-                <a:cs typeface="Consolas" panose="020B0609020204030204" pitchFamily="49" charset="0"/>
-              </a:rPr>
-              <a:t>, </a:t>
-            </a:r>
-            <a:r>
-              <a:rPr lang="en-US" sz="1600" dirty="0">
-                <a:solidFill>
-                  <a:srgbClr val="6A8759"/>
-                </a:solidFill>
-                <a:effectLst/>
-                <a:latin typeface="Consolas" panose="020B0609020204030204" pitchFamily="49" charset="0"/>
-                <a:cs typeface="Consolas" panose="020B0609020204030204" pitchFamily="49" charset="0"/>
-              </a:rPr>
-              <a:t>"Inigo Montoya"</a:t>
-            </a:r>
-            <a:r>
-              <a:rPr lang="en-US" sz="1600" dirty="0">
-                <a:solidFill>
-                  <a:srgbClr val="CC7832"/>
-                </a:solidFill>
-                <a:effectLst/>
-                <a:latin typeface="Consolas" panose="020B0609020204030204" pitchFamily="49" charset="0"/>
-                <a:cs typeface="Consolas" panose="020B0609020204030204" pitchFamily="49" charset="0"/>
-              </a:rPr>
-              <a:t>, </a:t>
-            </a:r>
-            <a:r>
-              <a:rPr lang="en-US" sz="1600" dirty="0">
-                <a:solidFill>
-                  <a:srgbClr val="6A8759"/>
-                </a:solidFill>
-                <a:effectLst/>
-                <a:latin typeface="Consolas" panose="020B0609020204030204" pitchFamily="49" charset="0"/>
-                <a:cs typeface="Consolas" panose="020B0609020204030204" pitchFamily="49" charset="0"/>
-              </a:rPr>
-              <a:t>"</a:t>
-            </a:r>
-            <a:r>
-              <a:rPr lang="en-US" sz="1600" dirty="0" err="1">
-                <a:solidFill>
-                  <a:srgbClr val="6A8759"/>
-                </a:solidFill>
-                <a:effectLst/>
-                <a:latin typeface="Consolas" panose="020B0609020204030204" pitchFamily="49" charset="0"/>
-                <a:cs typeface="Consolas" panose="020B0609020204030204" pitchFamily="49" charset="0"/>
-              </a:rPr>
-              <a:t>Vizzini</a:t>
-            </a:r>
-            <a:r>
-              <a:rPr lang="en-US" sz="1600" dirty="0">
-                <a:solidFill>
-                  <a:srgbClr val="6A8759"/>
-                </a:solidFill>
-                <a:effectLst/>
-                <a:latin typeface="Consolas" panose="020B0609020204030204" pitchFamily="49" charset="0"/>
-                <a:cs typeface="Consolas" panose="020B0609020204030204" pitchFamily="49" charset="0"/>
-              </a:rPr>
-              <a:t>"</a:t>
-            </a:r>
-            <a:r>
-              <a:rPr lang="en-US" sz="1600" dirty="0">
-                <a:solidFill>
-                  <a:srgbClr val="CC7832"/>
-                </a:solidFill>
-                <a:effectLst/>
-                <a:latin typeface="Consolas" panose="020B0609020204030204" pitchFamily="49" charset="0"/>
-                <a:cs typeface="Consolas" panose="020B0609020204030204" pitchFamily="49" charset="0"/>
-              </a:rPr>
-              <a:t>,</a:t>
-            </a:r>
-            <a:br>
-              <a:rPr lang="en-US" sz="1600" dirty="0">
-                <a:solidFill>
-                  <a:srgbClr val="CC7832"/>
-                </a:solidFill>
-                <a:effectLst/>
-                <a:latin typeface="Consolas" panose="020B0609020204030204" pitchFamily="49" charset="0"/>
-                <a:cs typeface="Consolas" panose="020B0609020204030204" pitchFamily="49" charset="0"/>
-              </a:rPr>
-            </a:br>
-            <a:r>
-              <a:rPr lang="en-US" sz="1600" dirty="0">
-                <a:solidFill>
-                  <a:srgbClr val="CC7832"/>
-                </a:solidFill>
-                <a:effectLst/>
-                <a:latin typeface="Consolas" panose="020B0609020204030204" pitchFamily="49" charset="0"/>
-                <a:cs typeface="Consolas" panose="020B0609020204030204" pitchFamily="49" charset="0"/>
-              </a:rPr>
-              <a:t>        </a:t>
-            </a:r>
-            <a:r>
-              <a:rPr lang="en-US" sz="1600" dirty="0">
-                <a:solidFill>
-                  <a:srgbClr val="6A8759"/>
-                </a:solidFill>
-                <a:effectLst/>
-                <a:latin typeface="Consolas" panose="020B0609020204030204" pitchFamily="49" charset="0"/>
-                <a:cs typeface="Consolas" panose="020B0609020204030204" pitchFamily="49" charset="0"/>
-              </a:rPr>
-              <a:t>"Fezzik"</a:t>
-            </a:r>
-            <a:r>
-              <a:rPr lang="en-US" sz="1600" dirty="0">
-                <a:solidFill>
-                  <a:srgbClr val="CC7832"/>
-                </a:solidFill>
-                <a:effectLst/>
-                <a:latin typeface="Consolas" panose="020B0609020204030204" pitchFamily="49" charset="0"/>
-                <a:cs typeface="Consolas" panose="020B0609020204030204" pitchFamily="49" charset="0"/>
-              </a:rPr>
-              <a:t>, </a:t>
-            </a:r>
-            <a:r>
-              <a:rPr lang="en-US" sz="1600" dirty="0">
-                <a:solidFill>
-                  <a:srgbClr val="6A8759"/>
-                </a:solidFill>
-                <a:effectLst/>
-                <a:latin typeface="Consolas" panose="020B0609020204030204" pitchFamily="49" charset="0"/>
-                <a:cs typeface="Consolas" panose="020B0609020204030204" pitchFamily="49" charset="0"/>
-              </a:rPr>
-              <a:t>"</a:t>
-            </a:r>
-            <a:r>
-              <a:rPr lang="en-US" sz="1600" dirty="0" err="1">
-                <a:solidFill>
-                  <a:srgbClr val="6A8759"/>
-                </a:solidFill>
-                <a:effectLst/>
-                <a:latin typeface="Consolas" panose="020B0609020204030204" pitchFamily="49" charset="0"/>
-                <a:cs typeface="Consolas" panose="020B0609020204030204" pitchFamily="49" charset="0"/>
-              </a:rPr>
-              <a:t>Rugan</a:t>
-            </a:r>
-            <a:r>
-              <a:rPr lang="en-US" sz="1600" dirty="0">
-                <a:solidFill>
-                  <a:srgbClr val="6A8759"/>
-                </a:solidFill>
-                <a:effectLst/>
-                <a:latin typeface="Consolas" panose="020B0609020204030204" pitchFamily="49" charset="0"/>
-                <a:cs typeface="Consolas" panose="020B0609020204030204" pitchFamily="49" charset="0"/>
-              </a:rPr>
-              <a:t>"</a:t>
-            </a:r>
-            <a:r>
-              <a:rPr lang="en-US" sz="1600" dirty="0">
-                <a:solidFill>
-                  <a:srgbClr val="CC7832"/>
-                </a:solidFill>
-                <a:effectLst/>
-                <a:latin typeface="Consolas" panose="020B0609020204030204" pitchFamily="49" charset="0"/>
-                <a:cs typeface="Consolas" panose="020B0609020204030204" pitchFamily="49" charset="0"/>
-              </a:rPr>
-              <a:t>, </a:t>
-            </a:r>
-            <a:r>
-              <a:rPr lang="en-US" sz="1600" dirty="0">
-                <a:solidFill>
-                  <a:srgbClr val="6A8759"/>
-                </a:solidFill>
-                <a:effectLst/>
-                <a:latin typeface="Consolas" panose="020B0609020204030204" pitchFamily="49" charset="0"/>
-                <a:cs typeface="Consolas" panose="020B0609020204030204" pitchFamily="49" charset="0"/>
-              </a:rPr>
-              <a:t>"Humperdinck"</a:t>
-            </a:r>
-            <a:r>
-              <a:rPr lang="en-US" sz="1600" dirty="0">
-                <a:latin typeface="Consolas" panose="020B0609020204030204" pitchFamily="49" charset="0"/>
-                <a:cs typeface="Consolas" panose="020B0609020204030204" pitchFamily="49" charset="0"/>
-              </a:rPr>
-              <a:t>]</a:t>
-            </a:r>
-            <a:br>
-              <a:rPr lang="en-US" sz="1600" dirty="0">
-                <a:latin typeface="Consolas" panose="020B0609020204030204" pitchFamily="49" charset="0"/>
-                <a:cs typeface="Consolas" panose="020B0609020204030204" pitchFamily="49" charset="0"/>
-              </a:rPr>
-            </a:br>
-            <a:r>
-              <a:rPr lang="en-US" sz="1600" dirty="0" err="1">
-                <a:latin typeface="Consolas" panose="020B0609020204030204" pitchFamily="49" charset="0"/>
-                <a:cs typeface="Consolas" panose="020B0609020204030204" pitchFamily="49" charset="0"/>
-              </a:rPr>
-              <a:t>cast.sort</a:t>
-            </a:r>
-            <a:r>
-              <a:rPr lang="en-US" sz="1600" dirty="0">
-                <a:latin typeface="Consolas" panose="020B0609020204030204" pitchFamily="49" charset="0"/>
-                <a:cs typeface="Consolas" panose="020B0609020204030204" pitchFamily="49" charset="0"/>
-              </a:rPr>
-              <a:t>() </a:t>
-            </a:r>
-            <a:r>
-              <a:rPr lang="en-US" sz="1600" dirty="0">
-                <a:solidFill>
-                  <a:srgbClr val="808080"/>
-                </a:solidFill>
-                <a:latin typeface="Consolas" panose="020B0609020204030204" pitchFamily="49" charset="0"/>
-                <a:cs typeface="Consolas" panose="020B0609020204030204" pitchFamily="49" charset="0"/>
-              </a:rPr>
-              <a:t># Modifies cast!!</a:t>
-            </a:r>
-            <a:br>
-              <a:rPr lang="en-US" sz="1600" dirty="0">
-                <a:latin typeface="Consolas" panose="020B0609020204030204" pitchFamily="49" charset="0"/>
-                <a:cs typeface="Consolas" panose="020B0609020204030204" pitchFamily="49" charset="0"/>
-              </a:rPr>
-            </a:br>
-            <a:r>
-              <a:rPr lang="en-US" sz="1600" dirty="0">
-                <a:latin typeface="Consolas" panose="020B0609020204030204" pitchFamily="49" charset="0"/>
-                <a:cs typeface="Consolas" panose="020B0609020204030204" pitchFamily="49" charset="0"/>
-              </a:rPr>
-              <a:t>cast2 = [</a:t>
-            </a:r>
-            <a:r>
-              <a:rPr lang="en-US" sz="1600" dirty="0">
-                <a:solidFill>
-                  <a:srgbClr val="6A8759"/>
-                </a:solidFill>
-                <a:effectLst/>
-                <a:latin typeface="Consolas" panose="020B0609020204030204" pitchFamily="49" charset="0"/>
-                <a:cs typeface="Consolas" panose="020B0609020204030204" pitchFamily="49" charset="0"/>
-              </a:rPr>
-              <a:t>"Westley"</a:t>
-            </a:r>
-            <a:r>
-              <a:rPr lang="en-US" sz="1600" dirty="0">
-                <a:solidFill>
-                  <a:srgbClr val="CC7832"/>
-                </a:solidFill>
-                <a:effectLst/>
-                <a:latin typeface="Consolas" panose="020B0609020204030204" pitchFamily="49" charset="0"/>
-                <a:cs typeface="Consolas" panose="020B0609020204030204" pitchFamily="49" charset="0"/>
-              </a:rPr>
-              <a:t>, </a:t>
-            </a:r>
-            <a:r>
-              <a:rPr lang="en-US" sz="1600" dirty="0">
-                <a:solidFill>
-                  <a:srgbClr val="6A8759"/>
-                </a:solidFill>
-                <a:effectLst/>
-                <a:latin typeface="Consolas" panose="020B0609020204030204" pitchFamily="49" charset="0"/>
-                <a:cs typeface="Consolas" panose="020B0609020204030204" pitchFamily="49" charset="0"/>
-              </a:rPr>
-              <a:t>"Buttercup"</a:t>
-            </a:r>
-            <a:r>
-              <a:rPr lang="en-US" sz="1600" dirty="0">
-                <a:solidFill>
-                  <a:srgbClr val="CC7832"/>
-                </a:solidFill>
-                <a:effectLst/>
-                <a:latin typeface="Consolas" panose="020B0609020204030204" pitchFamily="49" charset="0"/>
-                <a:cs typeface="Consolas" panose="020B0609020204030204" pitchFamily="49" charset="0"/>
-              </a:rPr>
-              <a:t>, </a:t>
-            </a:r>
-            <a:r>
-              <a:rPr lang="en-US" sz="1600" dirty="0">
-                <a:solidFill>
-                  <a:srgbClr val="6A8759"/>
-                </a:solidFill>
-                <a:effectLst/>
-                <a:latin typeface="Consolas" panose="020B0609020204030204" pitchFamily="49" charset="0"/>
-                <a:cs typeface="Consolas" panose="020B0609020204030204" pitchFamily="49" charset="0"/>
-              </a:rPr>
-              <a:t>"Inigo Montoya"</a:t>
-            </a:r>
-            <a:r>
-              <a:rPr lang="en-US" sz="1600" dirty="0">
-                <a:solidFill>
-                  <a:srgbClr val="CC7832"/>
-                </a:solidFill>
-                <a:effectLst/>
-                <a:latin typeface="Consolas" panose="020B0609020204030204" pitchFamily="49" charset="0"/>
-                <a:cs typeface="Consolas" panose="020B0609020204030204" pitchFamily="49" charset="0"/>
-              </a:rPr>
-              <a:t>, </a:t>
-            </a:r>
-            <a:r>
-              <a:rPr lang="en-US" sz="1600" dirty="0">
-                <a:solidFill>
-                  <a:srgbClr val="6A8759"/>
-                </a:solidFill>
-                <a:effectLst/>
-                <a:latin typeface="Consolas" panose="020B0609020204030204" pitchFamily="49" charset="0"/>
-                <a:cs typeface="Consolas" panose="020B0609020204030204" pitchFamily="49" charset="0"/>
-              </a:rPr>
-              <a:t>"</a:t>
-            </a:r>
-            <a:r>
-              <a:rPr lang="en-US" sz="1600" dirty="0" err="1">
-                <a:solidFill>
-                  <a:srgbClr val="6A8759"/>
-                </a:solidFill>
-                <a:effectLst/>
-                <a:latin typeface="Consolas" panose="020B0609020204030204" pitchFamily="49" charset="0"/>
-                <a:cs typeface="Consolas" panose="020B0609020204030204" pitchFamily="49" charset="0"/>
-              </a:rPr>
-              <a:t>Vizzini</a:t>
-            </a:r>
-            <a:r>
-              <a:rPr lang="en-US" sz="1600" dirty="0">
-                <a:solidFill>
-                  <a:srgbClr val="6A8759"/>
-                </a:solidFill>
-                <a:effectLst/>
-                <a:latin typeface="Consolas" panose="020B0609020204030204" pitchFamily="49" charset="0"/>
-                <a:cs typeface="Consolas" panose="020B0609020204030204" pitchFamily="49" charset="0"/>
-              </a:rPr>
-              <a:t>"</a:t>
-            </a:r>
-            <a:r>
-              <a:rPr lang="en-US" sz="1600" dirty="0">
-                <a:solidFill>
-                  <a:srgbClr val="CC7832"/>
-                </a:solidFill>
-                <a:effectLst/>
-                <a:latin typeface="Consolas" panose="020B0609020204030204" pitchFamily="49" charset="0"/>
-                <a:cs typeface="Consolas" panose="020B0609020204030204" pitchFamily="49" charset="0"/>
-              </a:rPr>
-              <a:t>,</a:t>
-            </a:r>
-            <a:br>
-              <a:rPr lang="en-US" sz="1600" dirty="0">
-                <a:solidFill>
-                  <a:srgbClr val="CC7832"/>
-                </a:solidFill>
-                <a:effectLst/>
-                <a:latin typeface="Consolas" panose="020B0609020204030204" pitchFamily="49" charset="0"/>
-                <a:cs typeface="Consolas" panose="020B0609020204030204" pitchFamily="49" charset="0"/>
-              </a:rPr>
-            </a:br>
-            <a:r>
-              <a:rPr lang="en-US" sz="1600" dirty="0">
-                <a:solidFill>
-                  <a:srgbClr val="CC7832"/>
-                </a:solidFill>
-                <a:effectLst/>
-                <a:latin typeface="Consolas" panose="020B0609020204030204" pitchFamily="49" charset="0"/>
-                <a:cs typeface="Consolas" panose="020B0609020204030204" pitchFamily="49" charset="0"/>
-              </a:rPr>
-              <a:t>        </a:t>
-            </a:r>
-            <a:r>
-              <a:rPr lang="en-US" sz="1600" dirty="0">
-                <a:solidFill>
-                  <a:srgbClr val="6A8759"/>
-                </a:solidFill>
-                <a:effectLst/>
-                <a:latin typeface="Consolas" panose="020B0609020204030204" pitchFamily="49" charset="0"/>
-                <a:cs typeface="Consolas" panose="020B0609020204030204" pitchFamily="49" charset="0"/>
-              </a:rPr>
-              <a:t>"Fezzik"</a:t>
-            </a:r>
-            <a:r>
-              <a:rPr lang="en-US" sz="1600" dirty="0">
-                <a:solidFill>
-                  <a:srgbClr val="CC7832"/>
-                </a:solidFill>
-                <a:effectLst/>
-                <a:latin typeface="Consolas" panose="020B0609020204030204" pitchFamily="49" charset="0"/>
-                <a:cs typeface="Consolas" panose="020B0609020204030204" pitchFamily="49" charset="0"/>
-              </a:rPr>
-              <a:t>, </a:t>
-            </a:r>
-            <a:r>
-              <a:rPr lang="en-US" sz="1600" dirty="0">
-                <a:solidFill>
-                  <a:srgbClr val="6A8759"/>
-                </a:solidFill>
-                <a:effectLst/>
-                <a:latin typeface="Consolas" panose="020B0609020204030204" pitchFamily="49" charset="0"/>
-                <a:cs typeface="Consolas" panose="020B0609020204030204" pitchFamily="49" charset="0"/>
-              </a:rPr>
-              <a:t>"</a:t>
-            </a:r>
-            <a:r>
-              <a:rPr lang="en-US" sz="1600" dirty="0" err="1">
-                <a:solidFill>
-                  <a:srgbClr val="6A8759"/>
-                </a:solidFill>
-                <a:effectLst/>
-                <a:latin typeface="Consolas" panose="020B0609020204030204" pitchFamily="49" charset="0"/>
-                <a:cs typeface="Consolas" panose="020B0609020204030204" pitchFamily="49" charset="0"/>
-              </a:rPr>
-              <a:t>Rugan</a:t>
-            </a:r>
-            <a:r>
-              <a:rPr lang="en-US" sz="1600" dirty="0">
-                <a:solidFill>
-                  <a:srgbClr val="6A8759"/>
-                </a:solidFill>
-                <a:effectLst/>
-                <a:latin typeface="Consolas" panose="020B0609020204030204" pitchFamily="49" charset="0"/>
-                <a:cs typeface="Consolas" panose="020B0609020204030204" pitchFamily="49" charset="0"/>
-              </a:rPr>
-              <a:t>"</a:t>
-            </a:r>
-            <a:r>
-              <a:rPr lang="en-US" sz="1600" dirty="0">
-                <a:solidFill>
-                  <a:srgbClr val="CC7832"/>
-                </a:solidFill>
-                <a:effectLst/>
-                <a:latin typeface="Consolas" panose="020B0609020204030204" pitchFamily="49" charset="0"/>
-                <a:cs typeface="Consolas" panose="020B0609020204030204" pitchFamily="49" charset="0"/>
-              </a:rPr>
-              <a:t>, </a:t>
-            </a:r>
-            <a:r>
-              <a:rPr lang="en-US" sz="1600" dirty="0">
-                <a:solidFill>
-                  <a:srgbClr val="6A8759"/>
-                </a:solidFill>
-                <a:effectLst/>
-                <a:latin typeface="Consolas" panose="020B0609020204030204" pitchFamily="49" charset="0"/>
-                <a:cs typeface="Consolas" panose="020B0609020204030204" pitchFamily="49" charset="0"/>
-              </a:rPr>
-              <a:t>"Humperdinck"</a:t>
-            </a:r>
-            <a:r>
-              <a:rPr lang="en-US" sz="1600" dirty="0">
-                <a:latin typeface="Consolas" panose="020B0609020204030204" pitchFamily="49" charset="0"/>
-                <a:cs typeface="Consolas" panose="020B0609020204030204" pitchFamily="49" charset="0"/>
-              </a:rPr>
-              <a:t>]</a:t>
-            </a:r>
-          </a:p>
-          <a:p>
-            <a:br>
-              <a:rPr lang="en-US" sz="1600" dirty="0">
-                <a:latin typeface="Consolas" panose="020B0609020204030204" pitchFamily="49" charset="0"/>
-                <a:cs typeface="Consolas" panose="020B0609020204030204" pitchFamily="49" charset="0"/>
-              </a:rPr>
-            </a:br>
-            <a:r>
-              <a:rPr lang="en-US" sz="1600" dirty="0">
-                <a:solidFill>
-                  <a:srgbClr val="CC7832"/>
-                </a:solidFill>
-                <a:effectLst/>
-                <a:latin typeface="Consolas" panose="020B0609020204030204" pitchFamily="49" charset="0"/>
-                <a:cs typeface="Consolas" panose="020B0609020204030204" pitchFamily="49" charset="0"/>
-              </a:rPr>
-              <a:t>if </a:t>
-            </a:r>
-            <a:r>
-              <a:rPr lang="en-US" sz="1600" dirty="0">
-                <a:latin typeface="Consolas" panose="020B0609020204030204" pitchFamily="49" charset="0"/>
-                <a:cs typeface="Consolas" panose="020B0609020204030204" pitchFamily="49" charset="0"/>
-              </a:rPr>
-              <a:t>cast == </a:t>
-            </a:r>
-            <a:r>
-              <a:rPr lang="en-US" sz="1600" dirty="0">
-                <a:solidFill>
-                  <a:srgbClr val="8888C6"/>
-                </a:solidFill>
-                <a:effectLst/>
-                <a:latin typeface="Consolas" panose="020B0609020204030204" pitchFamily="49" charset="0"/>
-                <a:cs typeface="Consolas" panose="020B0609020204030204" pitchFamily="49" charset="0"/>
-              </a:rPr>
-              <a:t>sorted</a:t>
-            </a:r>
-            <a:r>
-              <a:rPr lang="en-US" sz="1600" dirty="0">
-                <a:latin typeface="Consolas" panose="020B0609020204030204" pitchFamily="49" charset="0"/>
-                <a:cs typeface="Consolas" panose="020B0609020204030204" pitchFamily="49" charset="0"/>
-              </a:rPr>
-              <a:t>(cast2):</a:t>
-            </a:r>
-            <a:br>
-              <a:rPr lang="en-US" sz="1600" dirty="0">
-                <a:latin typeface="Consolas" panose="020B0609020204030204" pitchFamily="49" charset="0"/>
-                <a:cs typeface="Consolas" panose="020B0609020204030204" pitchFamily="49" charset="0"/>
-              </a:rPr>
-            </a:br>
-            <a:r>
-              <a:rPr lang="en-US" sz="1600" dirty="0">
-                <a:latin typeface="Consolas" panose="020B0609020204030204" pitchFamily="49" charset="0"/>
-                <a:cs typeface="Consolas" panose="020B0609020204030204" pitchFamily="49" charset="0"/>
-              </a:rPr>
-              <a:t>    </a:t>
-            </a:r>
-            <a:r>
-              <a:rPr lang="en-US" sz="1600" dirty="0">
-                <a:solidFill>
-                  <a:srgbClr val="8888C6"/>
-                </a:solidFill>
-                <a:effectLst/>
-                <a:latin typeface="Consolas" panose="020B0609020204030204" pitchFamily="49" charset="0"/>
-                <a:cs typeface="Consolas" panose="020B0609020204030204" pitchFamily="49" charset="0"/>
-              </a:rPr>
-              <a:t>print</a:t>
-            </a:r>
-            <a:r>
-              <a:rPr lang="en-US" sz="1600" dirty="0">
-                <a:latin typeface="Consolas" panose="020B0609020204030204" pitchFamily="49" charset="0"/>
-                <a:cs typeface="Consolas" panose="020B0609020204030204" pitchFamily="49" charset="0"/>
-              </a:rPr>
-              <a:t>(</a:t>
-            </a:r>
-            <a:r>
-              <a:rPr lang="en-US" sz="1600" dirty="0">
-                <a:solidFill>
-                  <a:srgbClr val="6A8759"/>
-                </a:solidFill>
-                <a:effectLst/>
-                <a:latin typeface="Consolas" panose="020B0609020204030204" pitchFamily="49" charset="0"/>
-                <a:cs typeface="Consolas" panose="020B0609020204030204" pitchFamily="49" charset="0"/>
-              </a:rPr>
-              <a:t>"They are equal"</a:t>
-            </a:r>
-            <a:r>
-              <a:rPr lang="en-US" sz="1600" dirty="0">
-                <a:latin typeface="Consolas" panose="020B0609020204030204" pitchFamily="49" charset="0"/>
-                <a:cs typeface="Consolas" panose="020B0609020204030204" pitchFamily="49" charset="0"/>
-              </a:rPr>
-              <a:t>)</a:t>
-            </a:r>
-            <a:r>
-              <a:rPr lang="en-US" sz="1600" dirty="0"/>
-              <a:t> </a:t>
-            </a:r>
-            <a:r>
-              <a:rPr lang="en-US" sz="1600" dirty="0">
-                <a:solidFill>
-                  <a:srgbClr val="808080"/>
-                </a:solidFill>
-                <a:latin typeface="Consolas" panose="020B0609020204030204" pitchFamily="49" charset="0"/>
-                <a:cs typeface="Consolas" panose="020B0609020204030204" pitchFamily="49" charset="0"/>
-              </a:rPr>
-              <a:t># this does print!</a:t>
-            </a:r>
-          </a:p>
-          <a:p>
-            <a:r>
-              <a:rPr lang="en-US" sz="1600" dirty="0">
-                <a:solidFill>
-                  <a:srgbClr val="CC7832"/>
-                </a:solidFill>
-                <a:latin typeface="Consolas" panose="020B0609020204030204" pitchFamily="49" charset="0"/>
-                <a:cs typeface="Consolas" panose="020B0609020204030204" pitchFamily="49" charset="0"/>
-              </a:rPr>
-              <a:t>for </a:t>
-            </a:r>
-            <a:r>
-              <a:rPr lang="en-US" sz="1600" dirty="0">
-                <a:latin typeface="Consolas" panose="020B0609020204030204" pitchFamily="49" charset="0"/>
-                <a:cs typeface="Consolas" panose="020B0609020204030204" pitchFamily="49" charset="0"/>
-              </a:rPr>
-              <a:t>actor </a:t>
-            </a:r>
-            <a:r>
-              <a:rPr lang="en-US" sz="1600" dirty="0">
-                <a:solidFill>
-                  <a:srgbClr val="CC7832"/>
-                </a:solidFill>
-                <a:latin typeface="Consolas" panose="020B0609020204030204" pitchFamily="49" charset="0"/>
-                <a:cs typeface="Consolas" panose="020B0609020204030204" pitchFamily="49" charset="0"/>
-              </a:rPr>
-              <a:t>in </a:t>
-            </a:r>
-            <a:r>
-              <a:rPr lang="en-US" sz="1600" dirty="0">
-                <a:solidFill>
-                  <a:srgbClr val="8888C6"/>
-                </a:solidFill>
-                <a:latin typeface="Consolas" panose="020B0609020204030204" pitchFamily="49" charset="0"/>
-                <a:cs typeface="Consolas" panose="020B0609020204030204" pitchFamily="49" charset="0"/>
-              </a:rPr>
-              <a:t>reversed</a:t>
-            </a:r>
-            <a:r>
-              <a:rPr lang="en-US" sz="1600" dirty="0">
-                <a:latin typeface="Consolas" panose="020B0609020204030204" pitchFamily="49" charset="0"/>
-                <a:cs typeface="Consolas" panose="020B0609020204030204" pitchFamily="49" charset="0"/>
-              </a:rPr>
-              <a:t>(cast):</a:t>
-            </a:r>
-            <a:br>
-              <a:rPr lang="en-US" sz="1600" dirty="0">
-                <a:latin typeface="Consolas" panose="020B0609020204030204" pitchFamily="49" charset="0"/>
-                <a:cs typeface="Consolas" panose="020B0609020204030204" pitchFamily="49" charset="0"/>
-              </a:rPr>
-            </a:br>
-            <a:r>
-              <a:rPr lang="en-US" sz="1600" dirty="0">
-                <a:latin typeface="Consolas" panose="020B0609020204030204" pitchFamily="49" charset="0"/>
-                <a:cs typeface="Consolas" panose="020B0609020204030204" pitchFamily="49" charset="0"/>
-              </a:rPr>
-              <a:t>    </a:t>
-            </a:r>
-            <a:r>
-              <a:rPr lang="en-US" sz="1600" dirty="0">
-                <a:solidFill>
-                  <a:srgbClr val="8888C6"/>
-                </a:solidFill>
-                <a:latin typeface="Consolas" panose="020B0609020204030204" pitchFamily="49" charset="0"/>
-                <a:cs typeface="Consolas" panose="020B0609020204030204" pitchFamily="49" charset="0"/>
-              </a:rPr>
-              <a:t>print</a:t>
-            </a:r>
-            <a:r>
-              <a:rPr lang="en-US" sz="1600" dirty="0">
-                <a:latin typeface="Consolas" panose="020B0609020204030204" pitchFamily="49" charset="0"/>
-                <a:cs typeface="Consolas" panose="020B0609020204030204" pitchFamily="49" charset="0"/>
-              </a:rPr>
-              <a:t>(actor)</a:t>
-            </a:r>
-            <a:r>
-              <a:rPr lang="en-US" sz="1600" dirty="0">
-                <a:solidFill>
-                  <a:srgbClr val="808080"/>
-                </a:solidFill>
-                <a:latin typeface="Consolas" panose="020B0609020204030204" pitchFamily="49" charset="0"/>
-                <a:cs typeface="Consolas" panose="020B0609020204030204" pitchFamily="49" charset="0"/>
-              </a:rPr>
-              <a:t> # prints from Westley to Buttercup</a:t>
-            </a:r>
-          </a:p>
-          <a:p>
-            <a:endParaRPr lang="en-US" sz="1600" dirty="0">
-              <a:solidFill>
-                <a:srgbClr val="808080"/>
-              </a:solidFill>
-              <a:latin typeface="Consolas" panose="020B0609020204030204" pitchFamily="49" charset="0"/>
-              <a:cs typeface="Consolas" panose="020B0609020204030204" pitchFamily="49" charset="0"/>
-            </a:endParaRPr>
-          </a:p>
-          <a:p>
-            <a:r>
-              <a:rPr lang="en-US" sz="1600" dirty="0">
-                <a:solidFill>
-                  <a:srgbClr val="8888C6"/>
-                </a:solidFill>
-                <a:latin typeface="Consolas" panose="020B0609020204030204" pitchFamily="49" charset="0"/>
-                <a:cs typeface="Consolas" panose="020B0609020204030204" pitchFamily="49" charset="0"/>
-              </a:rPr>
-              <a:t>print</a:t>
-            </a:r>
-            <a:r>
-              <a:rPr lang="en-US" sz="1600" dirty="0">
-                <a:latin typeface="Consolas" panose="020B0609020204030204" pitchFamily="49" charset="0"/>
-                <a:cs typeface="Consolas" panose="020B0609020204030204" pitchFamily="49" charset="0"/>
-              </a:rPr>
-              <a:t>(</a:t>
-            </a:r>
-            <a:r>
-              <a:rPr lang="en-US" sz="1600" dirty="0">
-                <a:solidFill>
-                  <a:srgbClr val="8888C6"/>
-                </a:solidFill>
-                <a:latin typeface="Consolas" panose="020B0609020204030204" pitchFamily="49" charset="0"/>
-                <a:cs typeface="Consolas" panose="020B0609020204030204" pitchFamily="49" charset="0"/>
-              </a:rPr>
-              <a:t>max</a:t>
-            </a:r>
-            <a:r>
-              <a:rPr lang="en-US" sz="1600" dirty="0">
-                <a:latin typeface="Consolas" panose="020B0609020204030204" pitchFamily="49" charset="0"/>
-                <a:cs typeface="Consolas" panose="020B0609020204030204" pitchFamily="49" charset="0"/>
-              </a:rPr>
-              <a:t>(cast)) </a:t>
-            </a:r>
-            <a:r>
-              <a:rPr lang="en-US" sz="1600" dirty="0">
-                <a:solidFill>
-                  <a:srgbClr val="808080"/>
-                </a:solidFill>
-                <a:latin typeface="Consolas" panose="020B0609020204030204" pitchFamily="49" charset="0"/>
-                <a:cs typeface="Consolas" panose="020B0609020204030204" pitchFamily="49" charset="0"/>
-              </a:rPr>
-              <a:t># Westley</a:t>
-            </a:r>
-          </a:p>
-          <a:p>
-            <a:r>
-              <a:rPr lang="en-US" sz="1600" dirty="0">
-                <a:solidFill>
-                  <a:srgbClr val="8888C6"/>
-                </a:solidFill>
-                <a:latin typeface="Consolas" panose="020B0609020204030204" pitchFamily="49" charset="0"/>
-                <a:cs typeface="Consolas" panose="020B0609020204030204" pitchFamily="49" charset="0"/>
-              </a:rPr>
-              <a:t>print</a:t>
-            </a:r>
-            <a:r>
-              <a:rPr lang="en-US" sz="1600" dirty="0">
-                <a:latin typeface="Consolas" panose="020B0609020204030204" pitchFamily="49" charset="0"/>
-                <a:cs typeface="Consolas" panose="020B0609020204030204" pitchFamily="49" charset="0"/>
-              </a:rPr>
-              <a:t>(</a:t>
-            </a:r>
-            <a:r>
-              <a:rPr lang="en-US" sz="1600" dirty="0">
-                <a:solidFill>
-                  <a:srgbClr val="8888C6"/>
-                </a:solidFill>
-                <a:latin typeface="Consolas" panose="020B0609020204030204" pitchFamily="49" charset="0"/>
-                <a:cs typeface="Consolas" panose="020B0609020204030204" pitchFamily="49" charset="0"/>
-              </a:rPr>
-              <a:t>min</a:t>
-            </a:r>
-            <a:r>
-              <a:rPr lang="en-US" sz="1600" dirty="0">
-                <a:latin typeface="Consolas" panose="020B0609020204030204" pitchFamily="49" charset="0"/>
-                <a:cs typeface="Consolas" panose="020B0609020204030204" pitchFamily="49" charset="0"/>
-              </a:rPr>
-              <a:t>(cast)) </a:t>
-            </a:r>
-            <a:r>
-              <a:rPr lang="en-US" sz="1600" dirty="0">
-                <a:solidFill>
-                  <a:srgbClr val="808080"/>
-                </a:solidFill>
-                <a:latin typeface="Consolas" panose="020B0609020204030204" pitchFamily="49" charset="0"/>
-                <a:cs typeface="Consolas" panose="020B0609020204030204" pitchFamily="49" charset="0"/>
-              </a:rPr>
-              <a:t># Buttercup</a:t>
-            </a:r>
-            <a:endParaRPr lang="en-US" sz="1600" dirty="0">
-              <a:latin typeface="Consolas" panose="020B0609020204030204" pitchFamily="49" charset="0"/>
-              <a:cs typeface="Consolas" panose="020B0609020204030204" pitchFamily="49" charset="0"/>
-            </a:endParaRPr>
-          </a:p>
-        </p:txBody>
-      </p:sp>
-    </p:spTree>
-    <p:extLst>
-      <p:ext uri="{BB962C8B-B14F-4D97-AF65-F5344CB8AC3E}">
-        <p14:creationId xmlns:p14="http://schemas.microsoft.com/office/powerpoint/2010/main" val="4237767045"/>
       </p:ext>
     </p:extLst>
   </p:cSld>
@@ -9502,7 +9984,7 @@
           <p:cNvPr id="2" name="Title 1">
             <a:extLst>
               <a:ext uri="{FF2B5EF4-FFF2-40B4-BE49-F238E27FC236}">
-                <a16:creationId xmlns:a16="http://schemas.microsoft.com/office/drawing/2014/main" id="{1464FE5A-BA6E-144F-AF7D-FD870BA8ED46}"/>
+                <a16:creationId xmlns:a16="http://schemas.microsoft.com/office/drawing/2014/main" id="{70A67877-CE4F-C040-A0A5-4C734438F51D}"/>
               </a:ext>
             </a:extLst>
           </p:cNvPr>
@@ -9520,7 +10002,7 @@
           <a:p>
             <a:r>
               <a:rPr lang="en-US" dirty="0"/>
-              <a:t>Enumerate</a:t>
+              <a:t>List Operations</a:t>
             </a:r>
           </a:p>
         </p:txBody>
@@ -9530,7 +10012,7 @@
           <p:cNvPr id="3" name="Text Placeholder 2">
             <a:extLst>
               <a:ext uri="{FF2B5EF4-FFF2-40B4-BE49-F238E27FC236}">
-                <a16:creationId xmlns:a16="http://schemas.microsoft.com/office/drawing/2014/main" id="{661483F9-5FC1-C84E-986C-A7572FBA6853}"/>
+                <a16:creationId xmlns:a16="http://schemas.microsoft.com/office/drawing/2014/main" id="{60839A20-BF96-D948-B0CC-F297DDE83CED}"/>
               </a:ext>
             </a:extLst>
           </p:cNvPr>
@@ -9543,8 +10025,8 @@
         </p:nvSpPr>
         <p:spPr>
           <a:xfrm>
-            <a:off x="628076" y="1776682"/>
-            <a:ext cx="5942058" cy="1497095"/>
+            <a:off x="628075" y="1776683"/>
+            <a:ext cx="7861169" cy="5016117"/>
           </a:xfrm>
         </p:spPr>
         <p:txBody>
@@ -9553,20 +10035,75 @@
           <a:p>
             <a:r>
               <a:rPr lang="en-US" dirty="0"/>
-              <a:t>We want to cycle through elements</a:t>
+              <a:t>value in list </a:t>
             </a:r>
           </a:p>
           <a:p>
             <a:pPr lvl="1"/>
             <a:r>
               <a:rPr lang="en-US" dirty="0"/>
-              <a:t>And, we want to keep track of locations!</a:t>
-            </a:r>
-          </a:p>
-          <a:p>
-            <a:r>
-              <a:rPr lang="en-US" dirty="0"/>
-              <a:t>introducing - enumerate</a:t>
+              <a:t>very common, checks for value in list (full values)</a:t>
+            </a:r>
+          </a:p>
+          <a:p>
+            <a:r>
+              <a:rPr lang="en-US" dirty="0"/>
+              <a:t>list &lt; list </a:t>
+            </a:r>
+          </a:p>
+          <a:p>
+            <a:r>
+              <a:rPr lang="en-US" dirty="0"/>
+              <a:t>list &gt; list</a:t>
+            </a:r>
+          </a:p>
+          <a:p>
+            <a:pPr lvl="1"/>
+            <a:r>
+              <a:rPr lang="en-US" dirty="0"/>
+              <a:t>And other conditionals</a:t>
+            </a:r>
+          </a:p>
+          <a:p>
+            <a:pPr lvl="1"/>
+            <a:r>
+              <a:rPr lang="en-US" dirty="0"/>
+              <a:t>Checks each item in order comparing them as compares would happen</a:t>
+            </a:r>
+          </a:p>
+          <a:p>
+            <a:r>
+              <a:rPr lang="en-US" dirty="0" err="1"/>
+              <a:t>len</a:t>
+            </a:r>
+            <a:r>
+              <a:rPr lang="en-US" dirty="0"/>
+              <a:t>(list) – gives the length of the list</a:t>
+            </a:r>
+          </a:p>
+          <a:p>
+            <a:r>
+              <a:rPr lang="en-US" dirty="0"/>
+              <a:t>sorted(list) – returns a sorted *copy* of the list</a:t>
+            </a:r>
+          </a:p>
+          <a:p>
+            <a:r>
+              <a:rPr lang="en-US" dirty="0"/>
+              <a:t>reversed(list) – only used in for loops, to run loop reverse in opposite order</a:t>
+            </a:r>
+          </a:p>
+          <a:p>
+            <a:r>
+              <a:rPr lang="en-US" dirty="0"/>
+              <a:t>max(list), min(list) – both work on strings</a:t>
+            </a:r>
+          </a:p>
+          <a:p>
+            <a:pPr lvl="1"/>
+            <a:r>
+              <a:rPr lang="en-US" dirty="0"/>
+              <a:t>sum(list) – does not! </a:t>
             </a:r>
           </a:p>
         </p:txBody>
@@ -9576,7 +10113,7 @@
           <p:cNvPr id="5" name="TextBox 4">
             <a:extLst>
               <a:ext uri="{FF2B5EF4-FFF2-40B4-BE49-F238E27FC236}">
-                <a16:creationId xmlns:a16="http://schemas.microsoft.com/office/drawing/2014/main" id="{49239B44-F07E-A54F-B077-81E29B6330E4}"/>
+                <a16:creationId xmlns:a16="http://schemas.microsoft.com/office/drawing/2014/main" id="{E1EB7FCD-9779-7D4B-82D2-4CDCB4A8F80B}"/>
               </a:ext>
             </a:extLst>
           </p:cNvPr>
@@ -9585,13 +10122,18 @@
         </p:nvSpPr>
         <p:spPr>
           <a:xfrm>
-            <a:off x="628075" y="3178314"/>
-            <a:ext cx="6908800" cy="707886"/>
+            <a:off x="6773332" y="571453"/>
+            <a:ext cx="6852355" cy="3293209"/>
           </a:xfrm>
           <a:prstGeom prst="rect">
             <a:avLst/>
           </a:prstGeom>
           <a:noFill/>
+          <a:ln>
+            <a:solidFill>
+              <a:schemeClr val="accent1"/>
+            </a:solidFill>
+          </a:ln>
         </p:spPr>
         <p:txBody>
           <a:bodyPr wrap="square">
@@ -9600,7 +10142,25 @@
           <a:lstStyle/>
           <a:p>
             <a:r>
-              <a:rPr lang="en-US" dirty="0">
+              <a:rPr lang="en-US" sz="1600" dirty="0">
+                <a:latin typeface="Consolas" panose="020B0609020204030204" pitchFamily="49" charset="0"/>
+                <a:cs typeface="Consolas" panose="020B0609020204030204" pitchFamily="49" charset="0"/>
+              </a:rPr>
+              <a:t>cast = [</a:t>
+            </a:r>
+            <a:r>
+              <a:rPr lang="en-US" sz="1600" dirty="0">
+                <a:solidFill>
+                  <a:srgbClr val="6A8759"/>
+                </a:solidFill>
+                <a:effectLst/>
+                <a:latin typeface="Consolas" panose="020B0609020204030204" pitchFamily="49" charset="0"/>
+                <a:cs typeface="Consolas" panose="020B0609020204030204" pitchFamily="49" charset="0"/>
+              </a:rPr>
+              <a:t>"Westley"</a:t>
+            </a:r>
+            <a:r>
+              <a:rPr lang="en-US" sz="1600" dirty="0">
                 <a:solidFill>
                   <a:srgbClr val="CC7832"/>
                 </a:solidFill>
@@ -9608,217 +10168,764 @@
                 <a:latin typeface="Consolas" panose="020B0609020204030204" pitchFamily="49" charset="0"/>
                 <a:cs typeface="Consolas" panose="020B0609020204030204" pitchFamily="49" charset="0"/>
               </a:rPr>
+              <a:t>, </a:t>
+            </a:r>
+            <a:r>
+              <a:rPr lang="en-US" sz="1600" dirty="0">
+                <a:solidFill>
+                  <a:srgbClr val="6A8759"/>
+                </a:solidFill>
+                <a:effectLst/>
+                <a:latin typeface="Consolas" panose="020B0609020204030204" pitchFamily="49" charset="0"/>
+                <a:cs typeface="Consolas" panose="020B0609020204030204" pitchFamily="49" charset="0"/>
+              </a:rPr>
+              <a:t>"Buttercup"</a:t>
+            </a:r>
+            <a:r>
+              <a:rPr lang="en-US" sz="1600" dirty="0">
+                <a:solidFill>
+                  <a:srgbClr val="CC7832"/>
+                </a:solidFill>
+                <a:effectLst/>
+                <a:latin typeface="Consolas" panose="020B0609020204030204" pitchFamily="49" charset="0"/>
+                <a:cs typeface="Consolas" panose="020B0609020204030204" pitchFamily="49" charset="0"/>
+              </a:rPr>
+              <a:t>, </a:t>
+            </a:r>
+            <a:r>
+              <a:rPr lang="en-US" sz="1600" dirty="0">
+                <a:solidFill>
+                  <a:srgbClr val="6A8759"/>
+                </a:solidFill>
+                <a:effectLst/>
+                <a:latin typeface="Consolas" panose="020B0609020204030204" pitchFamily="49" charset="0"/>
+                <a:cs typeface="Consolas" panose="020B0609020204030204" pitchFamily="49" charset="0"/>
+              </a:rPr>
+              <a:t>"Inigo Montoya"</a:t>
+            </a:r>
+            <a:r>
+              <a:rPr lang="en-US" sz="1600" dirty="0">
+                <a:solidFill>
+                  <a:srgbClr val="CC7832"/>
+                </a:solidFill>
+                <a:effectLst/>
+                <a:latin typeface="Consolas" panose="020B0609020204030204" pitchFamily="49" charset="0"/>
+                <a:cs typeface="Consolas" panose="020B0609020204030204" pitchFamily="49" charset="0"/>
+              </a:rPr>
+              <a:t>, </a:t>
+            </a:r>
+            <a:r>
+              <a:rPr lang="en-US" sz="1600" dirty="0">
+                <a:solidFill>
+                  <a:srgbClr val="6A8759"/>
+                </a:solidFill>
+                <a:effectLst/>
+                <a:latin typeface="Consolas" panose="020B0609020204030204" pitchFamily="49" charset="0"/>
+                <a:cs typeface="Consolas" panose="020B0609020204030204" pitchFamily="49" charset="0"/>
+              </a:rPr>
+              <a:t>"</a:t>
+            </a:r>
+            <a:r>
+              <a:rPr lang="en-US" sz="1600" dirty="0" err="1">
+                <a:solidFill>
+                  <a:srgbClr val="6A8759"/>
+                </a:solidFill>
+                <a:effectLst/>
+                <a:latin typeface="Consolas" panose="020B0609020204030204" pitchFamily="49" charset="0"/>
+                <a:cs typeface="Consolas" panose="020B0609020204030204" pitchFamily="49" charset="0"/>
+              </a:rPr>
+              <a:t>Vizzini</a:t>
+            </a:r>
+            <a:r>
+              <a:rPr lang="en-US" sz="1600" dirty="0">
+                <a:solidFill>
+                  <a:srgbClr val="6A8759"/>
+                </a:solidFill>
+                <a:effectLst/>
+                <a:latin typeface="Consolas" panose="020B0609020204030204" pitchFamily="49" charset="0"/>
+                <a:cs typeface="Consolas" panose="020B0609020204030204" pitchFamily="49" charset="0"/>
+              </a:rPr>
+              <a:t>"</a:t>
+            </a:r>
+            <a:r>
+              <a:rPr lang="en-US" sz="1600" dirty="0">
+                <a:solidFill>
+                  <a:srgbClr val="CC7832"/>
+                </a:solidFill>
+                <a:effectLst/>
+                <a:latin typeface="Consolas" panose="020B0609020204030204" pitchFamily="49" charset="0"/>
+                <a:cs typeface="Consolas" panose="020B0609020204030204" pitchFamily="49" charset="0"/>
+              </a:rPr>
+              <a:t>,</a:t>
+            </a:r>
+            <a:br>
+              <a:rPr lang="en-US" sz="1600" dirty="0">
+                <a:solidFill>
+                  <a:srgbClr val="CC7832"/>
+                </a:solidFill>
+                <a:effectLst/>
+                <a:latin typeface="Consolas" panose="020B0609020204030204" pitchFamily="49" charset="0"/>
+                <a:cs typeface="Consolas" panose="020B0609020204030204" pitchFamily="49" charset="0"/>
+              </a:rPr>
+            </a:br>
+            <a:r>
+              <a:rPr lang="en-US" sz="1600" dirty="0">
+                <a:solidFill>
+                  <a:srgbClr val="CC7832"/>
+                </a:solidFill>
+                <a:effectLst/>
+                <a:latin typeface="Consolas" panose="020B0609020204030204" pitchFamily="49" charset="0"/>
+                <a:cs typeface="Consolas" panose="020B0609020204030204" pitchFamily="49" charset="0"/>
+              </a:rPr>
+              <a:t>        </a:t>
+            </a:r>
+            <a:r>
+              <a:rPr lang="en-US" sz="1600" dirty="0">
+                <a:solidFill>
+                  <a:srgbClr val="6A8759"/>
+                </a:solidFill>
+                <a:effectLst/>
+                <a:latin typeface="Consolas" panose="020B0609020204030204" pitchFamily="49" charset="0"/>
+                <a:cs typeface="Consolas" panose="020B0609020204030204" pitchFamily="49" charset="0"/>
+              </a:rPr>
+              <a:t>"Fezzik"</a:t>
+            </a:r>
+            <a:r>
+              <a:rPr lang="en-US" sz="1600" dirty="0">
+                <a:solidFill>
+                  <a:srgbClr val="CC7832"/>
+                </a:solidFill>
+                <a:effectLst/>
+                <a:latin typeface="Consolas" panose="020B0609020204030204" pitchFamily="49" charset="0"/>
+                <a:cs typeface="Consolas" panose="020B0609020204030204" pitchFamily="49" charset="0"/>
+              </a:rPr>
+              <a:t>, </a:t>
+            </a:r>
+            <a:r>
+              <a:rPr lang="en-US" sz="1600" dirty="0">
+                <a:solidFill>
+                  <a:srgbClr val="6A8759"/>
+                </a:solidFill>
+                <a:effectLst/>
+                <a:latin typeface="Consolas" panose="020B0609020204030204" pitchFamily="49" charset="0"/>
+                <a:cs typeface="Consolas" panose="020B0609020204030204" pitchFamily="49" charset="0"/>
+              </a:rPr>
+              <a:t>"</a:t>
+            </a:r>
+            <a:r>
+              <a:rPr lang="en-US" sz="1600" dirty="0" err="1">
+                <a:solidFill>
+                  <a:srgbClr val="6A8759"/>
+                </a:solidFill>
+                <a:effectLst/>
+                <a:latin typeface="Consolas" panose="020B0609020204030204" pitchFamily="49" charset="0"/>
+                <a:cs typeface="Consolas" panose="020B0609020204030204" pitchFamily="49" charset="0"/>
+              </a:rPr>
+              <a:t>Rugan</a:t>
+            </a:r>
+            <a:r>
+              <a:rPr lang="en-US" sz="1600" dirty="0">
+                <a:solidFill>
+                  <a:srgbClr val="6A8759"/>
+                </a:solidFill>
+                <a:effectLst/>
+                <a:latin typeface="Consolas" panose="020B0609020204030204" pitchFamily="49" charset="0"/>
+                <a:cs typeface="Consolas" panose="020B0609020204030204" pitchFamily="49" charset="0"/>
+              </a:rPr>
+              <a:t>"</a:t>
+            </a:r>
+            <a:r>
+              <a:rPr lang="en-US" sz="1600" dirty="0">
+                <a:solidFill>
+                  <a:srgbClr val="CC7832"/>
+                </a:solidFill>
+                <a:effectLst/>
+                <a:latin typeface="Consolas" panose="020B0609020204030204" pitchFamily="49" charset="0"/>
+                <a:cs typeface="Consolas" panose="020B0609020204030204" pitchFamily="49" charset="0"/>
+              </a:rPr>
+              <a:t>, </a:t>
+            </a:r>
+            <a:r>
+              <a:rPr lang="en-US" sz="1600" dirty="0">
+                <a:solidFill>
+                  <a:srgbClr val="6A8759"/>
+                </a:solidFill>
+                <a:effectLst/>
+                <a:latin typeface="Consolas" panose="020B0609020204030204" pitchFamily="49" charset="0"/>
+                <a:cs typeface="Consolas" panose="020B0609020204030204" pitchFamily="49" charset="0"/>
+              </a:rPr>
+              <a:t>"Humperdinck"</a:t>
+            </a:r>
+            <a:r>
+              <a:rPr lang="en-US" sz="1600" dirty="0">
+                <a:latin typeface="Consolas" panose="020B0609020204030204" pitchFamily="49" charset="0"/>
+                <a:cs typeface="Consolas" panose="020B0609020204030204" pitchFamily="49" charset="0"/>
+              </a:rPr>
+              <a:t>]</a:t>
+            </a:r>
+            <a:br>
+              <a:rPr lang="en-US" sz="1600" dirty="0">
+                <a:latin typeface="Consolas" panose="020B0609020204030204" pitchFamily="49" charset="0"/>
+                <a:cs typeface="Consolas" panose="020B0609020204030204" pitchFamily="49" charset="0"/>
+              </a:rPr>
+            </a:br>
+            <a:r>
+              <a:rPr lang="en-US" sz="1600" dirty="0" err="1">
+                <a:latin typeface="Consolas" panose="020B0609020204030204" pitchFamily="49" charset="0"/>
+                <a:cs typeface="Consolas" panose="020B0609020204030204" pitchFamily="49" charset="0"/>
+              </a:rPr>
+              <a:t>cast.sort</a:t>
+            </a:r>
+            <a:r>
+              <a:rPr lang="en-US" sz="1600" dirty="0">
+                <a:latin typeface="Consolas" panose="020B0609020204030204" pitchFamily="49" charset="0"/>
+                <a:cs typeface="Consolas" panose="020B0609020204030204" pitchFamily="49" charset="0"/>
+              </a:rPr>
+              <a:t>() </a:t>
+            </a:r>
+            <a:r>
+              <a:rPr lang="en-US" sz="1600" dirty="0">
+                <a:solidFill>
+                  <a:srgbClr val="808080"/>
+                </a:solidFill>
+                <a:latin typeface="Consolas" panose="020B0609020204030204" pitchFamily="49" charset="0"/>
+                <a:cs typeface="Consolas" panose="020B0609020204030204" pitchFamily="49" charset="0"/>
+              </a:rPr>
+              <a:t># Modifies cast!!</a:t>
+            </a:r>
+            <a:br>
+              <a:rPr lang="en-US" sz="1600" dirty="0">
+                <a:latin typeface="Consolas" panose="020B0609020204030204" pitchFamily="49" charset="0"/>
+                <a:cs typeface="Consolas" panose="020B0609020204030204" pitchFamily="49" charset="0"/>
+              </a:rPr>
+            </a:br>
+            <a:r>
+              <a:rPr lang="en-US" sz="1600" dirty="0">
+                <a:latin typeface="Consolas" panose="020B0609020204030204" pitchFamily="49" charset="0"/>
+                <a:cs typeface="Consolas" panose="020B0609020204030204" pitchFamily="49" charset="0"/>
+              </a:rPr>
+              <a:t>cast2 = [</a:t>
+            </a:r>
+            <a:r>
+              <a:rPr lang="en-US" sz="1600" dirty="0">
+                <a:solidFill>
+                  <a:srgbClr val="6A8759"/>
+                </a:solidFill>
+                <a:effectLst/>
+                <a:latin typeface="Consolas" panose="020B0609020204030204" pitchFamily="49" charset="0"/>
+                <a:cs typeface="Consolas" panose="020B0609020204030204" pitchFamily="49" charset="0"/>
+              </a:rPr>
+              <a:t>"Westley"</a:t>
+            </a:r>
+            <a:r>
+              <a:rPr lang="en-US" sz="1600" dirty="0">
+                <a:solidFill>
+                  <a:srgbClr val="CC7832"/>
+                </a:solidFill>
+                <a:effectLst/>
+                <a:latin typeface="Consolas" panose="020B0609020204030204" pitchFamily="49" charset="0"/>
+                <a:cs typeface="Consolas" panose="020B0609020204030204" pitchFamily="49" charset="0"/>
+              </a:rPr>
+              <a:t>, </a:t>
+            </a:r>
+            <a:r>
+              <a:rPr lang="en-US" sz="1600" dirty="0">
+                <a:solidFill>
+                  <a:srgbClr val="6A8759"/>
+                </a:solidFill>
+                <a:effectLst/>
+                <a:latin typeface="Consolas" panose="020B0609020204030204" pitchFamily="49" charset="0"/>
+                <a:cs typeface="Consolas" panose="020B0609020204030204" pitchFamily="49" charset="0"/>
+              </a:rPr>
+              <a:t>"Buttercup"</a:t>
+            </a:r>
+            <a:r>
+              <a:rPr lang="en-US" sz="1600" dirty="0">
+                <a:solidFill>
+                  <a:srgbClr val="CC7832"/>
+                </a:solidFill>
+                <a:effectLst/>
+                <a:latin typeface="Consolas" panose="020B0609020204030204" pitchFamily="49" charset="0"/>
+                <a:cs typeface="Consolas" panose="020B0609020204030204" pitchFamily="49" charset="0"/>
+              </a:rPr>
+              <a:t>, </a:t>
+            </a:r>
+            <a:r>
+              <a:rPr lang="en-US" sz="1600" dirty="0">
+                <a:solidFill>
+                  <a:srgbClr val="6A8759"/>
+                </a:solidFill>
+                <a:effectLst/>
+                <a:latin typeface="Consolas" panose="020B0609020204030204" pitchFamily="49" charset="0"/>
+                <a:cs typeface="Consolas" panose="020B0609020204030204" pitchFamily="49" charset="0"/>
+              </a:rPr>
+              <a:t>"Inigo Montoya"</a:t>
+            </a:r>
+            <a:r>
+              <a:rPr lang="en-US" sz="1600" dirty="0">
+                <a:solidFill>
+                  <a:srgbClr val="CC7832"/>
+                </a:solidFill>
+                <a:effectLst/>
+                <a:latin typeface="Consolas" panose="020B0609020204030204" pitchFamily="49" charset="0"/>
+                <a:cs typeface="Consolas" panose="020B0609020204030204" pitchFamily="49" charset="0"/>
+              </a:rPr>
+              <a:t>, </a:t>
+            </a:r>
+            <a:r>
+              <a:rPr lang="en-US" sz="1600" dirty="0">
+                <a:solidFill>
+                  <a:srgbClr val="6A8759"/>
+                </a:solidFill>
+                <a:effectLst/>
+                <a:latin typeface="Consolas" panose="020B0609020204030204" pitchFamily="49" charset="0"/>
+                <a:cs typeface="Consolas" panose="020B0609020204030204" pitchFamily="49" charset="0"/>
+              </a:rPr>
+              <a:t>"</a:t>
+            </a:r>
+            <a:r>
+              <a:rPr lang="en-US" sz="1600" dirty="0" err="1">
+                <a:solidFill>
+                  <a:srgbClr val="6A8759"/>
+                </a:solidFill>
+                <a:effectLst/>
+                <a:latin typeface="Consolas" panose="020B0609020204030204" pitchFamily="49" charset="0"/>
+                <a:cs typeface="Consolas" panose="020B0609020204030204" pitchFamily="49" charset="0"/>
+              </a:rPr>
+              <a:t>Vizzini</a:t>
+            </a:r>
+            <a:r>
+              <a:rPr lang="en-US" sz="1600" dirty="0">
+                <a:solidFill>
+                  <a:srgbClr val="6A8759"/>
+                </a:solidFill>
+                <a:effectLst/>
+                <a:latin typeface="Consolas" panose="020B0609020204030204" pitchFamily="49" charset="0"/>
+                <a:cs typeface="Consolas" panose="020B0609020204030204" pitchFamily="49" charset="0"/>
+              </a:rPr>
+              <a:t>"</a:t>
+            </a:r>
+            <a:r>
+              <a:rPr lang="en-US" sz="1600" dirty="0">
+                <a:solidFill>
+                  <a:srgbClr val="CC7832"/>
+                </a:solidFill>
+                <a:effectLst/>
+                <a:latin typeface="Consolas" panose="020B0609020204030204" pitchFamily="49" charset="0"/>
+                <a:cs typeface="Consolas" panose="020B0609020204030204" pitchFamily="49" charset="0"/>
+              </a:rPr>
+              <a:t>,</a:t>
+            </a:r>
+            <a:br>
+              <a:rPr lang="en-US" sz="1600" dirty="0">
+                <a:solidFill>
+                  <a:srgbClr val="CC7832"/>
+                </a:solidFill>
+                <a:effectLst/>
+                <a:latin typeface="Consolas" panose="020B0609020204030204" pitchFamily="49" charset="0"/>
+                <a:cs typeface="Consolas" panose="020B0609020204030204" pitchFamily="49" charset="0"/>
+              </a:rPr>
+            </a:br>
+            <a:r>
+              <a:rPr lang="en-US" sz="1600" dirty="0">
+                <a:solidFill>
+                  <a:srgbClr val="CC7832"/>
+                </a:solidFill>
+                <a:effectLst/>
+                <a:latin typeface="Consolas" panose="020B0609020204030204" pitchFamily="49" charset="0"/>
+                <a:cs typeface="Consolas" panose="020B0609020204030204" pitchFamily="49" charset="0"/>
+              </a:rPr>
+              <a:t>        </a:t>
+            </a:r>
+            <a:r>
+              <a:rPr lang="en-US" sz="1600" dirty="0">
+                <a:solidFill>
+                  <a:srgbClr val="6A8759"/>
+                </a:solidFill>
+                <a:effectLst/>
+                <a:latin typeface="Consolas" panose="020B0609020204030204" pitchFamily="49" charset="0"/>
+                <a:cs typeface="Consolas" panose="020B0609020204030204" pitchFamily="49" charset="0"/>
+              </a:rPr>
+              <a:t>"Fezzik"</a:t>
+            </a:r>
+            <a:r>
+              <a:rPr lang="en-US" sz="1600" dirty="0">
+                <a:solidFill>
+                  <a:srgbClr val="CC7832"/>
+                </a:solidFill>
+                <a:effectLst/>
+                <a:latin typeface="Consolas" panose="020B0609020204030204" pitchFamily="49" charset="0"/>
+                <a:cs typeface="Consolas" panose="020B0609020204030204" pitchFamily="49" charset="0"/>
+              </a:rPr>
+              <a:t>, </a:t>
+            </a:r>
+            <a:r>
+              <a:rPr lang="en-US" sz="1600" dirty="0">
+                <a:solidFill>
+                  <a:srgbClr val="6A8759"/>
+                </a:solidFill>
+                <a:effectLst/>
+                <a:latin typeface="Consolas" panose="020B0609020204030204" pitchFamily="49" charset="0"/>
+                <a:cs typeface="Consolas" panose="020B0609020204030204" pitchFamily="49" charset="0"/>
+              </a:rPr>
+              <a:t>"</a:t>
+            </a:r>
+            <a:r>
+              <a:rPr lang="en-US" sz="1600" dirty="0" err="1">
+                <a:solidFill>
+                  <a:srgbClr val="6A8759"/>
+                </a:solidFill>
+                <a:effectLst/>
+                <a:latin typeface="Consolas" panose="020B0609020204030204" pitchFamily="49" charset="0"/>
+                <a:cs typeface="Consolas" panose="020B0609020204030204" pitchFamily="49" charset="0"/>
+              </a:rPr>
+              <a:t>Rugan</a:t>
+            </a:r>
+            <a:r>
+              <a:rPr lang="en-US" sz="1600" dirty="0">
+                <a:solidFill>
+                  <a:srgbClr val="6A8759"/>
+                </a:solidFill>
+                <a:effectLst/>
+                <a:latin typeface="Consolas" panose="020B0609020204030204" pitchFamily="49" charset="0"/>
+                <a:cs typeface="Consolas" panose="020B0609020204030204" pitchFamily="49" charset="0"/>
+              </a:rPr>
+              <a:t>"</a:t>
+            </a:r>
+            <a:r>
+              <a:rPr lang="en-US" sz="1600" dirty="0">
+                <a:solidFill>
+                  <a:srgbClr val="CC7832"/>
+                </a:solidFill>
+                <a:effectLst/>
+                <a:latin typeface="Consolas" panose="020B0609020204030204" pitchFamily="49" charset="0"/>
+                <a:cs typeface="Consolas" panose="020B0609020204030204" pitchFamily="49" charset="0"/>
+              </a:rPr>
+              <a:t>, </a:t>
+            </a:r>
+            <a:r>
+              <a:rPr lang="en-US" sz="1600" dirty="0">
+                <a:solidFill>
+                  <a:srgbClr val="6A8759"/>
+                </a:solidFill>
+                <a:effectLst/>
+                <a:latin typeface="Consolas" panose="020B0609020204030204" pitchFamily="49" charset="0"/>
+                <a:cs typeface="Consolas" panose="020B0609020204030204" pitchFamily="49" charset="0"/>
+              </a:rPr>
+              <a:t>"Humperdinck"</a:t>
+            </a:r>
+            <a:r>
+              <a:rPr lang="en-US" sz="1600" dirty="0">
+                <a:latin typeface="Consolas" panose="020B0609020204030204" pitchFamily="49" charset="0"/>
+                <a:cs typeface="Consolas" panose="020B0609020204030204" pitchFamily="49" charset="0"/>
+              </a:rPr>
+              <a:t>]</a:t>
+            </a:r>
+          </a:p>
+          <a:p>
+            <a:br>
+              <a:rPr lang="en-US" sz="1600" dirty="0">
+                <a:latin typeface="Consolas" panose="020B0609020204030204" pitchFamily="49" charset="0"/>
+                <a:cs typeface="Consolas" panose="020B0609020204030204" pitchFamily="49" charset="0"/>
+              </a:rPr>
+            </a:br>
+            <a:r>
+              <a:rPr lang="en-US" sz="1600" dirty="0">
+                <a:solidFill>
+                  <a:srgbClr val="CC7832"/>
+                </a:solidFill>
+                <a:effectLst/>
+                <a:latin typeface="Consolas" panose="020B0609020204030204" pitchFamily="49" charset="0"/>
+                <a:cs typeface="Consolas" panose="020B0609020204030204" pitchFamily="49" charset="0"/>
+              </a:rPr>
+              <a:t>if </a:t>
+            </a:r>
+            <a:r>
+              <a:rPr lang="en-US" sz="1600" dirty="0">
+                <a:latin typeface="Consolas" panose="020B0609020204030204" pitchFamily="49" charset="0"/>
+                <a:cs typeface="Consolas" panose="020B0609020204030204" pitchFamily="49" charset="0"/>
+              </a:rPr>
+              <a:t>cast == </a:t>
+            </a:r>
+            <a:r>
+              <a:rPr lang="en-US" sz="1600" dirty="0">
+                <a:solidFill>
+                  <a:srgbClr val="8888C6"/>
+                </a:solidFill>
+                <a:effectLst/>
+                <a:latin typeface="Consolas" panose="020B0609020204030204" pitchFamily="49" charset="0"/>
+                <a:cs typeface="Consolas" panose="020B0609020204030204" pitchFamily="49" charset="0"/>
+              </a:rPr>
+              <a:t>sorted</a:t>
+            </a:r>
+            <a:r>
+              <a:rPr lang="en-US" sz="1600" dirty="0">
+                <a:latin typeface="Consolas" panose="020B0609020204030204" pitchFamily="49" charset="0"/>
+                <a:cs typeface="Consolas" panose="020B0609020204030204" pitchFamily="49" charset="0"/>
+              </a:rPr>
+              <a:t>(cast2):</a:t>
+            </a:r>
+            <a:br>
+              <a:rPr lang="en-US" sz="1600" dirty="0">
+                <a:latin typeface="Consolas" panose="020B0609020204030204" pitchFamily="49" charset="0"/>
+                <a:cs typeface="Consolas" panose="020B0609020204030204" pitchFamily="49" charset="0"/>
+              </a:rPr>
+            </a:br>
+            <a:r>
+              <a:rPr lang="en-US" sz="1600" dirty="0">
+                <a:latin typeface="Consolas" panose="020B0609020204030204" pitchFamily="49" charset="0"/>
+                <a:cs typeface="Consolas" panose="020B0609020204030204" pitchFamily="49" charset="0"/>
+              </a:rPr>
+              <a:t>    </a:t>
+            </a:r>
+            <a:r>
+              <a:rPr lang="en-US" sz="1600" dirty="0">
+                <a:solidFill>
+                  <a:srgbClr val="8888C6"/>
+                </a:solidFill>
+                <a:effectLst/>
+                <a:latin typeface="Consolas" panose="020B0609020204030204" pitchFamily="49" charset="0"/>
+                <a:cs typeface="Consolas" panose="020B0609020204030204" pitchFamily="49" charset="0"/>
+              </a:rPr>
+              <a:t>print</a:t>
+            </a:r>
+            <a:r>
+              <a:rPr lang="en-US" sz="1600" dirty="0">
+                <a:latin typeface="Consolas" panose="020B0609020204030204" pitchFamily="49" charset="0"/>
+                <a:cs typeface="Consolas" panose="020B0609020204030204" pitchFamily="49" charset="0"/>
+              </a:rPr>
+              <a:t>(</a:t>
+            </a:r>
+            <a:r>
+              <a:rPr lang="en-US" sz="1600" dirty="0">
+                <a:solidFill>
+                  <a:srgbClr val="6A8759"/>
+                </a:solidFill>
+                <a:effectLst/>
+                <a:latin typeface="Consolas" panose="020B0609020204030204" pitchFamily="49" charset="0"/>
+                <a:cs typeface="Consolas" panose="020B0609020204030204" pitchFamily="49" charset="0"/>
+              </a:rPr>
+              <a:t>"They are equal"</a:t>
+            </a:r>
+            <a:r>
+              <a:rPr lang="en-US" sz="1600" dirty="0">
+                <a:latin typeface="Consolas" panose="020B0609020204030204" pitchFamily="49" charset="0"/>
+                <a:cs typeface="Consolas" panose="020B0609020204030204" pitchFamily="49" charset="0"/>
+              </a:rPr>
+              <a:t>)</a:t>
+            </a:r>
+            <a:r>
+              <a:rPr lang="en-US" sz="1600" dirty="0"/>
+              <a:t> </a:t>
+            </a:r>
+            <a:r>
+              <a:rPr lang="en-US" sz="1600" dirty="0">
+                <a:solidFill>
+                  <a:srgbClr val="808080"/>
+                </a:solidFill>
+                <a:latin typeface="Consolas" panose="020B0609020204030204" pitchFamily="49" charset="0"/>
+                <a:cs typeface="Consolas" panose="020B0609020204030204" pitchFamily="49" charset="0"/>
+              </a:rPr>
+              <a:t># this does print!</a:t>
+            </a:r>
+          </a:p>
+          <a:p>
+            <a:r>
+              <a:rPr lang="en-US" sz="1600" dirty="0">
+                <a:solidFill>
+                  <a:srgbClr val="CC7832"/>
+                </a:solidFill>
+                <a:latin typeface="Consolas" panose="020B0609020204030204" pitchFamily="49" charset="0"/>
+                <a:cs typeface="Consolas" panose="020B0609020204030204" pitchFamily="49" charset="0"/>
+              </a:rPr>
               <a:t>for </a:t>
             </a:r>
             <a:r>
-              <a:rPr lang="en-US" dirty="0">
-                <a:latin typeface="Consolas" panose="020B0609020204030204" pitchFamily="49" charset="0"/>
-                <a:cs typeface="Consolas" panose="020B0609020204030204" pitchFamily="49" charset="0"/>
-              </a:rPr>
-              <a:t>index</a:t>
-            </a:r>
-            <a:r>
-              <a:rPr lang="en-US" dirty="0">
+              <a:rPr lang="en-US" sz="1600" dirty="0">
+                <a:latin typeface="Consolas" panose="020B0609020204030204" pitchFamily="49" charset="0"/>
+                <a:cs typeface="Consolas" panose="020B0609020204030204" pitchFamily="49" charset="0"/>
+              </a:rPr>
+              <a:t>actor </a:t>
+            </a:r>
+            <a:r>
+              <a:rPr lang="en-US" sz="1600" dirty="0">
                 <a:solidFill>
                   <a:srgbClr val="CC7832"/>
                 </a:solidFill>
-                <a:effectLst/>
-                <a:latin typeface="Consolas" panose="020B0609020204030204" pitchFamily="49" charset="0"/>
-                <a:cs typeface="Consolas" panose="020B0609020204030204" pitchFamily="49" charset="0"/>
-              </a:rPr>
-              <a:t>, </a:t>
-            </a:r>
-            <a:r>
-              <a:rPr lang="en-US" dirty="0">
-                <a:latin typeface="Consolas" panose="020B0609020204030204" pitchFamily="49" charset="0"/>
-                <a:cs typeface="Consolas" panose="020B0609020204030204" pitchFamily="49" charset="0"/>
-              </a:rPr>
-              <a:t>actor </a:t>
-            </a:r>
-            <a:r>
-              <a:rPr lang="en-US" dirty="0">
-                <a:solidFill>
-                  <a:srgbClr val="CC7832"/>
-                </a:solidFill>
-                <a:effectLst/>
                 <a:latin typeface="Consolas" panose="020B0609020204030204" pitchFamily="49" charset="0"/>
                 <a:cs typeface="Consolas" panose="020B0609020204030204" pitchFamily="49" charset="0"/>
               </a:rPr>
               <a:t>in </a:t>
             </a:r>
             <a:r>
-              <a:rPr lang="en-US" dirty="0">
+              <a:rPr lang="en-US" sz="1600" dirty="0">
                 <a:solidFill>
                   <a:srgbClr val="8888C6"/>
                 </a:solidFill>
-                <a:effectLst/>
-                <a:latin typeface="Consolas" panose="020B0609020204030204" pitchFamily="49" charset="0"/>
-                <a:cs typeface="Consolas" panose="020B0609020204030204" pitchFamily="49" charset="0"/>
-              </a:rPr>
-              <a:t>enumerate</a:t>
-            </a:r>
-            <a:r>
-              <a:rPr lang="en-US" dirty="0">
+                <a:latin typeface="Consolas" panose="020B0609020204030204" pitchFamily="49" charset="0"/>
+                <a:cs typeface="Consolas" panose="020B0609020204030204" pitchFamily="49" charset="0"/>
+              </a:rPr>
+              <a:t>reversed</a:t>
+            </a:r>
+            <a:r>
+              <a:rPr lang="en-US" sz="1600" dirty="0">
                 <a:latin typeface="Consolas" panose="020B0609020204030204" pitchFamily="49" charset="0"/>
                 <a:cs typeface="Consolas" panose="020B0609020204030204" pitchFamily="49" charset="0"/>
               </a:rPr>
               <a:t>(cast):</a:t>
             </a:r>
             <a:br>
-              <a:rPr lang="en-US" dirty="0">
+              <a:rPr lang="en-US" sz="1600" dirty="0">
                 <a:latin typeface="Consolas" panose="020B0609020204030204" pitchFamily="49" charset="0"/>
                 <a:cs typeface="Consolas" panose="020B0609020204030204" pitchFamily="49" charset="0"/>
               </a:rPr>
             </a:br>
             <a:r>
-              <a:rPr lang="en-US" dirty="0">
+              <a:rPr lang="en-US" sz="1600" dirty="0">
                 <a:latin typeface="Consolas" panose="020B0609020204030204" pitchFamily="49" charset="0"/>
                 <a:cs typeface="Consolas" panose="020B0609020204030204" pitchFamily="49" charset="0"/>
               </a:rPr>
               <a:t>    </a:t>
             </a:r>
             <a:r>
-              <a:rPr lang="en-US" dirty="0">
+              <a:rPr lang="en-US" sz="1600" dirty="0">
                 <a:solidFill>
                   <a:srgbClr val="8888C6"/>
                 </a:solidFill>
-                <a:effectLst/>
                 <a:latin typeface="Consolas" panose="020B0609020204030204" pitchFamily="49" charset="0"/>
                 <a:cs typeface="Consolas" panose="020B0609020204030204" pitchFamily="49" charset="0"/>
               </a:rPr>
               <a:t>print</a:t>
             </a:r>
             <a:r>
-              <a:rPr lang="en-US" dirty="0">
+              <a:rPr lang="en-US" sz="1600" dirty="0">
+                <a:latin typeface="Consolas" panose="020B0609020204030204" pitchFamily="49" charset="0"/>
+                <a:cs typeface="Consolas" panose="020B0609020204030204" pitchFamily="49" charset="0"/>
+              </a:rPr>
+              <a:t>(actor)</a:t>
+            </a:r>
+            <a:r>
+              <a:rPr lang="en-US" sz="1600" dirty="0">
+                <a:solidFill>
+                  <a:srgbClr val="808080"/>
+                </a:solidFill>
+                <a:latin typeface="Consolas" panose="020B0609020204030204" pitchFamily="49" charset="0"/>
+                <a:cs typeface="Consolas" panose="020B0609020204030204" pitchFamily="49" charset="0"/>
+              </a:rPr>
+              <a:t> # prints from Westley to Buttercup</a:t>
+            </a:r>
+          </a:p>
+          <a:p>
+            <a:endParaRPr lang="en-US" sz="1600" dirty="0">
+              <a:solidFill>
+                <a:srgbClr val="808080"/>
+              </a:solidFill>
+              <a:latin typeface="Consolas" panose="020B0609020204030204" pitchFamily="49" charset="0"/>
+              <a:cs typeface="Consolas" panose="020B0609020204030204" pitchFamily="49" charset="0"/>
+            </a:endParaRPr>
+          </a:p>
+          <a:p>
+            <a:r>
+              <a:rPr lang="en-US" sz="1600" dirty="0">
+                <a:solidFill>
+                  <a:srgbClr val="8888C6"/>
+                </a:solidFill>
+                <a:latin typeface="Consolas" panose="020B0609020204030204" pitchFamily="49" charset="0"/>
+                <a:cs typeface="Consolas" panose="020B0609020204030204" pitchFamily="49" charset="0"/>
+              </a:rPr>
+              <a:t>print</a:t>
+            </a:r>
+            <a:r>
+              <a:rPr lang="en-US" sz="1600" dirty="0">
                 <a:latin typeface="Consolas" panose="020B0609020204030204" pitchFamily="49" charset="0"/>
                 <a:cs typeface="Consolas" panose="020B0609020204030204" pitchFamily="49" charset="0"/>
               </a:rPr>
               <a:t>(</a:t>
             </a:r>
             <a:r>
-              <a:rPr lang="en-US" dirty="0">
-                <a:solidFill>
-                  <a:srgbClr val="6A8759"/>
-                </a:solidFill>
-                <a:effectLst/>
-                <a:latin typeface="Consolas" panose="020B0609020204030204" pitchFamily="49" charset="0"/>
-                <a:cs typeface="Consolas" panose="020B0609020204030204" pitchFamily="49" charset="0"/>
-              </a:rPr>
-              <a:t>"{}: {}"</a:t>
-            </a:r>
-            <a:r>
-              <a:rPr lang="en-US" dirty="0">
-                <a:latin typeface="Consolas" panose="020B0609020204030204" pitchFamily="49" charset="0"/>
-                <a:cs typeface="Consolas" panose="020B0609020204030204" pitchFamily="49" charset="0"/>
-              </a:rPr>
-              <a:t>.format(index</a:t>
-            </a:r>
-            <a:r>
-              <a:rPr lang="en-US" dirty="0">
-                <a:solidFill>
-                  <a:srgbClr val="CC7832"/>
-                </a:solidFill>
-                <a:effectLst/>
-                <a:latin typeface="Consolas" panose="020B0609020204030204" pitchFamily="49" charset="0"/>
-                <a:cs typeface="Consolas" panose="020B0609020204030204" pitchFamily="49" charset="0"/>
-              </a:rPr>
-              <a:t>, </a:t>
-            </a:r>
-            <a:r>
-              <a:rPr lang="en-US" dirty="0">
-                <a:latin typeface="Consolas" panose="020B0609020204030204" pitchFamily="49" charset="0"/>
-                <a:cs typeface="Consolas" panose="020B0609020204030204" pitchFamily="49" charset="0"/>
-              </a:rPr>
-              <a:t>actor))</a:t>
-            </a:r>
-          </a:p>
-        </p:txBody>
-      </p:sp>
-      <p:sp>
-        <p:nvSpPr>
-          <p:cNvPr id="7" name="TextBox 6">
-            <a:extLst>
-              <a:ext uri="{FF2B5EF4-FFF2-40B4-BE49-F238E27FC236}">
-                <a16:creationId xmlns:a16="http://schemas.microsoft.com/office/drawing/2014/main" id="{20CEF978-E996-814B-95DA-D4B7CE0D8D52}"/>
-              </a:ext>
-            </a:extLst>
-          </p:cNvPr>
-          <p:cNvSpPr txBox="1"/>
-          <p:nvPr/>
-        </p:nvSpPr>
-        <p:spPr>
-          <a:xfrm>
-            <a:off x="936977" y="4164447"/>
-            <a:ext cx="3578578" cy="2246769"/>
-          </a:xfrm>
-          <a:prstGeom prst="rect">
-            <a:avLst/>
-          </a:prstGeom>
-          <a:noFill/>
-        </p:spPr>
-        <p:txBody>
-          <a:bodyPr wrap="square">
-            <a:spAutoFit/>
-          </a:bodyPr>
-          <a:lstStyle/>
-          <a:p>
-            <a:r>
-              <a:rPr lang="en-US" dirty="0"/>
-              <a:t>0: Buttercup</a:t>
-            </a:r>
-          </a:p>
-          <a:p>
-            <a:r>
-              <a:rPr lang="en-US" dirty="0"/>
-              <a:t>1: Fezzik</a:t>
-            </a:r>
-          </a:p>
-          <a:p>
-            <a:r>
-              <a:rPr lang="en-US" dirty="0"/>
-              <a:t>2: Humperdinck</a:t>
-            </a:r>
-          </a:p>
-          <a:p>
-            <a:r>
-              <a:rPr lang="en-US" dirty="0"/>
-              <a:t>3: Inigo Montoya</a:t>
-            </a:r>
-          </a:p>
-          <a:p>
-            <a:r>
-              <a:rPr lang="en-US" dirty="0"/>
-              <a:t>4: </a:t>
-            </a:r>
-            <a:r>
-              <a:rPr lang="en-US" dirty="0" err="1"/>
-              <a:t>Rugan</a:t>
-            </a:r>
-            <a:endParaRPr lang="en-US" dirty="0"/>
-          </a:p>
-          <a:p>
-            <a:r>
-              <a:rPr lang="en-US" dirty="0"/>
-              <a:t>5: </a:t>
-            </a:r>
-            <a:r>
-              <a:rPr lang="en-US" dirty="0" err="1"/>
-              <a:t>Vizzini</a:t>
-            </a:r>
-            <a:endParaRPr lang="en-US" dirty="0"/>
-          </a:p>
-          <a:p>
-            <a:r>
-              <a:rPr lang="en-US" dirty="0"/>
-              <a:t>6: Westley</a:t>
-            </a:r>
+              <a:rPr lang="en-US" sz="1600" dirty="0">
+                <a:solidFill>
+                  <a:srgbClr val="8888C6"/>
+                </a:solidFill>
+                <a:latin typeface="Consolas" panose="020B0609020204030204" pitchFamily="49" charset="0"/>
+                <a:cs typeface="Consolas" panose="020B0609020204030204" pitchFamily="49" charset="0"/>
+              </a:rPr>
+              <a:t>max</a:t>
+            </a:r>
+            <a:r>
+              <a:rPr lang="en-US" sz="1600" dirty="0">
+                <a:latin typeface="Consolas" panose="020B0609020204030204" pitchFamily="49" charset="0"/>
+                <a:cs typeface="Consolas" panose="020B0609020204030204" pitchFamily="49" charset="0"/>
+              </a:rPr>
+              <a:t>(cast)) </a:t>
+            </a:r>
+            <a:r>
+              <a:rPr lang="en-US" sz="1600" dirty="0">
+                <a:solidFill>
+                  <a:srgbClr val="808080"/>
+                </a:solidFill>
+                <a:latin typeface="Consolas" panose="020B0609020204030204" pitchFamily="49" charset="0"/>
+                <a:cs typeface="Consolas" panose="020B0609020204030204" pitchFamily="49" charset="0"/>
+              </a:rPr>
+              <a:t># Westley</a:t>
+            </a:r>
+          </a:p>
+          <a:p>
+            <a:r>
+              <a:rPr lang="en-US" sz="1600" dirty="0">
+                <a:solidFill>
+                  <a:srgbClr val="8888C6"/>
+                </a:solidFill>
+                <a:latin typeface="Consolas" panose="020B0609020204030204" pitchFamily="49" charset="0"/>
+                <a:cs typeface="Consolas" panose="020B0609020204030204" pitchFamily="49" charset="0"/>
+              </a:rPr>
+              <a:t>print</a:t>
+            </a:r>
+            <a:r>
+              <a:rPr lang="en-US" sz="1600" dirty="0">
+                <a:latin typeface="Consolas" panose="020B0609020204030204" pitchFamily="49" charset="0"/>
+                <a:cs typeface="Consolas" panose="020B0609020204030204" pitchFamily="49" charset="0"/>
+              </a:rPr>
+              <a:t>(</a:t>
+            </a:r>
+            <a:r>
+              <a:rPr lang="en-US" sz="1600" dirty="0">
+                <a:solidFill>
+                  <a:srgbClr val="8888C6"/>
+                </a:solidFill>
+                <a:latin typeface="Consolas" panose="020B0609020204030204" pitchFamily="49" charset="0"/>
+                <a:cs typeface="Consolas" panose="020B0609020204030204" pitchFamily="49" charset="0"/>
+              </a:rPr>
+              <a:t>min</a:t>
+            </a:r>
+            <a:r>
+              <a:rPr lang="en-US" sz="1600" dirty="0">
+                <a:latin typeface="Consolas" panose="020B0609020204030204" pitchFamily="49" charset="0"/>
+                <a:cs typeface="Consolas" panose="020B0609020204030204" pitchFamily="49" charset="0"/>
+              </a:rPr>
+              <a:t>(cast)) </a:t>
+            </a:r>
+            <a:r>
+              <a:rPr lang="en-US" sz="1600" dirty="0">
+                <a:solidFill>
+                  <a:srgbClr val="808080"/>
+                </a:solidFill>
+                <a:latin typeface="Consolas" panose="020B0609020204030204" pitchFamily="49" charset="0"/>
+                <a:cs typeface="Consolas" panose="020B0609020204030204" pitchFamily="49" charset="0"/>
+              </a:rPr>
+              <a:t># Buttercup</a:t>
+            </a:r>
+            <a:endParaRPr lang="en-US" sz="1600" dirty="0">
+              <a:latin typeface="Consolas" panose="020B0609020204030204" pitchFamily="49" charset="0"/>
+              <a:cs typeface="Consolas" panose="020B0609020204030204" pitchFamily="49" charset="0"/>
+            </a:endParaRPr>
           </a:p>
         </p:txBody>
       </p:sp>
     </p:spTree>
     <p:extLst>
       <p:ext uri="{BB962C8B-B14F-4D97-AF65-F5344CB8AC3E}">
-        <p14:creationId xmlns:p14="http://schemas.microsoft.com/office/powerpoint/2010/main" val="3914388612"/>
+        <p14:creationId xmlns:p14="http://schemas.microsoft.com/office/powerpoint/2010/main" val="4237767045"/>
       </p:ext>
     </p:extLst>
   </p:cSld>
@@ -9841,7 +10948,7 @@
 </file>
 
 <file path=ppt/slides/slide8.xml><?xml version="1.0" encoding="utf-8"?>
-<p:sld xmlns:a="http://schemas.openxmlformats.org/drawingml/2006/main" xmlns:r="http://schemas.openxmlformats.org/officeDocument/2006/relationships" xmlns:p="http://schemas.openxmlformats.org/presentationml/2006/main" show="0">
+<p:sld xmlns:a="http://schemas.openxmlformats.org/drawingml/2006/main" xmlns:r="http://schemas.openxmlformats.org/officeDocument/2006/relationships" xmlns:p="http://schemas.openxmlformats.org/presentationml/2006/main">
   <p:cSld>
     <p:spTree>
       <p:nvGrpSpPr>
@@ -9862,7 +10969,7 @@
           <p:cNvPr id="2" name="Title 1">
             <a:extLst>
               <a:ext uri="{FF2B5EF4-FFF2-40B4-BE49-F238E27FC236}">
-                <a16:creationId xmlns:a16="http://schemas.microsoft.com/office/drawing/2014/main" id="{6817A430-48CE-854D-9898-A9D6919B3BC8}"/>
+                <a16:creationId xmlns:a16="http://schemas.microsoft.com/office/drawing/2014/main" id="{687EA42A-75E1-44AD-B1D6-FFD4DD043F68}"/>
               </a:ext>
             </a:extLst>
           </p:cNvPr>
@@ -9880,7 +10987,206 @@
           <a:p>
             <a:r>
               <a:rPr lang="en-US" dirty="0"/>
-              <a:t>Let’s Code</a:t>
+              <a:t>Practice</a:t>
+            </a:r>
+          </a:p>
+        </p:txBody>
+      </p:sp>
+      <p:sp>
+        <p:nvSpPr>
+          <p:cNvPr id="3" name="Text Placeholder 2">
+            <a:extLst>
+              <a:ext uri="{FF2B5EF4-FFF2-40B4-BE49-F238E27FC236}">
+                <a16:creationId xmlns:a16="http://schemas.microsoft.com/office/drawing/2014/main" id="{2C7E3608-7C63-4EDB-BE98-7542E932AB34}"/>
+              </a:ext>
+            </a:extLst>
+          </p:cNvPr>
+          <p:cNvSpPr>
+            <a:spLocks noGrp="1"/>
+          </p:cNvSpPr>
+          <p:nvPr>
+            <p:ph type="body" sz="quarter" idx="10"/>
+          </p:nvPr>
+        </p:nvSpPr>
+        <p:spPr>
+          <a:xfrm>
+            <a:off x="628075" y="1776683"/>
+            <a:ext cx="12561453" cy="2947538"/>
+          </a:xfrm>
+        </p:spPr>
+        <p:txBody>
+          <a:bodyPr/>
+          <a:lstStyle/>
+          <a:p>
+            <a:r>
+              <a:rPr lang="en-US" dirty="0"/>
+              <a:t>Given a list of numbers [10, 25, 2013, 20118]</a:t>
+            </a:r>
+          </a:p>
+          <a:p>
+            <a:r>
+              <a:rPr lang="en-US" dirty="0"/>
+              <a:t>Write code that finds </a:t>
+            </a:r>
+          </a:p>
+          <a:p>
+            <a:pPr lvl="1"/>
+            <a:r>
+              <a:rPr lang="en-US" dirty="0"/>
+              <a:t>The largest number</a:t>
+            </a:r>
+          </a:p>
+          <a:p>
+            <a:pPr lvl="1"/>
+            <a:r>
+              <a:rPr lang="en-US" dirty="0"/>
+              <a:t>The smallest number</a:t>
+            </a:r>
+          </a:p>
+          <a:p>
+            <a:pPr lvl="1"/>
+            <a:r>
+              <a:rPr lang="en-US" dirty="0"/>
+              <a:t>The average of the numbers (remember sum() and </a:t>
+            </a:r>
+            <a:r>
+              <a:rPr lang="en-US" dirty="0" err="1"/>
+              <a:t>len</a:t>
+            </a:r>
+            <a:r>
+              <a:rPr lang="en-US" dirty="0"/>
+              <a:t>())</a:t>
+            </a:r>
+          </a:p>
+          <a:p>
+            <a:r>
+              <a:rPr lang="en-US" dirty="0"/>
+              <a:t>Print out using the following format</a:t>
+            </a:r>
+          </a:p>
+          <a:p>
+            <a:pPr lvl="1"/>
+            <a:r>
+              <a:rPr lang="en-US" dirty="0">
+                <a:latin typeface="Consolas" panose="020B0609020204030204" pitchFamily="49" charset="0"/>
+              </a:rPr>
+              <a:t>“Max: {}, Min: {}, Average: {}”.format(largest, smallest, average)</a:t>
+            </a:r>
+          </a:p>
+        </p:txBody>
+      </p:sp>
+    </p:spTree>
+    <p:extLst>
+      <p:ext uri="{BB962C8B-B14F-4D97-AF65-F5344CB8AC3E}">
+        <p14:creationId xmlns:p14="http://schemas.microsoft.com/office/powerpoint/2010/main" val="3257807827"/>
+      </p:ext>
+    </p:extLst>
+  </p:cSld>
+  <p:clrMapOvr>
+    <a:masterClrMapping/>
+  </p:clrMapOvr>
+  <mc:AlternateContent xmlns:mc="http://schemas.openxmlformats.org/markup-compatibility/2006" xmlns:p14="http://schemas.microsoft.com/office/powerpoint/2010/main">
+    <mc:Choice Requires="p14">
+      <p:transition p14:dur="300">
+        <p:fade/>
+      </p:transition>
+    </mc:Choice>
+    <mc:Fallback xmlns="">
+      <p:transition>
+        <p:fade/>
+      </p:transition>
+    </mc:Fallback>
+  </mc:AlternateContent>
+</p:sld>
+</file>
+
+<file path=ppt/slides/slide9.xml><?xml version="1.0" encoding="utf-8"?>
+<p:sld xmlns:a="http://schemas.openxmlformats.org/drawingml/2006/main" xmlns:r="http://schemas.openxmlformats.org/officeDocument/2006/relationships" xmlns:p="http://schemas.openxmlformats.org/presentationml/2006/main">
+  <p:cSld>
+    <p:spTree>
+      <p:nvGrpSpPr>
+        <p:cNvPr id="1" name=""/>
+        <p:cNvGrpSpPr/>
+        <p:nvPr/>
+      </p:nvGrpSpPr>
+      <p:grpSpPr>
+        <a:xfrm>
+          <a:off x="0" y="0"/>
+          <a:ext cx="0" cy="0"/>
+          <a:chOff x="0" y="0"/>
+          <a:chExt cx="0" cy="0"/>
+        </a:xfrm>
+      </p:grpSpPr>
+      <p:sp>
+        <p:nvSpPr>
+          <p:cNvPr id="2" name="Title 1">
+            <a:extLst>
+              <a:ext uri="{FF2B5EF4-FFF2-40B4-BE49-F238E27FC236}">
+                <a16:creationId xmlns:a16="http://schemas.microsoft.com/office/drawing/2014/main" id="{1464FE5A-BA6E-144F-AF7D-FD870BA8ED46}"/>
+              </a:ext>
+            </a:extLst>
+          </p:cNvPr>
+          <p:cNvSpPr>
+            <a:spLocks noGrp="1"/>
+          </p:cNvSpPr>
+          <p:nvPr>
+            <p:ph type="title"/>
+          </p:nvPr>
+        </p:nvSpPr>
+        <p:spPr/>
+        <p:txBody>
+          <a:bodyPr/>
+          <a:lstStyle/>
+          <a:p>
+            <a:r>
+              <a:rPr lang="en-US" dirty="0"/>
+              <a:t>Enumerate</a:t>
+            </a:r>
+          </a:p>
+        </p:txBody>
+      </p:sp>
+      <p:sp>
+        <p:nvSpPr>
+          <p:cNvPr id="3" name="Text Placeholder 2">
+            <a:extLst>
+              <a:ext uri="{FF2B5EF4-FFF2-40B4-BE49-F238E27FC236}">
+                <a16:creationId xmlns:a16="http://schemas.microsoft.com/office/drawing/2014/main" id="{661483F9-5FC1-C84E-986C-A7572FBA6853}"/>
+              </a:ext>
+            </a:extLst>
+          </p:cNvPr>
+          <p:cNvSpPr>
+            <a:spLocks noGrp="1"/>
+          </p:cNvSpPr>
+          <p:nvPr>
+            <p:ph type="body" sz="quarter" idx="10"/>
+          </p:nvPr>
+        </p:nvSpPr>
+        <p:spPr>
+          <a:xfrm>
+            <a:off x="628076" y="1776682"/>
+            <a:ext cx="5942058" cy="1497095"/>
+          </a:xfrm>
+        </p:spPr>
+        <p:txBody>
+          <a:bodyPr/>
+          <a:lstStyle/>
+          <a:p>
+            <a:r>
+              <a:rPr lang="en-US" dirty="0"/>
+              <a:t>We want to cycle through elements</a:t>
+            </a:r>
+          </a:p>
+          <a:p>
+            <a:pPr lvl="1"/>
+            <a:r>
+              <a:rPr lang="en-US" dirty="0"/>
+              <a:t>And, we want to keep track of locations!</a:t>
+            </a:r>
+          </a:p>
+          <a:p>
+            <a:r>
+              <a:rPr lang="en-US" dirty="0"/>
+              <a:t>introducing - enumerate</a:t>
             </a:r>
           </a:p>
         </p:txBody>
@@ -9890,7 +11196,7 @@
           <p:cNvPr id="5" name="TextBox 4">
             <a:extLst>
               <a:ext uri="{FF2B5EF4-FFF2-40B4-BE49-F238E27FC236}">
-                <a16:creationId xmlns:a16="http://schemas.microsoft.com/office/drawing/2014/main" id="{0BF0F889-88A1-CF4F-939C-9189BA5816D0}"/>
+                <a16:creationId xmlns:a16="http://schemas.microsoft.com/office/drawing/2014/main" id="{49239B44-F07E-A54F-B077-81E29B6330E4}"/>
               </a:ext>
             </a:extLst>
           </p:cNvPr>
@@ -9899,8 +11205,8 @@
         </p:nvSpPr>
         <p:spPr>
           <a:xfrm>
-            <a:off x="2404534" y="1757333"/>
-            <a:ext cx="10001956" cy="5324535"/>
+            <a:off x="628075" y="3178314"/>
+            <a:ext cx="6908800" cy="707886"/>
           </a:xfrm>
           <a:prstGeom prst="rect">
             <a:avLst/>
@@ -9922,25 +11228,61 @@
                 <a:latin typeface="Consolas" panose="020B0609020204030204" pitchFamily="49" charset="0"/>
                 <a:cs typeface="Consolas" panose="020B0609020204030204" pitchFamily="49" charset="0"/>
               </a:rPr>
-              <a:t>def </a:t>
-            </a:r>
-            <a:r>
-              <a:rPr lang="en-US" dirty="0" err="1">
-                <a:solidFill>
-                  <a:srgbClr val="FFC66D"/>
+              <a:t>for </a:t>
+            </a:r>
+            <a:r>
+              <a:rPr lang="en-US" dirty="0">
+                <a:latin typeface="Consolas" panose="020B0609020204030204" pitchFamily="49" charset="0"/>
+                <a:cs typeface="Consolas" panose="020B0609020204030204" pitchFamily="49" charset="0"/>
+              </a:rPr>
+              <a:t>index</a:t>
+            </a:r>
+            <a:r>
+              <a:rPr lang="en-US" dirty="0">
+                <a:solidFill>
+                  <a:srgbClr val="CC7832"/>
                 </a:solidFill>
                 <a:effectLst/>
                 <a:latin typeface="Consolas" panose="020B0609020204030204" pitchFamily="49" charset="0"/>
                 <a:cs typeface="Consolas" panose="020B0609020204030204" pitchFamily="49" charset="0"/>
               </a:rPr>
-              <a:t>movie_analysis</a:t>
+              <a:t>, </a:t>
             </a:r>
             <a:r>
               <a:rPr lang="en-US" dirty="0">
                 <a:latin typeface="Consolas" panose="020B0609020204030204" pitchFamily="49" charset="0"/>
                 <a:cs typeface="Consolas" panose="020B0609020204030204" pitchFamily="49" charset="0"/>
               </a:rPr>
-              <a:t>():</a:t>
+              <a:t>actor </a:t>
+            </a:r>
+            <a:r>
+              <a:rPr lang="en-US" dirty="0">
+                <a:solidFill>
+                  <a:srgbClr val="CC7832"/>
+                </a:solidFill>
+                <a:effectLst/>
+                <a:latin typeface="Consolas" panose="020B0609020204030204" pitchFamily="49" charset="0"/>
+                <a:cs typeface="Consolas" panose="020B0609020204030204" pitchFamily="49" charset="0"/>
+              </a:rPr>
+              <a:t>in </a:t>
+            </a:r>
+            <a:r>
+              <a:rPr lang="en-US" dirty="0">
+                <a:solidFill>
+                  <a:srgbClr val="8888C6"/>
+                </a:solidFill>
+                <a:effectLst/>
+                <a:latin typeface="Consolas" panose="020B0609020204030204" pitchFamily="49" charset="0"/>
+                <a:cs typeface="Consolas" panose="020B0609020204030204" pitchFamily="49" charset="0"/>
+              </a:rPr>
+              <a:t>enumerate</a:t>
+            </a:r>
+            <a:r>
+              <a:rPr lang="en-US" dirty="0">
+                <a:latin typeface="Consolas" panose="020B0609020204030204" pitchFamily="49" charset="0"/>
+                <a:cs typeface="Consolas" panose="020B0609020204030204" pitchFamily="49" charset="0"/>
+              </a:rPr>
+              <a:t>(cast):</a:t>
             </a:r>
             <a:br>
               <a:rPr lang="en-US" dirty="0">
@@ -9953,21 +11295,46 @@
                 <a:latin typeface="Consolas" panose="020B0609020204030204" pitchFamily="49" charset="0"/>
                 <a:cs typeface="Consolas" panose="020B0609020204030204" pitchFamily="49" charset="0"/>
               </a:rPr>
-              <a:t>    cast = [</a:t>
+              <a:t>    </a:t>
             </a:r>
             <a:r>
               <a:rPr lang="en-US" dirty="0">
                 <a:solidFill>
+                  <a:srgbClr val="8888C6"/>
+                </a:solidFill>
+                <a:effectLst/>
+                <a:latin typeface="Consolas" panose="020B0609020204030204" pitchFamily="49" charset="0"/>
+                <a:cs typeface="Consolas" panose="020B0609020204030204" pitchFamily="49" charset="0"/>
+              </a:rPr>
+              <a:t>print</a:t>
+            </a:r>
+            <a:r>
+              <a:rPr lang="en-US" dirty="0">
+                <a:latin typeface="Consolas" panose="020B0609020204030204" pitchFamily="49" charset="0"/>
+                <a:cs typeface="Consolas" panose="020B0609020204030204" pitchFamily="49" charset="0"/>
+              </a:rPr>
+              <a:t>(</a:t>
+            </a:r>
+            <a:r>
+              <a:rPr lang="en-US" dirty="0">
+                <a:solidFill>
                   <a:srgbClr val="6A8759"/>
                 </a:solidFill>
                 <a:effectLst/>
                 <a:latin typeface="Consolas" panose="020B0609020204030204" pitchFamily="49" charset="0"/>
                 <a:cs typeface="Consolas" panose="020B0609020204030204" pitchFamily="49" charset="0"/>
               </a:rPr>
-              <a:t>"Westley"</a:t>
+              <a:t>"{}: {}"</a:t>
             </a:r>
             <a:r>
               <a:rPr lang="en-US" dirty="0">
+                <a:latin typeface="Consolas" panose="020B0609020204030204" pitchFamily="49" charset="0"/>
+                <a:cs typeface="Consolas" panose="020B0609020204030204" pitchFamily="49" charset="0"/>
+              </a:rPr>
+              <a:t>.format(index</a:t>
+            </a:r>
+            <a:r>
+              <a:rPr lang="en-US" dirty="0">
                 <a:solidFill>
                   <a:srgbClr val="CC7832"/>
                 </a:solidFill>
@@ -9979,804 +11346,91 @@
             </a:r>
             <a:r>
               <a:rPr lang="en-US" dirty="0">
-                <a:solidFill>
-                  <a:srgbClr val="6A8759"/>
-                </a:solidFill>
-                <a:effectLst/>
-                <a:latin typeface="Consolas" panose="020B0609020204030204" pitchFamily="49" charset="0"/>
-                <a:cs typeface="Consolas" panose="020B0609020204030204" pitchFamily="49" charset="0"/>
-              </a:rPr>
-              <a:t>"Buttercup"</a:t>
-            </a:r>
-            <a:r>
-              <a:rPr lang="en-US" dirty="0">
-                <a:solidFill>
-                  <a:srgbClr val="CC7832"/>
-                </a:solidFill>
-                <a:effectLst/>
-                <a:latin typeface="Consolas" panose="020B0609020204030204" pitchFamily="49" charset="0"/>
-                <a:cs typeface="Consolas" panose="020B0609020204030204" pitchFamily="49" charset="0"/>
-              </a:rPr>
-              <a:t>, </a:t>
-            </a:r>
-            <a:r>
-              <a:rPr lang="en-US" dirty="0">
-                <a:solidFill>
-                  <a:srgbClr val="6A8759"/>
-                </a:solidFill>
-                <a:effectLst/>
-                <a:latin typeface="Consolas" panose="020B0609020204030204" pitchFamily="49" charset="0"/>
-                <a:cs typeface="Consolas" panose="020B0609020204030204" pitchFamily="49" charset="0"/>
-              </a:rPr>
-              <a:t>"Inigo Montoya"</a:t>
-            </a:r>
-            <a:r>
-              <a:rPr lang="en-US" dirty="0">
-                <a:solidFill>
-                  <a:srgbClr val="CC7832"/>
-                </a:solidFill>
-                <a:effectLst/>
-                <a:latin typeface="Consolas" panose="020B0609020204030204" pitchFamily="49" charset="0"/>
-                <a:cs typeface="Consolas" panose="020B0609020204030204" pitchFamily="49" charset="0"/>
-              </a:rPr>
-              <a:t>, </a:t>
-            </a:r>
-            <a:r>
-              <a:rPr lang="en-US" dirty="0">
-                <a:solidFill>
-                  <a:srgbClr val="6A8759"/>
-                </a:solidFill>
-                <a:effectLst/>
-                <a:latin typeface="Consolas" panose="020B0609020204030204" pitchFamily="49" charset="0"/>
-                <a:cs typeface="Consolas" panose="020B0609020204030204" pitchFamily="49" charset="0"/>
-              </a:rPr>
-              <a:t>"</a:t>
-            </a:r>
-            <a:r>
-              <a:rPr lang="en-US" dirty="0" err="1">
-                <a:solidFill>
-                  <a:srgbClr val="6A8759"/>
-                </a:solidFill>
-                <a:effectLst/>
-                <a:latin typeface="Consolas" panose="020B0609020204030204" pitchFamily="49" charset="0"/>
-                <a:cs typeface="Consolas" panose="020B0609020204030204" pitchFamily="49" charset="0"/>
-              </a:rPr>
+                <a:latin typeface="Consolas" panose="020B0609020204030204" pitchFamily="49" charset="0"/>
+                <a:cs typeface="Consolas" panose="020B0609020204030204" pitchFamily="49" charset="0"/>
+              </a:rPr>
+              <a:t>actor))</a:t>
+            </a:r>
+          </a:p>
+        </p:txBody>
+      </p:sp>
+      <p:sp>
+        <p:nvSpPr>
+          <p:cNvPr id="7" name="TextBox 6">
+            <a:extLst>
+              <a:ext uri="{FF2B5EF4-FFF2-40B4-BE49-F238E27FC236}">
+                <a16:creationId xmlns:a16="http://schemas.microsoft.com/office/drawing/2014/main" id="{20CEF978-E996-814B-95DA-D4B7CE0D8D52}"/>
+              </a:ext>
+            </a:extLst>
+          </p:cNvPr>
+          <p:cNvSpPr txBox="1"/>
+          <p:nvPr/>
+        </p:nvSpPr>
+        <p:spPr>
+          <a:xfrm>
+            <a:off x="936977" y="4164447"/>
+            <a:ext cx="3578578" cy="2246769"/>
+          </a:xfrm>
+          <a:prstGeom prst="rect">
+            <a:avLst/>
+          </a:prstGeom>
+          <a:noFill/>
+        </p:spPr>
+        <p:txBody>
+          <a:bodyPr wrap="square">
+            <a:spAutoFit/>
+          </a:bodyPr>
+          <a:lstStyle/>
+          <a:p>
+            <a:r>
+              <a:rPr lang="en-US" dirty="0"/>
+              <a:t>0: Buttercup</a:t>
+            </a:r>
+          </a:p>
+          <a:p>
+            <a:r>
+              <a:rPr lang="en-US" dirty="0"/>
+              <a:t>1: Fezzik</a:t>
+            </a:r>
+          </a:p>
+          <a:p>
+            <a:r>
+              <a:rPr lang="en-US" dirty="0"/>
+              <a:t>2: Humperdinck</a:t>
+            </a:r>
+          </a:p>
+          <a:p>
+            <a:r>
+              <a:rPr lang="en-US" dirty="0"/>
+              <a:t>3: Inigo Montoya</a:t>
+            </a:r>
+          </a:p>
+          <a:p>
+            <a:r>
+              <a:rPr lang="en-US" dirty="0"/>
+              <a:t>4: </a:t>
+            </a:r>
+            <a:r>
+              <a:rPr lang="en-US" dirty="0" err="1"/>
+              <a:t>Rugan</a:t>
+            </a:r>
+            <a:endParaRPr lang="en-US" dirty="0"/>
+          </a:p>
+          <a:p>
+            <a:r>
+              <a:rPr lang="en-US" dirty="0"/>
+              <a:t>5: </a:t>
+            </a:r>
+            <a:r>
+              <a:rPr lang="en-US" dirty="0" err="1"/>
               <a:t>Vizzini</a:t>
             </a:r>
-            <a:r>
-              <a:rPr lang="en-US" dirty="0">
-                <a:solidFill>
-                  <a:srgbClr val="6A8759"/>
-                </a:solidFill>
-                <a:effectLst/>
-                <a:latin typeface="Consolas" panose="020B0609020204030204" pitchFamily="49" charset="0"/>
-                <a:cs typeface="Consolas" panose="020B0609020204030204" pitchFamily="49" charset="0"/>
-              </a:rPr>
-              <a:t>"</a:t>
-            </a:r>
-            <a:r>
-              <a:rPr lang="en-US" dirty="0">
-                <a:solidFill>
-                  <a:srgbClr val="CC7832"/>
-                </a:solidFill>
-                <a:effectLst/>
-                <a:latin typeface="Consolas" panose="020B0609020204030204" pitchFamily="49" charset="0"/>
-                <a:cs typeface="Consolas" panose="020B0609020204030204" pitchFamily="49" charset="0"/>
-              </a:rPr>
-              <a:t>,</a:t>
-            </a:r>
-            <a:br>
-              <a:rPr lang="en-US" dirty="0">
-                <a:solidFill>
-                  <a:srgbClr val="CC7832"/>
-                </a:solidFill>
-                <a:effectLst/>
-                <a:latin typeface="Consolas" panose="020B0609020204030204" pitchFamily="49" charset="0"/>
-                <a:cs typeface="Consolas" panose="020B0609020204030204" pitchFamily="49" charset="0"/>
-              </a:rPr>
-            </a:br>
-            <a:r>
-              <a:rPr lang="en-US" dirty="0">
-                <a:solidFill>
-                  <a:srgbClr val="CC7832"/>
-                </a:solidFill>
-                <a:effectLst/>
-                <a:latin typeface="Consolas" panose="020B0609020204030204" pitchFamily="49" charset="0"/>
-                <a:cs typeface="Consolas" panose="020B0609020204030204" pitchFamily="49" charset="0"/>
-              </a:rPr>
-              <a:t>            </a:t>
-            </a:r>
-            <a:r>
-              <a:rPr lang="en-US" dirty="0">
-                <a:solidFill>
-                  <a:srgbClr val="6A8759"/>
-                </a:solidFill>
-                <a:effectLst/>
-                <a:latin typeface="Consolas" panose="020B0609020204030204" pitchFamily="49" charset="0"/>
-                <a:cs typeface="Consolas" panose="020B0609020204030204" pitchFamily="49" charset="0"/>
-              </a:rPr>
-              <a:t>"Fezzik"</a:t>
-            </a:r>
-            <a:r>
-              <a:rPr lang="en-US" dirty="0">
-                <a:solidFill>
-                  <a:srgbClr val="CC7832"/>
-                </a:solidFill>
-                <a:effectLst/>
-                <a:latin typeface="Consolas" panose="020B0609020204030204" pitchFamily="49" charset="0"/>
-                <a:cs typeface="Consolas" panose="020B0609020204030204" pitchFamily="49" charset="0"/>
-              </a:rPr>
-              <a:t>, </a:t>
-            </a:r>
-            <a:r>
-              <a:rPr lang="en-US" dirty="0">
-                <a:solidFill>
-                  <a:srgbClr val="6A8759"/>
-                </a:solidFill>
-                <a:effectLst/>
-                <a:latin typeface="Consolas" panose="020B0609020204030204" pitchFamily="49" charset="0"/>
-                <a:cs typeface="Consolas" panose="020B0609020204030204" pitchFamily="49" charset="0"/>
-              </a:rPr>
-              <a:t>"</a:t>
-            </a:r>
-            <a:r>
-              <a:rPr lang="en-US" dirty="0" err="1">
-                <a:solidFill>
-                  <a:srgbClr val="6A8759"/>
-                </a:solidFill>
-                <a:effectLst/>
-                <a:latin typeface="Consolas" panose="020B0609020204030204" pitchFamily="49" charset="0"/>
-                <a:cs typeface="Consolas" panose="020B0609020204030204" pitchFamily="49" charset="0"/>
-              </a:rPr>
-              <a:t>Rugan</a:t>
-            </a:r>
-            <a:r>
-              <a:rPr lang="en-US" dirty="0">
-                <a:solidFill>
-                  <a:srgbClr val="6A8759"/>
-                </a:solidFill>
-                <a:effectLst/>
-                <a:latin typeface="Consolas" panose="020B0609020204030204" pitchFamily="49" charset="0"/>
-                <a:cs typeface="Consolas" panose="020B0609020204030204" pitchFamily="49" charset="0"/>
-              </a:rPr>
-              <a:t>"</a:t>
-            </a:r>
-            <a:r>
-              <a:rPr lang="en-US" dirty="0">
-                <a:solidFill>
-                  <a:srgbClr val="CC7832"/>
-                </a:solidFill>
-                <a:effectLst/>
-                <a:latin typeface="Consolas" panose="020B0609020204030204" pitchFamily="49" charset="0"/>
-                <a:cs typeface="Consolas" panose="020B0609020204030204" pitchFamily="49" charset="0"/>
-              </a:rPr>
-              <a:t>, </a:t>
-            </a:r>
-            <a:r>
-              <a:rPr lang="en-US" dirty="0">
-                <a:solidFill>
-                  <a:srgbClr val="6A8759"/>
-                </a:solidFill>
-                <a:effectLst/>
-                <a:latin typeface="Consolas" panose="020B0609020204030204" pitchFamily="49" charset="0"/>
-                <a:cs typeface="Consolas" panose="020B0609020204030204" pitchFamily="49" charset="0"/>
-              </a:rPr>
-              <a:t>"Humperdinck"</a:t>
-            </a:r>
-            <a:r>
-              <a:rPr lang="en-US" dirty="0">
-                <a:latin typeface="Consolas" panose="020B0609020204030204" pitchFamily="49" charset="0"/>
-                <a:cs typeface="Consolas" panose="020B0609020204030204" pitchFamily="49" charset="0"/>
-              </a:rPr>
-              <a:t>]</a:t>
-            </a:r>
-            <a:br>
-              <a:rPr lang="en-US" dirty="0">
-                <a:latin typeface="Consolas" panose="020B0609020204030204" pitchFamily="49" charset="0"/>
-                <a:cs typeface="Consolas" panose="020B0609020204030204" pitchFamily="49" charset="0"/>
-              </a:rPr>
-            </a:br>
-            <a:r>
-              <a:rPr lang="en-US" dirty="0">
-                <a:latin typeface="Consolas" panose="020B0609020204030204" pitchFamily="49" charset="0"/>
-                <a:cs typeface="Consolas" panose="020B0609020204030204" pitchFamily="49" charset="0"/>
-              </a:rPr>
-              <a:t>    villains = [</a:t>
-            </a:r>
-            <a:r>
-              <a:rPr lang="en-US" dirty="0">
-                <a:solidFill>
-                  <a:srgbClr val="6A8759"/>
-                </a:solidFill>
-                <a:effectLst/>
-                <a:latin typeface="Consolas" panose="020B0609020204030204" pitchFamily="49" charset="0"/>
-                <a:cs typeface="Consolas" panose="020B0609020204030204" pitchFamily="49" charset="0"/>
-              </a:rPr>
-              <a:t>"Humperdinck"</a:t>
-            </a:r>
-            <a:r>
-              <a:rPr lang="en-US" dirty="0">
-                <a:solidFill>
-                  <a:srgbClr val="CC7832"/>
-                </a:solidFill>
-                <a:effectLst/>
-                <a:latin typeface="Consolas" panose="020B0609020204030204" pitchFamily="49" charset="0"/>
-                <a:cs typeface="Consolas" panose="020B0609020204030204" pitchFamily="49" charset="0"/>
-              </a:rPr>
-              <a:t>, </a:t>
-            </a:r>
-            <a:r>
-              <a:rPr lang="en-US" dirty="0">
-                <a:solidFill>
-                  <a:srgbClr val="6A8759"/>
-                </a:solidFill>
-                <a:effectLst/>
-                <a:latin typeface="Consolas" panose="020B0609020204030204" pitchFamily="49" charset="0"/>
-                <a:cs typeface="Consolas" panose="020B0609020204030204" pitchFamily="49" charset="0"/>
-              </a:rPr>
-              <a:t>"</a:t>
-            </a:r>
-            <a:r>
-              <a:rPr lang="en-US" dirty="0" err="1">
-                <a:solidFill>
-                  <a:srgbClr val="6A8759"/>
-                </a:solidFill>
-                <a:effectLst/>
-                <a:latin typeface="Consolas" panose="020B0609020204030204" pitchFamily="49" charset="0"/>
-                <a:cs typeface="Consolas" panose="020B0609020204030204" pitchFamily="49" charset="0"/>
-              </a:rPr>
-              <a:t>Rugan</a:t>
-            </a:r>
-            <a:r>
-              <a:rPr lang="en-US" dirty="0">
-                <a:solidFill>
-                  <a:srgbClr val="6A8759"/>
-                </a:solidFill>
-                <a:effectLst/>
-                <a:latin typeface="Consolas" panose="020B0609020204030204" pitchFamily="49" charset="0"/>
-                <a:cs typeface="Consolas" panose="020B0609020204030204" pitchFamily="49" charset="0"/>
-              </a:rPr>
-              <a:t>"</a:t>
-            </a:r>
-            <a:r>
-              <a:rPr lang="en-US" dirty="0">
-                <a:solidFill>
-                  <a:srgbClr val="CC7832"/>
-                </a:solidFill>
-                <a:effectLst/>
-                <a:latin typeface="Consolas" panose="020B0609020204030204" pitchFamily="49" charset="0"/>
-                <a:cs typeface="Consolas" panose="020B0609020204030204" pitchFamily="49" charset="0"/>
-              </a:rPr>
-              <a:t>, </a:t>
-            </a:r>
-            <a:r>
-              <a:rPr lang="en-US" dirty="0">
-                <a:solidFill>
-                  <a:srgbClr val="6A8759"/>
-                </a:solidFill>
-                <a:effectLst/>
-                <a:latin typeface="Consolas" panose="020B0609020204030204" pitchFamily="49" charset="0"/>
-                <a:cs typeface="Consolas" panose="020B0609020204030204" pitchFamily="49" charset="0"/>
-              </a:rPr>
-              <a:t>"</a:t>
-            </a:r>
-            <a:r>
-              <a:rPr lang="en-US" dirty="0" err="1">
-                <a:solidFill>
-                  <a:srgbClr val="6A8759"/>
-                </a:solidFill>
-                <a:effectLst/>
-                <a:latin typeface="Consolas" panose="020B0609020204030204" pitchFamily="49" charset="0"/>
-                <a:cs typeface="Consolas" panose="020B0609020204030204" pitchFamily="49" charset="0"/>
-              </a:rPr>
-              <a:t>Vizzini</a:t>
-            </a:r>
-            <a:r>
-              <a:rPr lang="en-US" dirty="0">
-                <a:solidFill>
-                  <a:srgbClr val="6A8759"/>
-                </a:solidFill>
-                <a:effectLst/>
-                <a:latin typeface="Consolas" panose="020B0609020204030204" pitchFamily="49" charset="0"/>
-                <a:cs typeface="Consolas" panose="020B0609020204030204" pitchFamily="49" charset="0"/>
-              </a:rPr>
-              <a:t>"</a:t>
-            </a:r>
-            <a:r>
-              <a:rPr lang="en-US" dirty="0">
-                <a:latin typeface="Consolas" panose="020B0609020204030204" pitchFamily="49" charset="0"/>
-                <a:cs typeface="Consolas" panose="020B0609020204030204" pitchFamily="49" charset="0"/>
-              </a:rPr>
-              <a:t>]</a:t>
-            </a:r>
-            <a:br>
-              <a:rPr lang="en-US" dirty="0">
-                <a:latin typeface="Consolas" panose="020B0609020204030204" pitchFamily="49" charset="0"/>
-                <a:cs typeface="Consolas" panose="020B0609020204030204" pitchFamily="49" charset="0"/>
-              </a:rPr>
-            </a:br>
-            <a:r>
-              <a:rPr lang="en-US" dirty="0">
-                <a:latin typeface="Consolas" panose="020B0609020204030204" pitchFamily="49" charset="0"/>
-                <a:cs typeface="Consolas" panose="020B0609020204030204" pitchFamily="49" charset="0"/>
-              </a:rPr>
-              <a:t>    heroes = </a:t>
-            </a:r>
-            <a:r>
-              <a:rPr lang="en-US" dirty="0" err="1">
-                <a:latin typeface="Consolas" panose="020B0609020204030204" pitchFamily="49" charset="0"/>
-                <a:cs typeface="Consolas" panose="020B0609020204030204" pitchFamily="49" charset="0"/>
-              </a:rPr>
-              <a:t>get_heroes</a:t>
-            </a:r>
-            <a:r>
-              <a:rPr lang="en-US" dirty="0">
-                <a:latin typeface="Consolas" panose="020B0609020204030204" pitchFamily="49" charset="0"/>
-                <a:cs typeface="Consolas" panose="020B0609020204030204" pitchFamily="49" charset="0"/>
-              </a:rPr>
-              <a:t>(cast</a:t>
-            </a:r>
-            <a:r>
-              <a:rPr lang="en-US" dirty="0">
-                <a:solidFill>
-                  <a:srgbClr val="CC7832"/>
-                </a:solidFill>
-                <a:effectLst/>
-                <a:latin typeface="Consolas" panose="020B0609020204030204" pitchFamily="49" charset="0"/>
-                <a:cs typeface="Consolas" panose="020B0609020204030204" pitchFamily="49" charset="0"/>
-              </a:rPr>
-              <a:t>, </a:t>
-            </a:r>
-            <a:r>
-              <a:rPr lang="en-US" dirty="0">
-                <a:latin typeface="Consolas" panose="020B0609020204030204" pitchFamily="49" charset="0"/>
-                <a:cs typeface="Consolas" panose="020B0609020204030204" pitchFamily="49" charset="0"/>
-              </a:rPr>
-              <a:t>villains)</a:t>
-            </a:r>
-            <a:br>
-              <a:rPr lang="en-US" dirty="0">
-                <a:latin typeface="Consolas" panose="020B0609020204030204" pitchFamily="49" charset="0"/>
-                <a:cs typeface="Consolas" panose="020B0609020204030204" pitchFamily="49" charset="0"/>
-              </a:rPr>
-            </a:br>
-            <a:r>
-              <a:rPr lang="en-US" dirty="0">
-                <a:latin typeface="Consolas" panose="020B0609020204030204" pitchFamily="49" charset="0"/>
-                <a:cs typeface="Consolas" panose="020B0609020204030204" pitchFamily="49" charset="0"/>
-              </a:rPr>
-              <a:t>    </a:t>
-            </a:r>
-            <a:r>
-              <a:rPr lang="en-US" dirty="0" err="1">
-                <a:latin typeface="Consolas" panose="020B0609020204030204" pitchFamily="49" charset="0"/>
-                <a:cs typeface="Consolas" panose="020B0609020204030204" pitchFamily="49" charset="0"/>
-              </a:rPr>
-              <a:t>print_heroes</a:t>
-            </a:r>
-            <a:r>
-              <a:rPr lang="en-US" dirty="0">
-                <a:latin typeface="Consolas" panose="020B0609020204030204" pitchFamily="49" charset="0"/>
-                <a:cs typeface="Consolas" panose="020B0609020204030204" pitchFamily="49" charset="0"/>
-              </a:rPr>
-              <a:t>(heroes)</a:t>
-            </a:r>
-            <a:br>
-              <a:rPr lang="en-US" dirty="0">
-                <a:latin typeface="Consolas" panose="020B0609020204030204" pitchFamily="49" charset="0"/>
-                <a:cs typeface="Consolas" panose="020B0609020204030204" pitchFamily="49" charset="0"/>
-              </a:rPr>
-            </a:br>
-            <a:br>
-              <a:rPr lang="en-US" dirty="0">
-                <a:latin typeface="Consolas" panose="020B0609020204030204" pitchFamily="49" charset="0"/>
-                <a:cs typeface="Consolas" panose="020B0609020204030204" pitchFamily="49" charset="0"/>
-              </a:rPr>
-            </a:br>
-            <a:r>
-              <a:rPr lang="en-US" dirty="0">
-                <a:solidFill>
-                  <a:srgbClr val="CC7832"/>
-                </a:solidFill>
-                <a:effectLst/>
-                <a:latin typeface="Consolas" panose="020B0609020204030204" pitchFamily="49" charset="0"/>
-                <a:cs typeface="Consolas" panose="020B0609020204030204" pitchFamily="49" charset="0"/>
-              </a:rPr>
-              <a:t>def </a:t>
-            </a:r>
-            <a:r>
-              <a:rPr lang="en-US" dirty="0" err="1">
-                <a:solidFill>
-                  <a:srgbClr val="FFC66D"/>
-                </a:solidFill>
-                <a:effectLst/>
-                <a:latin typeface="Consolas" panose="020B0609020204030204" pitchFamily="49" charset="0"/>
-                <a:cs typeface="Consolas" panose="020B0609020204030204" pitchFamily="49" charset="0"/>
-              </a:rPr>
-              <a:t>get_heroes</a:t>
-            </a:r>
-            <a:r>
-              <a:rPr lang="en-US" dirty="0">
-                <a:latin typeface="Consolas" panose="020B0609020204030204" pitchFamily="49" charset="0"/>
-                <a:cs typeface="Consolas" panose="020B0609020204030204" pitchFamily="49" charset="0"/>
-              </a:rPr>
-              <a:t>(cast</a:t>
-            </a:r>
-            <a:r>
-              <a:rPr lang="en-US" dirty="0">
-                <a:solidFill>
-                  <a:srgbClr val="CC7832"/>
-                </a:solidFill>
-                <a:effectLst/>
-                <a:latin typeface="Consolas" panose="020B0609020204030204" pitchFamily="49" charset="0"/>
-                <a:cs typeface="Consolas" panose="020B0609020204030204" pitchFamily="49" charset="0"/>
-              </a:rPr>
-              <a:t>, </a:t>
-            </a:r>
-            <a:r>
-              <a:rPr lang="en-US" dirty="0">
-                <a:latin typeface="Consolas" panose="020B0609020204030204" pitchFamily="49" charset="0"/>
-                <a:cs typeface="Consolas" panose="020B0609020204030204" pitchFamily="49" charset="0"/>
-              </a:rPr>
-              <a:t>villains):</a:t>
-            </a:r>
-            <a:br>
-              <a:rPr lang="en-US" dirty="0">
-                <a:latin typeface="Consolas" panose="020B0609020204030204" pitchFamily="49" charset="0"/>
-                <a:cs typeface="Consolas" panose="020B0609020204030204" pitchFamily="49" charset="0"/>
-              </a:rPr>
-            </a:br>
-            <a:r>
-              <a:rPr lang="en-US" dirty="0">
-                <a:latin typeface="Consolas" panose="020B0609020204030204" pitchFamily="49" charset="0"/>
-                <a:cs typeface="Consolas" panose="020B0609020204030204" pitchFamily="49" charset="0"/>
-              </a:rPr>
-              <a:t>    heroes = </a:t>
-            </a:r>
-            <a:r>
-              <a:rPr lang="en-US" dirty="0" err="1">
-                <a:latin typeface="Consolas" panose="020B0609020204030204" pitchFamily="49" charset="0"/>
-                <a:cs typeface="Consolas" panose="020B0609020204030204" pitchFamily="49" charset="0"/>
-              </a:rPr>
-              <a:t>cast.copy</a:t>
-            </a:r>
-            <a:r>
-              <a:rPr lang="en-US" dirty="0">
-                <a:latin typeface="Consolas" panose="020B0609020204030204" pitchFamily="49" charset="0"/>
-                <a:cs typeface="Consolas" panose="020B0609020204030204" pitchFamily="49" charset="0"/>
-              </a:rPr>
-              <a:t>()</a:t>
-            </a:r>
-            <a:br>
-              <a:rPr lang="en-US" dirty="0">
-                <a:latin typeface="Consolas" panose="020B0609020204030204" pitchFamily="49" charset="0"/>
-                <a:cs typeface="Consolas" panose="020B0609020204030204" pitchFamily="49" charset="0"/>
-              </a:rPr>
-            </a:br>
-            <a:r>
-              <a:rPr lang="en-US" dirty="0">
-                <a:latin typeface="Consolas" panose="020B0609020204030204" pitchFamily="49" charset="0"/>
-                <a:cs typeface="Consolas" panose="020B0609020204030204" pitchFamily="49" charset="0"/>
-              </a:rPr>
-              <a:t>    </a:t>
-            </a:r>
-            <a:r>
-              <a:rPr lang="en-US" dirty="0">
-                <a:solidFill>
-                  <a:srgbClr val="CC7832"/>
-                </a:solidFill>
-                <a:effectLst/>
-                <a:latin typeface="Consolas" panose="020B0609020204030204" pitchFamily="49" charset="0"/>
-                <a:cs typeface="Consolas" panose="020B0609020204030204" pitchFamily="49" charset="0"/>
-              </a:rPr>
-              <a:t>for </a:t>
-            </a:r>
-            <a:r>
-              <a:rPr lang="en-US" dirty="0">
-                <a:latin typeface="Consolas" panose="020B0609020204030204" pitchFamily="49" charset="0"/>
-                <a:cs typeface="Consolas" panose="020B0609020204030204" pitchFamily="49" charset="0"/>
-              </a:rPr>
-              <a:t>villain </a:t>
-            </a:r>
-            <a:r>
-              <a:rPr lang="en-US" dirty="0">
-                <a:solidFill>
-                  <a:srgbClr val="CC7832"/>
-                </a:solidFill>
-                <a:effectLst/>
-                <a:latin typeface="Consolas" panose="020B0609020204030204" pitchFamily="49" charset="0"/>
-                <a:cs typeface="Consolas" panose="020B0609020204030204" pitchFamily="49" charset="0"/>
-              </a:rPr>
-              <a:t>in </a:t>
-            </a:r>
-            <a:r>
-              <a:rPr lang="en-US" dirty="0">
-                <a:latin typeface="Consolas" panose="020B0609020204030204" pitchFamily="49" charset="0"/>
-                <a:cs typeface="Consolas" panose="020B0609020204030204" pitchFamily="49" charset="0"/>
-              </a:rPr>
-              <a:t>villains:</a:t>
-            </a:r>
-            <a:br>
-              <a:rPr lang="en-US" dirty="0">
-                <a:latin typeface="Consolas" panose="020B0609020204030204" pitchFamily="49" charset="0"/>
-                <a:cs typeface="Consolas" panose="020B0609020204030204" pitchFamily="49" charset="0"/>
-              </a:rPr>
-            </a:br>
-            <a:r>
-              <a:rPr lang="en-US" dirty="0">
-                <a:latin typeface="Consolas" panose="020B0609020204030204" pitchFamily="49" charset="0"/>
-                <a:cs typeface="Consolas" panose="020B0609020204030204" pitchFamily="49" charset="0"/>
-              </a:rPr>
-              <a:t>        </a:t>
-            </a:r>
-            <a:r>
-              <a:rPr lang="en-US" dirty="0" err="1">
-                <a:latin typeface="Consolas" panose="020B0609020204030204" pitchFamily="49" charset="0"/>
-                <a:cs typeface="Consolas" panose="020B0609020204030204" pitchFamily="49" charset="0"/>
-              </a:rPr>
-              <a:t>heroes.remove</a:t>
-            </a:r>
-            <a:r>
-              <a:rPr lang="en-US" dirty="0">
-                <a:latin typeface="Consolas" panose="020B0609020204030204" pitchFamily="49" charset="0"/>
-                <a:cs typeface="Consolas" panose="020B0609020204030204" pitchFamily="49" charset="0"/>
-              </a:rPr>
-              <a:t>(villain)</a:t>
-            </a:r>
-            <a:br>
-              <a:rPr lang="en-US" dirty="0">
-                <a:latin typeface="Consolas" panose="020B0609020204030204" pitchFamily="49" charset="0"/>
-                <a:cs typeface="Consolas" panose="020B0609020204030204" pitchFamily="49" charset="0"/>
-              </a:rPr>
-            </a:br>
-            <a:r>
-              <a:rPr lang="en-US" dirty="0">
-                <a:latin typeface="Consolas" panose="020B0609020204030204" pitchFamily="49" charset="0"/>
-                <a:cs typeface="Consolas" panose="020B0609020204030204" pitchFamily="49" charset="0"/>
-              </a:rPr>
-              <a:t>    </a:t>
-            </a:r>
-            <a:r>
-              <a:rPr lang="en-US" dirty="0" err="1">
-                <a:latin typeface="Consolas" panose="020B0609020204030204" pitchFamily="49" charset="0"/>
-                <a:cs typeface="Consolas" panose="020B0609020204030204" pitchFamily="49" charset="0"/>
-              </a:rPr>
-              <a:t>heroes.sort</a:t>
-            </a:r>
-            <a:r>
-              <a:rPr lang="en-US" dirty="0">
-                <a:latin typeface="Consolas" panose="020B0609020204030204" pitchFamily="49" charset="0"/>
-                <a:cs typeface="Consolas" panose="020B0609020204030204" pitchFamily="49" charset="0"/>
-              </a:rPr>
-              <a:t>()</a:t>
-            </a:r>
-            <a:br>
-              <a:rPr lang="en-US" dirty="0">
-                <a:latin typeface="Consolas" panose="020B0609020204030204" pitchFamily="49" charset="0"/>
-                <a:cs typeface="Consolas" panose="020B0609020204030204" pitchFamily="49" charset="0"/>
-              </a:rPr>
-            </a:br>
-            <a:r>
-              <a:rPr lang="en-US" dirty="0">
-                <a:latin typeface="Consolas" panose="020B0609020204030204" pitchFamily="49" charset="0"/>
-                <a:cs typeface="Consolas" panose="020B0609020204030204" pitchFamily="49" charset="0"/>
-              </a:rPr>
-              <a:t>    </a:t>
-            </a:r>
-            <a:r>
-              <a:rPr lang="en-US" dirty="0">
-                <a:solidFill>
-                  <a:srgbClr val="CC7832"/>
-                </a:solidFill>
-                <a:effectLst/>
-                <a:latin typeface="Consolas" panose="020B0609020204030204" pitchFamily="49" charset="0"/>
-                <a:cs typeface="Consolas" panose="020B0609020204030204" pitchFamily="49" charset="0"/>
-              </a:rPr>
-              <a:t>return </a:t>
-            </a:r>
-            <a:r>
-              <a:rPr lang="en-US" dirty="0">
-                <a:latin typeface="Consolas" panose="020B0609020204030204" pitchFamily="49" charset="0"/>
-                <a:cs typeface="Consolas" panose="020B0609020204030204" pitchFamily="49" charset="0"/>
-              </a:rPr>
-              <a:t>heroes</a:t>
-            </a:r>
-            <a:br>
-              <a:rPr lang="en-US" dirty="0">
-                <a:latin typeface="Consolas" panose="020B0609020204030204" pitchFamily="49" charset="0"/>
-                <a:cs typeface="Consolas" panose="020B0609020204030204" pitchFamily="49" charset="0"/>
-              </a:rPr>
-            </a:br>
-            <a:br>
-              <a:rPr lang="en-US" dirty="0">
-                <a:latin typeface="Consolas" panose="020B0609020204030204" pitchFamily="49" charset="0"/>
-                <a:cs typeface="Consolas" panose="020B0609020204030204" pitchFamily="49" charset="0"/>
-              </a:rPr>
-            </a:br>
-            <a:r>
-              <a:rPr lang="en-US" dirty="0">
-                <a:solidFill>
-                  <a:srgbClr val="CC7832"/>
-                </a:solidFill>
-                <a:effectLst/>
-                <a:latin typeface="Consolas" panose="020B0609020204030204" pitchFamily="49" charset="0"/>
-                <a:cs typeface="Consolas" panose="020B0609020204030204" pitchFamily="49" charset="0"/>
-              </a:rPr>
-              <a:t>def </a:t>
-            </a:r>
-            <a:r>
-              <a:rPr lang="en-US" dirty="0" err="1">
-                <a:solidFill>
-                  <a:srgbClr val="FFC66D"/>
-                </a:solidFill>
-                <a:effectLst/>
-                <a:latin typeface="Consolas" panose="020B0609020204030204" pitchFamily="49" charset="0"/>
-                <a:cs typeface="Consolas" panose="020B0609020204030204" pitchFamily="49" charset="0"/>
-              </a:rPr>
-              <a:t>print_heroes</a:t>
-            </a:r>
-            <a:r>
-              <a:rPr lang="en-US" dirty="0">
-                <a:latin typeface="Consolas" panose="020B0609020204030204" pitchFamily="49" charset="0"/>
-                <a:cs typeface="Consolas" panose="020B0609020204030204" pitchFamily="49" charset="0"/>
-              </a:rPr>
-              <a:t>(heroes):</a:t>
-            </a:r>
-            <a:br>
-              <a:rPr lang="en-US" dirty="0">
-                <a:latin typeface="Consolas" panose="020B0609020204030204" pitchFamily="49" charset="0"/>
-                <a:cs typeface="Consolas" panose="020B0609020204030204" pitchFamily="49" charset="0"/>
-              </a:rPr>
-            </a:br>
-            <a:r>
-              <a:rPr lang="en-US" dirty="0">
-                <a:latin typeface="Consolas" panose="020B0609020204030204" pitchFamily="49" charset="0"/>
-                <a:cs typeface="Consolas" panose="020B0609020204030204" pitchFamily="49" charset="0"/>
-              </a:rPr>
-              <a:t>    </a:t>
-            </a:r>
-            <a:r>
-              <a:rPr lang="en-US" dirty="0">
-                <a:solidFill>
-                  <a:srgbClr val="CC7832"/>
-                </a:solidFill>
-                <a:effectLst/>
-                <a:latin typeface="Consolas" panose="020B0609020204030204" pitchFamily="49" charset="0"/>
-                <a:cs typeface="Consolas" panose="020B0609020204030204" pitchFamily="49" charset="0"/>
-              </a:rPr>
-              <a:t>for </a:t>
-            </a:r>
-            <a:r>
-              <a:rPr lang="en-US" dirty="0" err="1">
-                <a:latin typeface="Consolas" panose="020B0609020204030204" pitchFamily="49" charset="0"/>
-                <a:cs typeface="Consolas" panose="020B0609020204030204" pitchFamily="49" charset="0"/>
-              </a:rPr>
-              <a:t>i</a:t>
-            </a:r>
-            <a:r>
-              <a:rPr lang="en-US" dirty="0">
-                <a:solidFill>
-                  <a:srgbClr val="CC7832"/>
-                </a:solidFill>
-                <a:effectLst/>
-                <a:latin typeface="Consolas" panose="020B0609020204030204" pitchFamily="49" charset="0"/>
-                <a:cs typeface="Consolas" panose="020B0609020204030204" pitchFamily="49" charset="0"/>
-              </a:rPr>
-              <a:t>, </a:t>
-            </a:r>
-            <a:r>
-              <a:rPr lang="en-US" dirty="0">
-                <a:latin typeface="Consolas" panose="020B0609020204030204" pitchFamily="49" charset="0"/>
-                <a:cs typeface="Consolas" panose="020B0609020204030204" pitchFamily="49" charset="0"/>
-              </a:rPr>
-              <a:t>hero </a:t>
-            </a:r>
-            <a:r>
-              <a:rPr lang="en-US" dirty="0">
-                <a:solidFill>
-                  <a:srgbClr val="CC7832"/>
-                </a:solidFill>
-                <a:effectLst/>
-                <a:latin typeface="Consolas" panose="020B0609020204030204" pitchFamily="49" charset="0"/>
-                <a:cs typeface="Consolas" panose="020B0609020204030204" pitchFamily="49" charset="0"/>
-              </a:rPr>
-              <a:t>in </a:t>
-            </a:r>
-            <a:r>
-              <a:rPr lang="en-US" dirty="0">
-                <a:solidFill>
-                  <a:srgbClr val="8888C6"/>
-                </a:solidFill>
-                <a:effectLst/>
-                <a:latin typeface="Consolas" panose="020B0609020204030204" pitchFamily="49" charset="0"/>
-                <a:cs typeface="Consolas" panose="020B0609020204030204" pitchFamily="49" charset="0"/>
-              </a:rPr>
-              <a:t>enumerate</a:t>
-            </a:r>
-            <a:r>
-              <a:rPr lang="en-US" dirty="0">
-                <a:latin typeface="Consolas" panose="020B0609020204030204" pitchFamily="49" charset="0"/>
-                <a:cs typeface="Consolas" panose="020B0609020204030204" pitchFamily="49" charset="0"/>
-              </a:rPr>
-              <a:t>(heroes):</a:t>
-            </a:r>
-            <a:br>
-              <a:rPr lang="en-US" dirty="0">
-                <a:latin typeface="Consolas" panose="020B0609020204030204" pitchFamily="49" charset="0"/>
-                <a:cs typeface="Consolas" panose="020B0609020204030204" pitchFamily="49" charset="0"/>
-              </a:rPr>
-            </a:br>
-            <a:r>
-              <a:rPr lang="en-US" dirty="0">
-                <a:latin typeface="Consolas" panose="020B0609020204030204" pitchFamily="49" charset="0"/>
-                <a:cs typeface="Consolas" panose="020B0609020204030204" pitchFamily="49" charset="0"/>
-              </a:rPr>
-              <a:t>        </a:t>
-            </a:r>
-            <a:r>
-              <a:rPr lang="en-US" dirty="0">
-                <a:solidFill>
-                  <a:srgbClr val="8888C6"/>
-                </a:solidFill>
-                <a:effectLst/>
-                <a:latin typeface="Consolas" panose="020B0609020204030204" pitchFamily="49" charset="0"/>
-                <a:cs typeface="Consolas" panose="020B0609020204030204" pitchFamily="49" charset="0"/>
-              </a:rPr>
-              <a:t>print</a:t>
-            </a:r>
-            <a:r>
-              <a:rPr lang="en-US" dirty="0">
-                <a:latin typeface="Consolas" panose="020B0609020204030204" pitchFamily="49" charset="0"/>
-                <a:cs typeface="Consolas" panose="020B0609020204030204" pitchFamily="49" charset="0"/>
-              </a:rPr>
-              <a:t>(</a:t>
-            </a:r>
-            <a:r>
-              <a:rPr lang="en-US" dirty="0">
-                <a:solidFill>
-                  <a:srgbClr val="6A8759"/>
-                </a:solidFill>
-                <a:effectLst/>
-                <a:latin typeface="Consolas" panose="020B0609020204030204" pitchFamily="49" charset="0"/>
-                <a:cs typeface="Consolas" panose="020B0609020204030204" pitchFamily="49" charset="0"/>
-              </a:rPr>
-              <a:t>"{}: {}"</a:t>
-            </a:r>
-            <a:r>
-              <a:rPr lang="en-US" dirty="0">
-                <a:latin typeface="Consolas" panose="020B0609020204030204" pitchFamily="49" charset="0"/>
-                <a:cs typeface="Consolas" panose="020B0609020204030204" pitchFamily="49" charset="0"/>
-              </a:rPr>
-              <a:t>.format(i+</a:t>
-            </a:r>
-            <a:r>
-              <a:rPr lang="en-US" dirty="0">
-                <a:solidFill>
-                  <a:srgbClr val="6897BB"/>
-                </a:solidFill>
-                <a:effectLst/>
-                <a:latin typeface="Consolas" panose="020B0609020204030204" pitchFamily="49" charset="0"/>
-                <a:cs typeface="Consolas" panose="020B0609020204030204" pitchFamily="49" charset="0"/>
-              </a:rPr>
-              <a:t>1</a:t>
-            </a:r>
-            <a:r>
-              <a:rPr lang="en-US" dirty="0">
-                <a:solidFill>
-                  <a:srgbClr val="CC7832"/>
-                </a:solidFill>
-                <a:effectLst/>
-                <a:latin typeface="Consolas" panose="020B0609020204030204" pitchFamily="49" charset="0"/>
-                <a:cs typeface="Consolas" panose="020B0609020204030204" pitchFamily="49" charset="0"/>
-              </a:rPr>
-              <a:t>, </a:t>
-            </a:r>
-            <a:r>
-              <a:rPr lang="en-US" dirty="0">
-                <a:latin typeface="Consolas" panose="020B0609020204030204" pitchFamily="49" charset="0"/>
-                <a:cs typeface="Consolas" panose="020B0609020204030204" pitchFamily="49" charset="0"/>
-              </a:rPr>
-              <a:t>hero))</a:t>
+            <a:endParaRPr lang="en-US" dirty="0"/>
+          </a:p>
+          <a:p>
+            <a:r>
+              <a:rPr lang="en-US" dirty="0"/>
+              <a:t>6: Westley</a:t>
             </a:r>
           </a:p>
         </p:txBody>
@@ -10784,20 +11438,20 @@
     </p:spTree>
     <p:extLst>
       <p:ext uri="{BB962C8B-B14F-4D97-AF65-F5344CB8AC3E}">
-        <p14:creationId xmlns:p14="http://schemas.microsoft.com/office/powerpoint/2010/main" val="878462036"/>
+        <p14:creationId xmlns:p14="http://schemas.microsoft.com/office/powerpoint/2010/main" val="3914388612"/>
       </p:ext>
     </p:extLst>
   </p:cSld>
   <p:clrMapOvr>
     <a:masterClrMapping/>
   </p:clrMapOvr>
-  <mc:AlternateContent xmlns:mc="http://schemas.openxmlformats.org/markup-compatibility/2006">
-    <mc:Choice xmlns:p14="http://schemas.microsoft.com/office/powerpoint/2010/main" Requires="p14">
+  <mc:AlternateContent xmlns:mc="http://schemas.openxmlformats.org/markup-compatibility/2006" xmlns:p14="http://schemas.microsoft.com/office/powerpoint/2010/main">
+    <mc:Choice Requires="p14">
       <p:transition p14:dur="300">
         <p:fade/>
       </p:transition>
     </mc:Choice>
-    <mc:Fallback>
+    <mc:Fallback xmlns="">
       <p:transition>
         <p:fade/>
       </p:transition>

--- a/Slides/On-Campus/09_02_SystemOfProtocolsAndMoreLists.pptx
+++ b/Slides/On-Campus/09_02_SystemOfProtocolsAndMoreLists.pptx
@@ -224,7 +224,7 @@
           <a:p>
             <a:fld id="{4D7E51A5-B478-1E40-8CBB-0DAA8831E99D}" type="datetimeFigureOut">
               <a:rPr lang="en-US" smtClean="0"/>
-              <a:t>10/20/2021</a:t>
+              <a:t>10/21/21</a:t>
             </a:fld>
             <a:endParaRPr lang="en-US"/>
           </a:p>
@@ -389,7 +389,7 @@
           <a:p>
             <a:fld id="{D0ED587F-861E-6740-9643-E3DDAE89B8D6}" type="datetimeFigureOut">
               <a:rPr lang="en-US" smtClean="0"/>
-              <a:t>10/20/2021</a:t>
+              <a:t>10/21/21</a:t>
             </a:fld>
             <a:endParaRPr lang="en-US"/>
           </a:p>
@@ -685,7 +685,7 @@
         </p:nvSpPr>
         <p:spPr>
           <a:xfrm>
-            <a:off x="381300" y="685800"/>
+            <a:off x="381000" y="685800"/>
             <a:ext cx="6096000" cy="3429000"/>
           </a:xfrm>
           <a:custGeom>
@@ -7704,7 +7704,7 @@
               <a:rPr lang="en-US" dirty="0">
                 <a:latin typeface="Consolas" panose="020B0609020204030204" pitchFamily="49" charset="0"/>
               </a:rPr>
-              <a:t>[‘10’, ‘255’, ‘123’, ‘96]  # notice they are all String values</a:t>
+              <a:t>[‘10’, ‘255’, ‘123’, ’96’]  # notice they are all String values</a:t>
             </a:r>
           </a:p>
           <a:p>
@@ -7736,14 +7736,14 @@
             <a:pPr lvl="1"/>
             <a:r>
               <a:rPr lang="en-US" dirty="0"/>
-              <a:t>0 10</a:t>
+              <a:t>index:0 value:10</a:t>
             </a:r>
           </a:p>
           <a:p>
             <a:pPr lvl="1"/>
             <a:r>
               <a:rPr lang="en-US" dirty="0"/>
-              <a:t>1 255</a:t>
+              <a:t>index:1 value:255</a:t>
             </a:r>
           </a:p>
           <a:p>
@@ -9065,7 +9065,7 @@
           <a:p>
             <a:r>
               <a:rPr lang="en-US" dirty="0"/>
-              <a:t>What is your favorite thing to do online?</a:t>
+              <a:t>What website do you use the most?</a:t>
             </a:r>
           </a:p>
         </p:txBody>
@@ -9148,8 +9148,8 @@
         </p:nvSpPr>
         <p:spPr>
           <a:xfrm>
-            <a:off x="628094" y="2487905"/>
-            <a:ext cx="12561413" cy="4409120"/>
+            <a:off x="508000" y="2487905"/>
+            <a:ext cx="12681507" cy="4409120"/>
           </a:xfrm>
           <a:prstGeom prst="rect">
             <a:avLst/>
